--- a/Advanced Level - Back-end/Databases/Presentation/1. Database-Systems-Overview.pptx
+++ b/Advanced Level - Back-end/Databases/Presentation/1. Database-Systems-Overview.pptx
@@ -67,7 +67,7 @@
     <p:sldId id="510" r:id="rId56"/>
     <p:sldId id="511" r:id="rId57"/>
     <p:sldId id="457" r:id="rId58"/>
-    <p:sldId id="424" r:id="rId59"/>
+    <p:sldId id="514" r:id="rId59"/>
     <p:sldId id="419" r:id="rId60"/>
     <p:sldId id="420" r:id="rId61"/>
   </p:sldIdLst>
@@ -290,7 +290,7 @@
             <a:fld id="{FE5B4EDC-59C0-49C7-8ADA-5A781B329E02}" type="datetimeFigureOut">
               <a:rPr lang="en-US"/>
               <a:pPr/>
-              <a:t>03-02-2015</a:t>
+              <a:t>16-Jun-2015</a:t>
             </a:fld>
             <a:endParaRPr dirty="0"/>
           </a:p>
@@ -489,7 +489,7 @@
             <a:fld id="{F2D8D46A-B586-417D-BFBD-8C8FE0AAF762}" type="datetimeFigureOut">
               <a:rPr lang="en-US" smtClean="0"/>
               <a:pPr/>
-              <a:t>03-02-2015</a:t>
+              <a:t>16-Jun-2015</a:t>
             </a:fld>
             <a:endParaRPr lang="en-US"/>
           </a:p>
@@ -1248,7 +1248,7 @@
     </p:spTree>
     <p:extLst>
       <p:ext uri="{BB962C8B-B14F-4D97-AF65-F5344CB8AC3E}">
-        <p14:creationId xmlns:p14="http://schemas.microsoft.com/office/powerpoint/2010/main" val="3890612698"/>
+        <p14:creationId xmlns:p14="http://schemas.microsoft.com/office/powerpoint/2010/main" val="1687677376"/>
       </p:ext>
     </p:extLst>
   </p:cSld>
@@ -3220,7 +3220,7 @@
             <a:fld id="{055373AC-9AA7-423B-BA00-BA1C74164DBD}" type="datetime1">
               <a:rPr lang="en-US" smtClean="0"/>
               <a:pPr/>
-              <a:t>03-02-2015</a:t>
+              <a:t>16-Jun-2015</a:t>
             </a:fld>
             <a:endParaRPr lang="en-US" dirty="0"/>
           </a:p>
@@ -4673,7 +4673,7 @@
             <a:fld id="{055373AC-9AA7-423B-BA00-BA1C74164DBD}" type="datetime1">
               <a:rPr lang="en-US" smtClean="0"/>
               <a:pPr/>
-              <a:t>03-02-2015</a:t>
+              <a:t>16-Jun-2015</a:t>
             </a:fld>
             <a:endParaRPr lang="en-US" dirty="0"/>
           </a:p>
@@ -5264,8 +5264,8 @@
         </p:nvSpPr>
         <p:spPr>
           <a:xfrm>
-            <a:off x="5027612" y="1122428"/>
-            <a:ext cx="6391741" cy="1087372"/>
+            <a:off x="5789612" y="914400"/>
+            <a:ext cx="5629741" cy="1087372"/>
           </a:xfrm>
         </p:spPr>
         <p:txBody>
@@ -5294,8 +5294,8 @@
         </p:nvSpPr>
         <p:spPr>
           <a:xfrm>
-            <a:off x="4189412" y="2285999"/>
-            <a:ext cx="7306141" cy="1280903"/>
+            <a:off x="5789612" y="2077972"/>
+            <a:ext cx="5705941" cy="686636"/>
           </a:xfrm>
         </p:spPr>
         <p:txBody>
@@ -5306,8 +5306,13 @@
           <a:p>
             <a:r>
               <a:rPr lang="en-US" dirty="0" smtClean="0"/>
-              <a:t>DBMS Fundamental Concepts</a:t>
-            </a:r>
+              <a:t>DBMS </a:t>
+            </a:r>
+            <a:r>
+              <a:rPr lang="en-US" dirty="0" smtClean="0"/>
+              <a:t>Basic Concepts</a:t>
+            </a:r>
+            <a:endParaRPr lang="en-US" dirty="0" smtClean="0"/>
           </a:p>
         </p:txBody>
       </p:sp>
@@ -5486,8 +5491,8 @@
         </p:nvSpPr>
         <p:spPr>
           <a:xfrm rot="20983918">
-            <a:off x="5162095" y="3362663"/>
-            <a:ext cx="2095876" cy="877163"/>
+            <a:off x="3771413" y="938773"/>
+            <a:ext cx="1663151" cy="589253"/>
           </a:xfrm>
           <a:prstGeom prst="rect">
             <a:avLst/>
@@ -5568,7 +5573,7 @@
         </p:blipFill>
         <p:spPr bwMode="auto">
           <a:xfrm>
-            <a:off x="4227102" y="4351845"/>
+            <a:off x="3758716" y="1561443"/>
             <a:ext cx="1715156" cy="1715157"/>
           </a:xfrm>
           <a:prstGeom prst="rect">
@@ -5610,8 +5615,8 @@
         </p:blipFill>
         <p:spPr bwMode="auto">
           <a:xfrm>
-            <a:off x="6805984" y="4082484"/>
-            <a:ext cx="3720468" cy="2400301"/>
+            <a:off x="6945943" y="3695699"/>
+            <a:ext cx="4473410" cy="2487050"/>
           </a:xfrm>
           <a:prstGeom prst="roundRect">
             <a:avLst>
@@ -5652,8 +5657,8 @@
         </p:blipFill>
         <p:spPr bwMode="auto">
           <a:xfrm>
-            <a:off x="9909551" y="3345783"/>
-            <a:ext cx="1352459" cy="1454817"/>
+            <a:off x="10106765" y="3062648"/>
+            <a:ext cx="1509802" cy="1624068"/>
           </a:xfrm>
           <a:prstGeom prst="rect">
             <a:avLst/>
@@ -5716,6 +5721,109 @@
           </a:ln>
         </p:spPr>
       </p:pic>
+      <p:pic>
+        <p:nvPicPr>
+          <p:cNvPr id="14" name="Picture 13"/>
+          <p:cNvPicPr>
+            <a:picLocks noChangeAspect="1"/>
+          </p:cNvPicPr>
+          <p:nvPr/>
+        </p:nvPicPr>
+        <p:blipFill>
+          <a:blip r:embed="rId11">
+            <a:extLst>
+              <a:ext uri="{28A0092B-C50C-407E-A947-70E740481C1C}">
+                <a14:useLocalDpi xmlns:a14="http://schemas.microsoft.com/office/drawing/2010/main" val="0"/>
+              </a:ext>
+            </a:extLst>
+          </a:blip>
+          <a:stretch>
+            <a:fillRect/>
+          </a:stretch>
+        </p:blipFill>
+        <p:spPr>
+          <a:xfrm flipH="1">
+            <a:off x="3656014" y="3841263"/>
+            <a:ext cx="2133598" cy="2341486"/>
+          </a:xfrm>
+          <a:prstGeom prst="rect">
+            <a:avLst/>
+          </a:prstGeom>
+        </p:spPr>
+      </p:pic>
+      <p:sp>
+        <p:nvSpPr>
+          <p:cNvPr id="18" name="TextBox 17"/>
+          <p:cNvSpPr txBox="1"/>
+          <p:nvPr/>
+        </p:nvSpPr>
+        <p:spPr>
+          <a:xfrm rot="576164">
+            <a:off x="5145888" y="3875414"/>
+            <a:ext cx="1562159" cy="409023"/>
+          </a:xfrm>
+          <a:prstGeom prst="rect">
+            <a:avLst/>
+          </a:prstGeom>
+          <a:noFill/>
+        </p:spPr>
+        <p:txBody>
+          <a:bodyPr wrap="none" rtlCol="0">
+            <a:spAutoFit/>
+          </a:bodyPr>
+          <a:lstStyle/>
+          <a:p>
+            <a:pPr algn="ctr">
+              <a:lnSpc>
+                <a:spcPct val="85000"/>
+              </a:lnSpc>
+            </a:pPr>
+            <a:r>
+              <a:rPr lang="en-US" b="1" spc="50" dirty="0" smtClean="0">
+                <a:ln w="9525" cmpd="sng">
+                  <a:solidFill>
+                    <a:schemeClr val="accent1"/>
+                  </a:solidFill>
+                  <a:prstDash val="solid"/>
+                </a:ln>
+                <a:solidFill>
+                  <a:srgbClr val="70AD47">
+                    <a:tint val="1000"/>
+                  </a:srgbClr>
+                </a:solidFill>
+                <a:effectLst>
+                  <a:glow rad="38100">
+                    <a:schemeClr val="accent1">
+                      <a:alpha val="40000"/>
+                    </a:schemeClr>
+                  </a:glow>
+                </a:effectLst>
+              </a:rPr>
+              <a:t>Databases</a:t>
+            </a:r>
+            <a:endParaRPr lang="en-US" b="1" spc="50" dirty="0">
+              <a:ln w="9525" cmpd="sng">
+                <a:solidFill>
+                  <a:schemeClr val="accent1"/>
+                </a:solidFill>
+                <a:prstDash val="solid"/>
+              </a:ln>
+              <a:solidFill>
+                <a:srgbClr val="70AD47">
+                  <a:tint val="1000"/>
+                </a:srgbClr>
+              </a:solidFill>
+              <a:effectLst>
+                <a:glow rad="38100">
+                  <a:schemeClr val="accent1">
+                    <a:alpha val="40000"/>
+                  </a:schemeClr>
+                </a:glow>
+              </a:effectLst>
+            </a:endParaRPr>
+          </a:p>
+        </p:txBody>
+      </p:sp>
     </p:spTree>
     <p:extLst>
       <p:ext uri="{BB962C8B-B14F-4D97-AF65-F5344CB8AC3E}">
@@ -6562,6 +6670,11 @@
           </a:bodyPr>
           <a:lstStyle/>
           <a:p>
+            <a:pPr>
+              <a:lnSpc>
+                <a:spcPct val="100000"/>
+              </a:lnSpc>
+            </a:pPr>
             <a:r>
               <a:rPr lang="en-US" sz="3200" dirty="0">
                 <a:solidFill>
@@ -6601,21 +6714,43 @@
             <a:endParaRPr lang="bg-BG" sz="3200" dirty="0"/>
           </a:p>
           <a:p>
-            <a:endParaRPr lang="bg-BG" sz="3000" dirty="0"/>
-          </a:p>
-          <a:p>
             <a:pPr>
-              <a:buNone/>
+              <a:lnSpc>
+                <a:spcPct val="100000"/>
+              </a:lnSpc>
+            </a:pPr>
+            <a:endParaRPr lang="en-US" sz="3000" dirty="0" smtClean="0"/>
+          </a:p>
+          <a:p>
+            <a:pPr>
+              <a:lnSpc>
+                <a:spcPct val="100000"/>
+              </a:lnSpc>
+            </a:pPr>
+            <a:endParaRPr lang="en-US" sz="3000" dirty="0"/>
+          </a:p>
+          <a:p>
+            <a:pPr>
+              <a:lnSpc>
+                <a:spcPct val="100000"/>
+              </a:lnSpc>
             </a:pPr>
             <a:endParaRPr lang="bg-BG" sz="3000" dirty="0"/>
           </a:p>
           <a:p>
+            <a:pPr>
+              <a:lnSpc>
+                <a:spcPct val="100000"/>
+              </a:lnSpc>
+            </a:pPr>
             <a:endParaRPr lang="bg-BG" sz="3000" dirty="0"/>
           </a:p>
           <a:p>
-            <a:endParaRPr lang="bg-BG" sz="3000" dirty="0"/>
-          </a:p>
-          <a:p>
+            <a:pPr>
+              <a:lnSpc>
+                <a:spcPct val="100000"/>
+              </a:lnSpc>
+            </a:pPr>
             <a:r>
               <a:rPr lang="en-US" sz="3200" dirty="0"/>
               <a:t>Two records</a:t>
@@ -6639,6 +6774,11 @@
             <a:endParaRPr lang="bg-BG" sz="3200" dirty="0"/>
           </a:p>
           <a:p>
+            <a:pPr>
+              <a:lnSpc>
+                <a:spcPct val="100000"/>
+              </a:lnSpc>
+            </a:pPr>
             <a:r>
               <a:rPr lang="en-US" sz="3200" dirty="0" smtClean="0">
                 <a:solidFill>
@@ -6736,13 +6876,13 @@
           <p:nvPr>
             <p:extLst>
               <p:ext uri="{D42A27DB-BD31-4B8C-83A1-F6EECF244321}">
-                <p14:modId xmlns:p14="http://schemas.microsoft.com/office/powerpoint/2010/main" val="3351108471"/>
+                <p14:modId xmlns:p14="http://schemas.microsoft.com/office/powerpoint/2010/main" val="1004411029"/>
               </p:ext>
             </p:extLst>
           </p:nvPr>
         </p:nvGraphicFramePr>
         <p:xfrm>
-          <a:off x="2692928" y="2667000"/>
+          <a:off x="2845328" y="2514600"/>
           <a:ext cx="8125884" cy="1828800"/>
         </p:xfrm>
         <a:graphic>
@@ -6765,10 +6905,26 @@
                     <a:p>
                       <a:pPr algn="ctr"/>
                       <a:r>
-                        <a:rPr lang="en-GB" noProof="1" smtClean="0"/>
+                        <a:rPr lang="en-GB" noProof="1" smtClean="0">
+                          <a:effectLst>
+                            <a:outerShdw blurRad="38100" dist="38100" dir="2700000" algn="tl">
+                              <a:srgbClr val="000000">
+                                <a:alpha val="43137"/>
+                              </a:srgbClr>
+                            </a:outerShdw>
+                          </a:effectLst>
+                        </a:rPr>
                         <a:t>Id</a:t>
                       </a:r>
-                      <a:endParaRPr lang="en-GB" noProof="1"/>
+                      <a:endParaRPr lang="en-GB" noProof="1">
+                        <a:effectLst>
+                          <a:outerShdw blurRad="38100" dist="38100" dir="2700000" algn="tl">
+                            <a:srgbClr val="000000">
+                              <a:alpha val="43137"/>
+                            </a:srgbClr>
+                          </a:outerShdw>
+                        </a:effectLst>
+                      </a:endParaRPr>
                     </a:p>
                   </a:txBody>
                   <a:tcPr/>
@@ -6780,10 +6936,26 @@
                     <a:p>
                       <a:pPr algn="ctr"/>
                       <a:r>
-                        <a:rPr lang="en-GB" noProof="1" smtClean="0"/>
+                        <a:rPr lang="en-GB" noProof="1" smtClean="0">
+                          <a:effectLst>
+                            <a:outerShdw blurRad="38100" dist="38100" dir="2700000" algn="tl">
+                              <a:srgbClr val="000000">
+                                <a:alpha val="43137"/>
+                              </a:srgbClr>
+                            </a:outerShdw>
+                          </a:effectLst>
+                        </a:rPr>
                         <a:t>First Name</a:t>
                       </a:r>
-                      <a:endParaRPr lang="en-GB" noProof="1"/>
+                      <a:endParaRPr lang="en-GB" noProof="1">
+                        <a:effectLst>
+                          <a:outerShdw blurRad="38100" dist="38100" dir="2700000" algn="tl">
+                            <a:srgbClr val="000000">
+                              <a:alpha val="43137"/>
+                            </a:srgbClr>
+                          </a:outerShdw>
+                        </a:effectLst>
+                      </a:endParaRPr>
                     </a:p>
                   </a:txBody>
                   <a:tcPr/>
@@ -6795,10 +6967,26 @@
                     <a:p>
                       <a:pPr algn="ctr"/>
                       <a:r>
-                        <a:rPr lang="en-GB" noProof="1" smtClean="0"/>
+                        <a:rPr lang="en-GB" noProof="1" smtClean="0">
+                          <a:effectLst>
+                            <a:outerShdw blurRad="38100" dist="38100" dir="2700000" algn="tl">
+                              <a:srgbClr val="000000">
+                                <a:alpha val="43137"/>
+                              </a:srgbClr>
+                            </a:outerShdw>
+                          </a:effectLst>
+                        </a:rPr>
                         <a:t>Last Name</a:t>
                       </a:r>
-                      <a:endParaRPr lang="en-GB" noProof="1"/>
+                      <a:endParaRPr lang="en-GB" noProof="1">
+                        <a:effectLst>
+                          <a:outerShdw blurRad="38100" dist="38100" dir="2700000" algn="tl">
+                            <a:srgbClr val="000000">
+                              <a:alpha val="43137"/>
+                            </a:srgbClr>
+                          </a:outerShdw>
+                        </a:effectLst>
+                      </a:endParaRPr>
                     </a:p>
                   </a:txBody>
                   <a:tcPr/>
@@ -6810,10 +6998,26 @@
                     <a:p>
                       <a:pPr algn="ctr"/>
                       <a:r>
-                        <a:rPr lang="en-GB" noProof="1" smtClean="0"/>
+                        <a:rPr lang="en-GB" noProof="1" smtClean="0">
+                          <a:effectLst>
+                            <a:outerShdw blurRad="38100" dist="38100" dir="2700000" algn="tl">
+                              <a:srgbClr val="000000">
+                                <a:alpha val="43137"/>
+                              </a:srgbClr>
+                            </a:outerShdw>
+                          </a:effectLst>
+                        </a:rPr>
                         <a:t>Employer</a:t>
                       </a:r>
-                      <a:endParaRPr lang="en-GB" noProof="1"/>
+                      <a:endParaRPr lang="en-GB" noProof="1">
+                        <a:effectLst>
+                          <a:outerShdw blurRad="38100" dist="38100" dir="2700000" algn="tl">
+                            <a:srgbClr val="000000">
+                              <a:alpha val="43137"/>
+                            </a:srgbClr>
+                          </a:outerShdw>
+                        </a:effectLst>
+                      </a:endParaRPr>
                     </a:p>
                   </a:txBody>
                   <a:tcPr/>
@@ -6825,6 +7029,7 @@
                     <a:bodyPr/>
                     <a:lstStyle/>
                     <a:p>
+                      <a:pPr algn="ctr"/>
                       <a:r>
                         <a:rPr lang="en-GB" noProof="1" smtClean="0"/>
                         <a:t>1</a:t>
@@ -6883,6 +7088,7 @@
                     <a:bodyPr/>
                     <a:lstStyle/>
                     <a:p>
+                      <a:pPr algn="ctr"/>
                       <a:r>
                         <a:rPr lang="en-GB" noProof="1" smtClean="0"/>
                         <a:t>2</a:t>
@@ -6940,6 +7146,7 @@
                     <a:bodyPr/>
                     <a:lstStyle/>
                     <a:p>
+                      <a:pPr algn="ctr"/>
                       <a:r>
                         <a:rPr lang="en-GB" noProof="1" smtClean="0"/>
                         <a:t>3</a:t>
@@ -7006,7 +7213,7 @@
         </p:nvSpPr>
         <p:spPr bwMode="auto">
           <a:xfrm>
-            <a:off x="608012" y="2995667"/>
+            <a:off x="760412" y="2843267"/>
             <a:ext cx="1855575" cy="585733"/>
           </a:xfrm>
           <a:prstGeom prst="wedgeRoundRectCallout">
@@ -7384,7 +7591,7 @@
         </p:nvSpPr>
         <p:spPr bwMode="auto">
           <a:xfrm>
-            <a:off x="3103156" y="2902669"/>
+            <a:off x="3204558" y="2902669"/>
             <a:ext cx="1170513" cy="480131"/>
           </a:xfrm>
           <a:prstGeom prst="rect">
@@ -7467,7 +7674,7 @@
         </p:nvSpPr>
         <p:spPr bwMode="auto">
           <a:xfrm>
-            <a:off x="8313448" y="3274393"/>
+            <a:off x="8414850" y="3274393"/>
             <a:ext cx="1959191" cy="480131"/>
           </a:xfrm>
           <a:prstGeom prst="rect">
@@ -7550,7 +7757,7 @@
         </p:nvSpPr>
         <p:spPr bwMode="auto">
           <a:xfrm>
-            <a:off x="6246813" y="4066700"/>
+            <a:off x="6348215" y="4066700"/>
             <a:ext cx="1720852" cy="344964"/>
           </a:xfrm>
           <a:prstGeom prst="line">
@@ -7588,7 +7795,7 @@
         </p:nvSpPr>
         <p:spPr bwMode="auto">
           <a:xfrm flipV="1">
-            <a:off x="6246813" y="4522599"/>
+            <a:off x="6348215" y="4522599"/>
             <a:ext cx="1709738" cy="49399"/>
           </a:xfrm>
           <a:prstGeom prst="line">
@@ -7626,7 +7833,7 @@
         </p:nvSpPr>
         <p:spPr bwMode="auto">
           <a:xfrm flipV="1">
-            <a:off x="6246813" y="4938714"/>
+            <a:off x="6348215" y="4938714"/>
             <a:ext cx="1709738" cy="84213"/>
           </a:xfrm>
           <a:prstGeom prst="line">
@@ -7664,7 +7871,7 @@
         </p:nvSpPr>
         <p:spPr bwMode="auto">
           <a:xfrm flipV="1">
-            <a:off x="6261525" y="5081989"/>
+            <a:off x="6362927" y="5081989"/>
             <a:ext cx="1706140" cy="419496"/>
           </a:xfrm>
           <a:prstGeom prst="line">
@@ -7702,7 +7909,7 @@
         </p:nvSpPr>
         <p:spPr bwMode="auto">
           <a:xfrm flipV="1">
-            <a:off x="6245777" y="5501486"/>
+            <a:off x="6347179" y="5501486"/>
             <a:ext cx="1699663" cy="419494"/>
           </a:xfrm>
           <a:prstGeom prst="line">
@@ -7739,13 +7946,13 @@
           <p:nvPr>
             <p:extLst>
               <p:ext uri="{D42A27DB-BD31-4B8C-83A1-F6EECF244321}">
-                <p14:modId xmlns:p14="http://schemas.microsoft.com/office/powerpoint/2010/main" val="1919565212"/>
+                <p14:modId xmlns:p14="http://schemas.microsoft.com/office/powerpoint/2010/main" val="2067507904"/>
               </p:ext>
             </p:extLst>
           </p:nvPr>
         </p:nvGraphicFramePr>
         <p:xfrm>
-          <a:off x="1293812" y="3429000"/>
+          <a:off x="1395214" y="3429000"/>
           <a:ext cx="4901142" cy="2743200"/>
         </p:xfrm>
         <a:graphic>
@@ -7767,10 +7974,26 @@
                     <a:p>
                       <a:pPr algn="ctr"/>
                       <a:r>
-                        <a:rPr lang="en-GB" dirty="0" smtClean="0"/>
+                        <a:rPr lang="en-GB" dirty="0" smtClean="0">
+                          <a:effectLst>
+                            <a:outerShdw blurRad="38100" dist="38100" dir="2700000" algn="tl">
+                              <a:srgbClr val="000000">
+                                <a:alpha val="43137"/>
+                              </a:srgbClr>
+                            </a:outerShdw>
+                          </a:effectLst>
+                        </a:rPr>
                         <a:t>Id</a:t>
                       </a:r>
-                      <a:endParaRPr lang="en-GB" dirty="0"/>
+                      <a:endParaRPr lang="en-GB" dirty="0">
+                        <a:effectLst>
+                          <a:outerShdw blurRad="38100" dist="38100" dir="2700000" algn="tl">
+                            <a:srgbClr val="000000">
+                              <a:alpha val="43137"/>
+                            </a:srgbClr>
+                          </a:outerShdw>
+                        </a:effectLst>
+                      </a:endParaRPr>
                     </a:p>
                   </a:txBody>
                   <a:tcPr/>
@@ -7782,10 +8005,26 @@
                     <a:p>
                       <a:pPr algn="ctr"/>
                       <a:r>
-                        <a:rPr lang="en-GB" dirty="0" smtClean="0"/>
+                        <a:rPr lang="en-GB" dirty="0" smtClean="0">
+                          <a:effectLst>
+                            <a:outerShdw blurRad="38100" dist="38100" dir="2700000" algn="tl">
+                              <a:srgbClr val="000000">
+                                <a:alpha val="43137"/>
+                              </a:srgbClr>
+                            </a:outerShdw>
+                          </a:effectLst>
+                        </a:rPr>
                         <a:t>Name</a:t>
                       </a:r>
-                      <a:endParaRPr lang="en-GB" dirty="0"/>
+                      <a:endParaRPr lang="en-GB" dirty="0">
+                        <a:effectLst>
+                          <a:outerShdw blurRad="38100" dist="38100" dir="2700000" algn="tl">
+                            <a:srgbClr val="000000">
+                              <a:alpha val="43137"/>
+                            </a:srgbClr>
+                          </a:outerShdw>
+                        </a:effectLst>
+                      </a:endParaRPr>
                     </a:p>
                   </a:txBody>
                   <a:tcPr/>
@@ -7797,10 +8036,26 @@
                     <a:p>
                       <a:pPr algn="ctr"/>
                       <a:r>
-                        <a:rPr lang="en-GB" dirty="0" smtClean="0"/>
+                        <a:rPr lang="en-GB" dirty="0" smtClean="0">
+                          <a:effectLst>
+                            <a:outerShdw blurRad="38100" dist="38100" dir="2700000" algn="tl">
+                              <a:srgbClr val="000000">
+                                <a:alpha val="43137"/>
+                              </a:srgbClr>
+                            </a:outerShdw>
+                          </a:effectLst>
+                        </a:rPr>
                         <a:t>CountryId</a:t>
                       </a:r>
-                      <a:endParaRPr lang="en-GB" dirty="0"/>
+                      <a:endParaRPr lang="en-GB" dirty="0">
+                        <a:effectLst>
+                          <a:outerShdw blurRad="38100" dist="38100" dir="2700000" algn="tl">
+                            <a:srgbClr val="000000">
+                              <a:alpha val="43137"/>
+                            </a:srgbClr>
+                          </a:outerShdw>
+                        </a:effectLst>
+                      </a:endParaRPr>
                     </a:p>
                   </a:txBody>
                   <a:tcPr/>
@@ -8054,13 +8309,13 @@
           <p:nvPr>
             <p:extLst>
               <p:ext uri="{D42A27DB-BD31-4B8C-83A1-F6EECF244321}">
-                <p14:modId xmlns:p14="http://schemas.microsoft.com/office/powerpoint/2010/main" val="1091270828"/>
+                <p14:modId xmlns:p14="http://schemas.microsoft.com/office/powerpoint/2010/main" val="940561831"/>
               </p:ext>
             </p:extLst>
           </p:nvPr>
         </p:nvGraphicFramePr>
         <p:xfrm>
-          <a:off x="8050410" y="3833192"/>
+          <a:off x="8151812" y="3833192"/>
           <a:ext cx="2590800" cy="1828800"/>
         </p:xfrm>
         <a:graphic>
@@ -8081,10 +8336,26 @@
                     <a:p>
                       <a:pPr algn="ctr"/>
                       <a:r>
-                        <a:rPr lang="en-GB" dirty="0" smtClean="0"/>
+                        <a:rPr lang="en-GB" dirty="0" smtClean="0">
+                          <a:effectLst>
+                            <a:outerShdw blurRad="38100" dist="38100" dir="2700000" algn="tl">
+                              <a:srgbClr val="000000">
+                                <a:alpha val="43137"/>
+                              </a:srgbClr>
+                            </a:outerShdw>
+                          </a:effectLst>
+                        </a:rPr>
                         <a:t>Id</a:t>
                       </a:r>
-                      <a:endParaRPr lang="en-GB" dirty="0"/>
+                      <a:endParaRPr lang="en-GB" dirty="0">
+                        <a:effectLst>
+                          <a:outerShdw blurRad="38100" dist="38100" dir="2700000" algn="tl">
+                            <a:srgbClr val="000000">
+                              <a:alpha val="43137"/>
+                            </a:srgbClr>
+                          </a:outerShdw>
+                        </a:effectLst>
+                      </a:endParaRPr>
                     </a:p>
                   </a:txBody>
                   <a:tcPr/>
@@ -8096,10 +8367,26 @@
                     <a:p>
                       <a:pPr algn="ctr"/>
                       <a:r>
-                        <a:rPr lang="en-GB" dirty="0" smtClean="0"/>
+                        <a:rPr lang="en-GB" dirty="0" smtClean="0">
+                          <a:effectLst>
+                            <a:outerShdw blurRad="38100" dist="38100" dir="2700000" algn="tl">
+                              <a:srgbClr val="000000">
+                                <a:alpha val="43137"/>
+                              </a:srgbClr>
+                            </a:outerShdw>
+                          </a:effectLst>
+                        </a:rPr>
                         <a:t>Name</a:t>
                       </a:r>
-                      <a:endParaRPr lang="en-GB" dirty="0"/>
+                      <a:endParaRPr lang="en-GB" dirty="0">
+                        <a:effectLst>
+                          <a:outerShdw blurRad="38100" dist="38100" dir="2700000" algn="tl">
+                            <a:srgbClr val="000000">
+                              <a:alpha val="43137"/>
+                            </a:srgbClr>
+                          </a:outerShdw>
+                        </a:effectLst>
+                      </a:endParaRPr>
                     </a:p>
                   </a:txBody>
                   <a:tcPr/>
@@ -8111,6 +8398,7 @@
                     <a:bodyPr/>
                     <a:lstStyle/>
                     <a:p>
+                      <a:pPr algn="ctr"/>
                       <a:r>
                         <a:rPr lang="en-GB" dirty="0" smtClean="0"/>
                         <a:t>1</a:t>
@@ -8141,6 +8429,7 @@
                     <a:bodyPr/>
                     <a:lstStyle/>
                     <a:p>
+                      <a:pPr algn="ctr"/>
                       <a:r>
                         <a:rPr lang="en-GB" dirty="0" smtClean="0"/>
                         <a:t>2</a:t>
@@ -8171,6 +8460,7 @@
                     <a:bodyPr/>
                     <a:lstStyle/>
                     <a:p>
+                      <a:pPr algn="ctr"/>
                       <a:r>
                         <a:rPr lang="en-GB" dirty="0" smtClean="0"/>
                         <a:t>3</a:t>
@@ -8209,7 +8499,7 @@
         </p:nvSpPr>
         <p:spPr bwMode="auto">
           <a:xfrm>
-            <a:off x="952568" y="2611121"/>
+            <a:off x="1053970" y="2611121"/>
             <a:ext cx="2037261" cy="550263"/>
           </a:xfrm>
           <a:prstGeom prst="wedgeRoundRectCallout">
@@ -8308,7 +8598,7 @@
         </p:nvSpPr>
         <p:spPr bwMode="auto">
           <a:xfrm>
-            <a:off x="6563726" y="3033141"/>
+            <a:off x="6665128" y="3033141"/>
             <a:ext cx="1394966" cy="797315"/>
           </a:xfrm>
           <a:prstGeom prst="wedgeRoundRectCallout">
@@ -8407,7 +8697,7 @@
         </p:nvSpPr>
         <p:spPr bwMode="auto">
           <a:xfrm>
-            <a:off x="4504552" y="2765672"/>
+            <a:off x="4605954" y="2765672"/>
             <a:ext cx="1905237" cy="509533"/>
           </a:xfrm>
           <a:prstGeom prst="wedgeRoundRectCallout">
@@ -9115,7 +9405,7 @@
         </p:nvSpPr>
         <p:spPr bwMode="auto">
           <a:xfrm>
-            <a:off x="3179356" y="3048000"/>
+            <a:off x="3204558" y="2994992"/>
             <a:ext cx="1170513" cy="480131"/>
           </a:xfrm>
           <a:prstGeom prst="rect">
@@ -9198,7 +9488,7 @@
         </p:nvSpPr>
         <p:spPr bwMode="auto">
           <a:xfrm>
-            <a:off x="8389648" y="3472732"/>
+            <a:off x="8414850" y="3419724"/>
             <a:ext cx="1959191" cy="480131"/>
           </a:xfrm>
           <a:prstGeom prst="rect">
@@ -9281,7 +9571,7 @@
         </p:nvSpPr>
         <p:spPr bwMode="auto">
           <a:xfrm>
-            <a:off x="6323013" y="4219100"/>
+            <a:off x="6348215" y="4232352"/>
             <a:ext cx="1720852" cy="344964"/>
           </a:xfrm>
           <a:prstGeom prst="line">
@@ -9318,9 +9608,9 @@
           <p:nvPr/>
         </p:nvSpPr>
         <p:spPr bwMode="auto">
-          <a:xfrm flipV="1">
-            <a:off x="6323013" y="4674999"/>
-            <a:ext cx="1709738" cy="49399"/>
+          <a:xfrm>
+            <a:off x="6360431" y="4662881"/>
+            <a:ext cx="1710774" cy="51873"/>
           </a:xfrm>
           <a:prstGeom prst="line">
             <a:avLst/>
@@ -9357,7 +9647,7 @@
         </p:nvSpPr>
         <p:spPr bwMode="auto">
           <a:xfrm flipV="1">
-            <a:off x="6323013" y="5091114"/>
+            <a:off x="6348215" y="5038106"/>
             <a:ext cx="1709738" cy="84213"/>
           </a:xfrm>
           <a:prstGeom prst="line">
@@ -9395,8 +9685,8 @@
         </p:nvSpPr>
         <p:spPr bwMode="auto">
           <a:xfrm flipV="1">
-            <a:off x="6337725" y="5234389"/>
-            <a:ext cx="1706140" cy="419496"/>
+            <a:off x="6362927" y="5193312"/>
+            <a:ext cx="1706140" cy="407564"/>
           </a:xfrm>
           <a:prstGeom prst="line">
             <a:avLst/>
@@ -9433,7 +9723,7 @@
         </p:nvSpPr>
         <p:spPr bwMode="auto">
           <a:xfrm flipV="1">
-            <a:off x="6321977" y="5653886"/>
+            <a:off x="6347179" y="5600878"/>
             <a:ext cx="1699663" cy="419494"/>
           </a:xfrm>
           <a:prstGeom prst="line">
@@ -9470,13 +9760,13 @@
           <p:nvPr>
             <p:extLst>
               <p:ext uri="{D42A27DB-BD31-4B8C-83A1-F6EECF244321}">
-                <p14:modId xmlns:p14="http://schemas.microsoft.com/office/powerpoint/2010/main" val="857255084"/>
+                <p14:modId xmlns:p14="http://schemas.microsoft.com/office/powerpoint/2010/main" val="418592073"/>
               </p:ext>
             </p:extLst>
           </p:nvPr>
         </p:nvGraphicFramePr>
         <p:xfrm>
-          <a:off x="1370012" y="3581400"/>
+          <a:off x="1395214" y="3528392"/>
           <a:ext cx="4901142" cy="2743200"/>
         </p:xfrm>
         <a:graphic>
@@ -9498,10 +9788,26 @@
                     <a:p>
                       <a:pPr algn="ctr"/>
                       <a:r>
-                        <a:rPr lang="en-GB" dirty="0" smtClean="0"/>
+                        <a:rPr lang="en-GB" dirty="0" smtClean="0">
+                          <a:effectLst>
+                            <a:outerShdw blurRad="38100" dist="38100" dir="2700000" algn="tl">
+                              <a:srgbClr val="000000">
+                                <a:alpha val="43137"/>
+                              </a:srgbClr>
+                            </a:outerShdw>
+                          </a:effectLst>
+                        </a:rPr>
                         <a:t>Id</a:t>
                       </a:r>
-                      <a:endParaRPr lang="en-GB" dirty="0"/>
+                      <a:endParaRPr lang="en-GB" dirty="0">
+                        <a:effectLst>
+                          <a:outerShdw blurRad="38100" dist="38100" dir="2700000" algn="tl">
+                            <a:srgbClr val="000000">
+                              <a:alpha val="43137"/>
+                            </a:srgbClr>
+                          </a:outerShdw>
+                        </a:effectLst>
+                      </a:endParaRPr>
                     </a:p>
                   </a:txBody>
                   <a:tcPr/>
@@ -9513,10 +9819,26 @@
                     <a:p>
                       <a:pPr algn="ctr"/>
                       <a:r>
-                        <a:rPr lang="en-GB" dirty="0" smtClean="0"/>
+                        <a:rPr lang="en-GB" dirty="0" smtClean="0">
+                          <a:effectLst>
+                            <a:outerShdw blurRad="38100" dist="38100" dir="2700000" algn="tl">
+                              <a:srgbClr val="000000">
+                                <a:alpha val="43137"/>
+                              </a:srgbClr>
+                            </a:outerShdw>
+                          </a:effectLst>
+                        </a:rPr>
                         <a:t>Name</a:t>
                       </a:r>
-                      <a:endParaRPr lang="en-GB" dirty="0"/>
+                      <a:endParaRPr lang="en-GB" dirty="0">
+                        <a:effectLst>
+                          <a:outerShdw blurRad="38100" dist="38100" dir="2700000" algn="tl">
+                            <a:srgbClr val="000000">
+                              <a:alpha val="43137"/>
+                            </a:srgbClr>
+                          </a:outerShdw>
+                        </a:effectLst>
+                      </a:endParaRPr>
                     </a:p>
                   </a:txBody>
                   <a:tcPr/>
@@ -9528,10 +9850,26 @@
                     <a:p>
                       <a:pPr algn="ctr"/>
                       <a:r>
-                        <a:rPr lang="en-GB" dirty="0" smtClean="0"/>
+                        <a:rPr lang="en-GB" dirty="0" smtClean="0">
+                          <a:effectLst>
+                            <a:outerShdw blurRad="38100" dist="38100" dir="2700000" algn="tl">
+                              <a:srgbClr val="000000">
+                                <a:alpha val="43137"/>
+                              </a:srgbClr>
+                            </a:outerShdw>
+                          </a:effectLst>
+                        </a:rPr>
                         <a:t>CountryId</a:t>
                       </a:r>
-                      <a:endParaRPr lang="en-GB" dirty="0"/>
+                      <a:endParaRPr lang="en-GB" dirty="0">
+                        <a:effectLst>
+                          <a:outerShdw blurRad="38100" dist="38100" dir="2700000" algn="tl">
+                            <a:srgbClr val="000000">
+                              <a:alpha val="43137"/>
+                            </a:srgbClr>
+                          </a:outerShdw>
+                        </a:effectLst>
+                      </a:endParaRPr>
                     </a:p>
                   </a:txBody>
                   <a:tcPr/>
@@ -9785,13 +10123,13 @@
           <p:nvPr>
             <p:extLst>
               <p:ext uri="{D42A27DB-BD31-4B8C-83A1-F6EECF244321}">
-                <p14:modId xmlns:p14="http://schemas.microsoft.com/office/powerpoint/2010/main" val="1459493902"/>
+                <p14:modId xmlns:p14="http://schemas.microsoft.com/office/powerpoint/2010/main" val="1173684942"/>
               </p:ext>
             </p:extLst>
           </p:nvPr>
         </p:nvGraphicFramePr>
         <p:xfrm>
-          <a:off x="8126610" y="4038600"/>
+          <a:off x="8151812" y="3985592"/>
           <a:ext cx="2590800" cy="1828800"/>
         </p:xfrm>
         <a:graphic>
@@ -9812,10 +10150,26 @@
                     <a:p>
                       <a:pPr algn="ctr"/>
                       <a:r>
-                        <a:rPr lang="en-GB" dirty="0" smtClean="0"/>
+                        <a:rPr lang="en-GB" dirty="0" smtClean="0">
+                          <a:effectLst>
+                            <a:outerShdw blurRad="38100" dist="38100" dir="2700000" algn="tl">
+                              <a:srgbClr val="000000">
+                                <a:alpha val="43137"/>
+                              </a:srgbClr>
+                            </a:outerShdw>
+                          </a:effectLst>
+                        </a:rPr>
                         <a:t>Id</a:t>
                       </a:r>
-                      <a:endParaRPr lang="en-GB" dirty="0"/>
+                      <a:endParaRPr lang="en-GB" dirty="0">
+                        <a:effectLst>
+                          <a:outerShdw blurRad="38100" dist="38100" dir="2700000" algn="tl">
+                            <a:srgbClr val="000000">
+                              <a:alpha val="43137"/>
+                            </a:srgbClr>
+                          </a:outerShdw>
+                        </a:effectLst>
+                      </a:endParaRPr>
                     </a:p>
                   </a:txBody>
                   <a:tcPr/>
@@ -9827,10 +10181,26 @@
                     <a:p>
                       <a:pPr algn="ctr"/>
                       <a:r>
-                        <a:rPr lang="en-GB" dirty="0" smtClean="0"/>
+                        <a:rPr lang="en-GB" dirty="0" smtClean="0">
+                          <a:effectLst>
+                            <a:outerShdw blurRad="38100" dist="38100" dir="2700000" algn="tl">
+                              <a:srgbClr val="000000">
+                                <a:alpha val="43137"/>
+                              </a:srgbClr>
+                            </a:outerShdw>
+                          </a:effectLst>
+                        </a:rPr>
                         <a:t>Name</a:t>
                       </a:r>
-                      <a:endParaRPr lang="en-GB" dirty="0"/>
+                      <a:endParaRPr lang="en-GB" dirty="0">
+                        <a:effectLst>
+                          <a:outerShdw blurRad="38100" dist="38100" dir="2700000" algn="tl">
+                            <a:srgbClr val="000000">
+                              <a:alpha val="43137"/>
+                            </a:srgbClr>
+                          </a:outerShdw>
+                        </a:effectLst>
+                      </a:endParaRPr>
                     </a:p>
                   </a:txBody>
                   <a:tcPr/>
@@ -9842,6 +10212,7 @@
                     <a:bodyPr/>
                     <a:lstStyle/>
                     <a:p>
+                      <a:pPr algn="ctr"/>
                       <a:r>
                         <a:rPr lang="en-GB" dirty="0" smtClean="0"/>
                         <a:t>1</a:t>
@@ -9872,6 +10243,7 @@
                     <a:bodyPr/>
                     <a:lstStyle/>
                     <a:p>
+                      <a:pPr algn="ctr"/>
                       <a:r>
                         <a:rPr lang="en-GB" dirty="0" smtClean="0"/>
                         <a:t>2</a:t>
@@ -9902,6 +10274,7 @@
                     <a:bodyPr/>
                     <a:lstStyle/>
                     <a:p>
+                      <a:pPr algn="ctr"/>
                       <a:r>
                         <a:rPr lang="en-GB" dirty="0" smtClean="0"/>
                         <a:t>3</a:t>
@@ -10756,7 +11129,7 @@
           <p:nvPr>
             <p:extLst>
               <p:ext uri="{D42A27DB-BD31-4B8C-83A1-F6EECF244321}">
-                <p14:modId xmlns:p14="http://schemas.microsoft.com/office/powerpoint/2010/main" val="225519007"/>
+                <p14:modId xmlns:p14="http://schemas.microsoft.com/office/powerpoint/2010/main" val="3338700547"/>
               </p:ext>
             </p:extLst>
           </p:nvPr>
@@ -10783,10 +11156,26 @@
                     <a:p>
                       <a:pPr algn="ctr"/>
                       <a:r>
-                        <a:rPr lang="en-GB" noProof="1" smtClean="0"/>
+                        <a:rPr lang="en-GB" noProof="1" smtClean="0">
+                          <a:effectLst>
+                            <a:outerShdw blurRad="38100" dist="38100" dir="2700000" algn="tl">
+                              <a:srgbClr val="000000">
+                                <a:alpha val="43137"/>
+                              </a:srgbClr>
+                            </a:outerShdw>
+                          </a:effectLst>
+                        </a:rPr>
                         <a:t>Id</a:t>
                       </a:r>
-                      <a:endParaRPr lang="en-GB" noProof="1"/>
+                      <a:endParaRPr lang="en-GB" noProof="1">
+                        <a:effectLst>
+                          <a:outerShdw blurRad="38100" dist="38100" dir="2700000" algn="tl">
+                            <a:srgbClr val="000000">
+                              <a:alpha val="43137"/>
+                            </a:srgbClr>
+                          </a:outerShdw>
+                        </a:effectLst>
+                      </a:endParaRPr>
                     </a:p>
                   </a:txBody>
                   <a:tcPr/>
@@ -10798,10 +11187,26 @@
                     <a:p>
                       <a:pPr algn="ctr"/>
                       <a:r>
-                        <a:rPr lang="en-GB" noProof="1" smtClean="0"/>
+                        <a:rPr lang="en-GB" noProof="1" smtClean="0">
+                          <a:effectLst>
+                            <a:outerShdw blurRad="38100" dist="38100" dir="2700000" algn="tl">
+                              <a:srgbClr val="000000">
+                                <a:alpha val="43137"/>
+                              </a:srgbClr>
+                            </a:outerShdw>
+                          </a:effectLst>
+                        </a:rPr>
                         <a:t>Name</a:t>
                       </a:r>
-                      <a:endParaRPr lang="en-GB" noProof="1"/>
+                      <a:endParaRPr lang="en-GB" noProof="1">
+                        <a:effectLst>
+                          <a:outerShdw blurRad="38100" dist="38100" dir="2700000" algn="tl">
+                            <a:srgbClr val="000000">
+                              <a:alpha val="43137"/>
+                            </a:srgbClr>
+                          </a:outerShdw>
+                        </a:effectLst>
+                      </a:endParaRPr>
                     </a:p>
                   </a:txBody>
                   <a:tcPr/>
@@ -10944,7 +11349,7 @@
           <p:nvPr>
             <p:extLst>
               <p:ext uri="{D42A27DB-BD31-4B8C-83A1-F6EECF244321}">
-                <p14:modId xmlns:p14="http://schemas.microsoft.com/office/powerpoint/2010/main" val="3513639031"/>
+                <p14:modId xmlns:p14="http://schemas.microsoft.com/office/powerpoint/2010/main" val="2549661701"/>
               </p:ext>
             </p:extLst>
           </p:nvPr>
@@ -10971,10 +11376,26 @@
                     <a:p>
                       <a:pPr algn="ctr"/>
                       <a:r>
-                        <a:rPr lang="en-GB" noProof="1" smtClean="0"/>
+                        <a:rPr lang="en-GB" noProof="1" smtClean="0">
+                          <a:effectLst>
+                            <a:outerShdw blurRad="38100" dist="38100" dir="2700000" algn="tl">
+                              <a:srgbClr val="000000">
+                                <a:alpha val="43137"/>
+                              </a:srgbClr>
+                            </a:outerShdw>
+                          </a:effectLst>
+                        </a:rPr>
                         <a:t>StudentId</a:t>
                       </a:r>
-                      <a:endParaRPr lang="en-GB" noProof="1"/>
+                      <a:endParaRPr lang="en-GB" noProof="1">
+                        <a:effectLst>
+                          <a:outerShdw blurRad="38100" dist="38100" dir="2700000" algn="tl">
+                            <a:srgbClr val="000000">
+                              <a:alpha val="43137"/>
+                            </a:srgbClr>
+                          </a:outerShdw>
+                        </a:effectLst>
+                      </a:endParaRPr>
                     </a:p>
                   </a:txBody>
                   <a:tcPr/>
@@ -10986,10 +11407,26 @@
                     <a:p>
                       <a:pPr algn="ctr"/>
                       <a:r>
-                        <a:rPr lang="en-GB" noProof="1" smtClean="0"/>
+                        <a:rPr lang="en-GB" noProof="1" smtClean="0">
+                          <a:effectLst>
+                            <a:outerShdw blurRad="38100" dist="38100" dir="2700000" algn="tl">
+                              <a:srgbClr val="000000">
+                                <a:alpha val="43137"/>
+                              </a:srgbClr>
+                            </a:outerShdw>
+                          </a:effectLst>
+                        </a:rPr>
                         <a:t>CourseId</a:t>
                       </a:r>
-                      <a:endParaRPr lang="en-GB" noProof="1"/>
+                      <a:endParaRPr lang="en-GB" noProof="1">
+                        <a:effectLst>
+                          <a:outerShdw blurRad="38100" dist="38100" dir="2700000" algn="tl">
+                            <a:srgbClr val="000000">
+                              <a:alpha val="43137"/>
+                            </a:srgbClr>
+                          </a:outerShdw>
+                        </a:effectLst>
+                      </a:endParaRPr>
                     </a:p>
                   </a:txBody>
                   <a:tcPr/>
@@ -11164,7 +11601,7 @@
           <p:nvPr>
             <p:extLst>
               <p:ext uri="{D42A27DB-BD31-4B8C-83A1-F6EECF244321}">
-                <p14:modId xmlns:p14="http://schemas.microsoft.com/office/powerpoint/2010/main" val="1110264029"/>
+                <p14:modId xmlns:p14="http://schemas.microsoft.com/office/powerpoint/2010/main" val="3238961947"/>
               </p:ext>
             </p:extLst>
           </p:nvPr>
@@ -11191,10 +11628,26 @@
                     <a:p>
                       <a:pPr algn="ctr"/>
                       <a:r>
-                        <a:rPr lang="en-GB" dirty="0" smtClean="0"/>
+                        <a:rPr lang="en-GB" dirty="0" smtClean="0">
+                          <a:effectLst>
+                            <a:outerShdw blurRad="38100" dist="38100" dir="2700000" algn="tl">
+                              <a:srgbClr val="000000">
+                                <a:alpha val="43137"/>
+                              </a:srgbClr>
+                            </a:outerShdw>
+                          </a:effectLst>
+                        </a:rPr>
                         <a:t>Id</a:t>
                       </a:r>
-                      <a:endParaRPr lang="en-GB" dirty="0"/>
+                      <a:endParaRPr lang="en-GB" dirty="0">
+                        <a:effectLst>
+                          <a:outerShdw blurRad="38100" dist="38100" dir="2700000" algn="tl">
+                            <a:srgbClr val="000000">
+                              <a:alpha val="43137"/>
+                            </a:srgbClr>
+                          </a:outerShdw>
+                        </a:effectLst>
+                      </a:endParaRPr>
                     </a:p>
                   </a:txBody>
                   <a:tcPr/>
@@ -11206,10 +11659,26 @@
                     <a:p>
                       <a:pPr algn="ctr"/>
                       <a:r>
-                        <a:rPr lang="en-GB" dirty="0" smtClean="0"/>
+                        <a:rPr lang="en-GB" dirty="0" smtClean="0">
+                          <a:effectLst>
+                            <a:outerShdw blurRad="38100" dist="38100" dir="2700000" algn="tl">
+                              <a:srgbClr val="000000">
+                                <a:alpha val="43137"/>
+                              </a:srgbClr>
+                            </a:outerShdw>
+                          </a:effectLst>
+                        </a:rPr>
                         <a:t>Name</a:t>
                       </a:r>
-                      <a:endParaRPr lang="en-GB" dirty="0"/>
+                      <a:endParaRPr lang="en-GB" dirty="0">
+                        <a:effectLst>
+                          <a:outerShdw blurRad="38100" dist="38100" dir="2700000" algn="tl">
+                            <a:srgbClr val="000000">
+                              <a:alpha val="43137"/>
+                            </a:srgbClr>
+                          </a:outerShdw>
+                        </a:effectLst>
+                      </a:endParaRPr>
                     </a:p>
                   </a:txBody>
                   <a:tcPr/>
@@ -11323,6 +11792,13 @@
     <a:masterClrMapping/>
   </p:clrMapOvr>
   <p:transition/>
+  <p:timing>
+    <p:tnLst>
+      <p:par>
+        <p:cTn id="1" dur="indefinite" restart="never" nodeType="tmRoot"/>
+      </p:par>
+    </p:tnLst>
+  </p:timing>
 </p:sld>
 </file>
 
@@ -11790,8 +12266,8 @@
         </p:nvSpPr>
         <p:spPr bwMode="auto">
           <a:xfrm>
-            <a:off x="8456612" y="3139068"/>
-            <a:ext cx="1507015" cy="424732"/>
+            <a:off x="8268195" y="3070828"/>
+            <a:ext cx="1883850" cy="424732"/>
           </a:xfrm>
           <a:prstGeom prst="rect">
             <a:avLst/>
@@ -11809,9 +12285,11 @@
           <a:bodyPr wrap="none">
             <a:spAutoFit/>
           </a:bodyPr>
-          <a:lstStyle/>
-          <a:p>
-            <a:pPr algn="ctr" eaLnBrk="1" hangingPunct="1">
+          <a:lstStyle>
+            <a:defPPr>
+              <a:defRPr lang="en-US"/>
+            </a:defPPr>
+            <a:lvl1pPr algn="ctr">
               <a:lnSpc>
                 <a:spcPct val="90000"/>
               </a:lnSpc>
@@ -11824,13 +12302,10 @@
               <a:buSzPct val="75000"/>
               <a:buFont typeface="Wingdings" pitchFamily="2" charset="2"/>
               <a:buNone/>
-            </a:pPr>
-            <a:r>
-              <a:rPr lang="en-US" b="1" dirty="0">
+              <a:defRPr b="1">
                 <a:solidFill>
-                  <a:schemeClr val="accent5">
-                    <a:lumMod val="20000"/>
-                    <a:lumOff val="80000"/>
+                  <a:schemeClr val="tx2">
+                    <a:lumMod val="75000"/>
                   </a:schemeClr>
                 </a:solidFill>
                 <a:effectLst>
@@ -11840,24 +12315,17 @@
                     </a:srgbClr>
                   </a:outerShdw>
                 </a:effectLst>
-              </a:rPr>
+                <a:latin typeface="Consolas" panose="020B0609020204030204" pitchFamily="49" charset="0"/>
+                <a:cs typeface="Consolas" panose="020B0609020204030204" pitchFamily="49" charset="0"/>
+              </a:defRPr>
+            </a:lvl1pPr>
+          </a:lstStyle>
+          <a:p>
+            <a:r>
+              <a:rPr lang="en-US" dirty="0"/>
               <a:t>Professors</a:t>
             </a:r>
-            <a:endParaRPr lang="bg-BG" b="1" dirty="0">
-              <a:solidFill>
-                <a:schemeClr val="accent5">
-                  <a:lumMod val="20000"/>
-                  <a:lumOff val="80000"/>
-                </a:schemeClr>
-              </a:solidFill>
-              <a:effectLst>
-                <a:outerShdw blurRad="38100" dist="38100" dir="2700000" algn="tl">
-                  <a:srgbClr val="000000">
-                    <a:alpha val="43137"/>
-                  </a:srgbClr>
-                </a:outerShdw>
-              </a:effectLst>
-            </a:endParaRPr>
+            <a:endParaRPr lang="bg-BG" dirty="0"/>
           </a:p>
         </p:txBody>
       </p:sp>
@@ -11870,7 +12338,7 @@
           <p:nvPr>
             <p:extLst>
               <p:ext uri="{D42A27DB-BD31-4B8C-83A1-F6EECF244321}">
-                <p14:modId xmlns:p14="http://schemas.microsoft.com/office/powerpoint/2010/main" val="2334326029"/>
+                <p14:modId xmlns:p14="http://schemas.microsoft.com/office/powerpoint/2010/main" val="1830504092"/>
               </p:ext>
             </p:extLst>
           </p:nvPr>
@@ -11897,10 +12365,26 @@
                     <a:lstStyle/>
                     <a:p>
                       <a:r>
-                        <a:rPr lang="en-GB" sz="2200" noProof="1" smtClean="0"/>
+                        <a:rPr lang="en-GB" sz="2200" noProof="1" smtClean="0">
+                          <a:effectLst>
+                            <a:outerShdw blurRad="38100" dist="38100" dir="2700000" algn="tl">
+                              <a:srgbClr val="000000">
+                                <a:alpha val="43137"/>
+                              </a:srgbClr>
+                            </a:outerShdw>
+                          </a:effectLst>
+                        </a:rPr>
                         <a:t>Id</a:t>
                       </a:r>
-                      <a:endParaRPr lang="en-GB" sz="2200" noProof="1"/>
+                      <a:endParaRPr lang="en-GB" sz="2200" noProof="1">
+                        <a:effectLst>
+                          <a:outerShdw blurRad="38100" dist="38100" dir="2700000" algn="tl">
+                            <a:srgbClr val="000000">
+                              <a:alpha val="43137"/>
+                            </a:srgbClr>
+                          </a:outerShdw>
+                        </a:effectLst>
+                      </a:endParaRPr>
                     </a:p>
                   </a:txBody>
                   <a:tcPr/>
@@ -11911,10 +12395,26 @@
                     <a:lstStyle/>
                     <a:p>
                       <a:r>
-                        <a:rPr lang="en-GB" sz="2200" noProof="1" smtClean="0"/>
+                        <a:rPr lang="en-GB" sz="2200" noProof="1" smtClean="0">
+                          <a:effectLst>
+                            <a:outerShdw blurRad="38100" dist="38100" dir="2700000" algn="tl">
+                              <a:srgbClr val="000000">
+                                <a:alpha val="43137"/>
+                              </a:srgbClr>
+                            </a:outerShdw>
+                          </a:effectLst>
+                        </a:rPr>
                         <a:t>Name</a:t>
                       </a:r>
-                      <a:endParaRPr lang="en-GB" sz="2200" noProof="1"/>
+                      <a:endParaRPr lang="en-GB" sz="2200" noProof="1">
+                        <a:effectLst>
+                          <a:outerShdw blurRad="38100" dist="38100" dir="2700000" algn="tl">
+                            <a:srgbClr val="000000">
+                              <a:alpha val="43137"/>
+                            </a:srgbClr>
+                          </a:outerShdw>
+                        </a:effectLst>
+                      </a:endParaRPr>
                     </a:p>
                   </a:txBody>
                   <a:tcPr/>
@@ -11925,10 +12425,26 @@
                     <a:lstStyle/>
                     <a:p>
                       <a:r>
-                        <a:rPr lang="en-GB" sz="2200" noProof="1" smtClean="0"/>
+                        <a:rPr lang="en-GB" sz="2200" noProof="1" smtClean="0">
+                          <a:effectLst>
+                            <a:outerShdw blurRad="38100" dist="38100" dir="2700000" algn="tl">
+                              <a:srgbClr val="000000">
+                                <a:alpha val="43137"/>
+                              </a:srgbClr>
+                            </a:outerShdw>
+                          </a:effectLst>
+                        </a:rPr>
                         <a:t>Age</a:t>
                       </a:r>
-                      <a:endParaRPr lang="en-GB" sz="2200" noProof="1"/>
+                      <a:endParaRPr lang="en-GB" sz="2200" noProof="1">
+                        <a:effectLst>
+                          <a:outerShdw blurRad="38100" dist="38100" dir="2700000" algn="tl">
+                            <a:srgbClr val="000000">
+                              <a:alpha val="43137"/>
+                            </a:srgbClr>
+                          </a:outerShdw>
+                        </a:effectLst>
+                      </a:endParaRPr>
                     </a:p>
                   </a:txBody>
                   <a:tcPr/>
@@ -12079,7 +12595,7 @@
           <p:nvPr>
             <p:extLst>
               <p:ext uri="{D42A27DB-BD31-4B8C-83A1-F6EECF244321}">
-                <p14:modId xmlns:p14="http://schemas.microsoft.com/office/powerpoint/2010/main" val="2194229646"/>
+                <p14:modId xmlns:p14="http://schemas.microsoft.com/office/powerpoint/2010/main" val="796087762"/>
               </p:ext>
             </p:extLst>
           </p:nvPr>
@@ -12105,10 +12621,26 @@
                     <a:lstStyle/>
                     <a:p>
                       <a:r>
-                        <a:rPr lang="en-GB" dirty="0" smtClean="0"/>
+                        <a:rPr lang="en-GB" dirty="0" smtClean="0">
+                          <a:effectLst>
+                            <a:outerShdw blurRad="38100" dist="38100" dir="2700000" algn="tl">
+                              <a:srgbClr val="000000">
+                                <a:alpha val="43137"/>
+                              </a:srgbClr>
+                            </a:outerShdw>
+                          </a:effectLst>
+                        </a:rPr>
                         <a:t>Id</a:t>
                       </a:r>
-                      <a:endParaRPr lang="en-GB" dirty="0"/>
+                      <a:endParaRPr lang="en-GB" dirty="0">
+                        <a:effectLst>
+                          <a:outerShdw blurRad="38100" dist="38100" dir="2700000" algn="tl">
+                            <a:srgbClr val="000000">
+                              <a:alpha val="43137"/>
+                            </a:srgbClr>
+                          </a:outerShdw>
+                        </a:effectLst>
+                      </a:endParaRPr>
                     </a:p>
                   </a:txBody>
                   <a:tcPr/>
@@ -12119,10 +12651,26 @@
                     <a:lstStyle/>
                     <a:p>
                       <a:r>
-                        <a:rPr lang="en-GB" dirty="0" smtClean="0"/>
+                        <a:rPr lang="en-GB" dirty="0" smtClean="0">
+                          <a:effectLst>
+                            <a:outerShdw blurRad="38100" dist="38100" dir="2700000" algn="tl">
+                              <a:srgbClr val="000000">
+                                <a:alpha val="43137"/>
+                              </a:srgbClr>
+                            </a:outerShdw>
+                          </a:effectLst>
+                        </a:rPr>
                         <a:t>Title</a:t>
                       </a:r>
-                      <a:endParaRPr lang="en-GB" dirty="0"/>
+                      <a:endParaRPr lang="en-GB" dirty="0">
+                        <a:effectLst>
+                          <a:outerShdw blurRad="38100" dist="38100" dir="2700000" algn="tl">
+                            <a:srgbClr val="000000">
+                              <a:alpha val="43137"/>
+                            </a:srgbClr>
+                          </a:outerShdw>
+                        </a:effectLst>
+                      </a:endParaRPr>
                     </a:p>
                   </a:txBody>
                   <a:tcPr/>
@@ -12171,7 +12719,7 @@
           <p:nvPr>
             <p:extLst>
               <p:ext uri="{D42A27DB-BD31-4B8C-83A1-F6EECF244321}">
-                <p14:modId xmlns:p14="http://schemas.microsoft.com/office/powerpoint/2010/main" val="3850651611"/>
+                <p14:modId xmlns:p14="http://schemas.microsoft.com/office/powerpoint/2010/main" val="268473493"/>
               </p:ext>
             </p:extLst>
           </p:nvPr>
@@ -12197,10 +12745,26 @@
                     <a:lstStyle/>
                     <a:p>
                       <a:r>
-                        <a:rPr lang="en-GB" dirty="0" smtClean="0"/>
+                        <a:rPr lang="en-GB" dirty="0" smtClean="0">
+                          <a:effectLst>
+                            <a:outerShdw blurRad="38100" dist="38100" dir="2700000" algn="tl">
+                              <a:srgbClr val="000000">
+                                <a:alpha val="43137"/>
+                              </a:srgbClr>
+                            </a:outerShdw>
+                          </a:effectLst>
+                        </a:rPr>
                         <a:t>Id</a:t>
                       </a:r>
-                      <a:endParaRPr lang="en-GB" dirty="0"/>
+                      <a:endParaRPr lang="en-GB" dirty="0">
+                        <a:effectLst>
+                          <a:outerShdw blurRad="38100" dist="38100" dir="2700000" algn="tl">
+                            <a:srgbClr val="000000">
+                              <a:alpha val="43137"/>
+                            </a:srgbClr>
+                          </a:outerShdw>
+                        </a:effectLst>
+                      </a:endParaRPr>
                     </a:p>
                   </a:txBody>
                   <a:tcPr/>
@@ -12211,10 +12775,26 @@
                     <a:lstStyle/>
                     <a:p>
                       <a:r>
-                        <a:rPr lang="en-GB" dirty="0" smtClean="0"/>
+                        <a:rPr lang="en-GB" dirty="0" smtClean="0">
+                          <a:effectLst>
+                            <a:outerShdw blurRad="38100" dist="38100" dir="2700000" algn="tl">
+                              <a:srgbClr val="000000">
+                                <a:alpha val="43137"/>
+                              </a:srgbClr>
+                            </a:outerShdw>
+                          </a:effectLst>
+                        </a:rPr>
                         <a:t>Specialty</a:t>
                       </a:r>
-                      <a:endParaRPr lang="en-GB" dirty="0"/>
+                      <a:endParaRPr lang="en-GB" dirty="0">
+                        <a:effectLst>
+                          <a:outerShdw blurRad="38100" dist="38100" dir="2700000" algn="tl">
+                            <a:srgbClr val="000000">
+                              <a:alpha val="43137"/>
+                            </a:srgbClr>
+                          </a:outerShdw>
+                        </a:effectLst>
+                      </a:endParaRPr>
                     </a:p>
                   </a:txBody>
                   <a:tcPr/>
@@ -12871,77 +13451,50 @@
           </a:p>
         </p:txBody>
       </p:sp>
-      <p:grpSp>
-        <p:nvGrpSpPr>
-          <p:cNvPr id="2" name="Group 6"/>
-          <p:cNvGrpSpPr>
-            <a:grpSpLocks noChangeAspect="1"/>
-          </p:cNvGrpSpPr>
+      <p:sp>
+        <p:nvSpPr>
+          <p:cNvPr id="479241" name="Rectangle 9"/>
+          <p:cNvSpPr>
+            <a:spLocks noChangeArrowheads="1"/>
+          </p:cNvSpPr>
           <p:nvPr/>
-        </p:nvGrpSpPr>
-        <p:grpSpPr bwMode="auto">
+        </p:nvSpPr>
+        <p:spPr bwMode="auto">
           <a:xfrm>
-            <a:off x="3656013" y="2133600"/>
-            <a:ext cx="4352925" cy="4186238"/>
-            <a:chOff x="1287" y="1386"/>
-            <a:chExt cx="2742" cy="2637"/>
+            <a:off x="4967288" y="1981200"/>
+            <a:ext cx="1804988" cy="855663"/>
           </a:xfrm>
-        </p:grpSpPr>
-        <p:sp>
-          <p:nvSpPr>
-            <p:cNvPr id="479241" name="Rectangle 9"/>
-            <p:cNvSpPr>
-              <a:spLocks noChangeArrowheads="1"/>
-            </p:cNvSpPr>
-            <p:nvPr/>
-          </p:nvSpPr>
-          <p:spPr bwMode="auto">
-            <a:xfrm>
-              <a:off x="2113" y="1386"/>
-              <a:ext cx="1137" cy="539"/>
-            </a:xfrm>
-            <a:prstGeom prst="roundRect">
-              <a:avLst>
-                <a:gd name="adj" fmla="val 7968"/>
-              </a:avLst>
-            </a:prstGeom>
+          <a:prstGeom prst="roundRect">
+            <a:avLst>
+              <a:gd name="adj" fmla="val 7968"/>
+            </a:avLst>
+          </a:prstGeom>
+          <a:solidFill>
+            <a:schemeClr val="accent5">
+              <a:lumMod val="40000"/>
+              <a:lumOff val="60000"/>
+              <a:alpha val="25000"/>
+            </a:schemeClr>
+          </a:solidFill>
+          <a:ln w="33338" cap="rnd">
             <a:solidFill>
               <a:schemeClr val="accent5">
-                <a:lumMod val="40000"/>
-                <a:lumOff val="60000"/>
-                <a:alpha val="25000"/>
+                <a:lumMod val="20000"/>
+                <a:lumOff val="80000"/>
               </a:schemeClr>
             </a:solidFill>
-            <a:ln w="33338" cap="rnd">
-              <a:solidFill>
-                <a:schemeClr val="accent5">
-                  <a:lumMod val="20000"/>
-                  <a:lumOff val="80000"/>
-                </a:schemeClr>
-              </a:solidFill>
-              <a:round/>
-              <a:headEnd/>
-              <a:tailEnd/>
-            </a:ln>
-          </p:spPr>
-          <p:txBody>
-            <a:bodyPr anchor="ctr" anchorCtr="0"/>
-            <a:lstStyle/>
-            <a:p>
-              <a:pPr algn="ctr"/>
-              <a:r>
-                <a:rPr lang="en-US" sz="2800" b="1" dirty="0">
-                  <a:effectLst>
-                    <a:outerShdw blurRad="38100" dist="38100" dir="2700000" algn="tl">
-                      <a:srgbClr val="000000">
-                        <a:alpha val="43137"/>
-                      </a:srgbClr>
-                    </a:outerShdw>
-                  </a:effectLst>
-                </a:rPr>
-                <a:t>Root</a:t>
-              </a:r>
-              <a:endParaRPr lang="bg-BG" sz="2800" b="1" dirty="0">
+            <a:round/>
+            <a:headEnd/>
+            <a:tailEnd/>
+          </a:ln>
+        </p:spPr>
+        <p:txBody>
+          <a:bodyPr anchor="ctr" anchorCtr="0"/>
+          <a:lstStyle/>
+          <a:p>
+            <a:pPr algn="ctr"/>
+            <a:r>
+              <a:rPr lang="en-US" sz="2800" b="1" dirty="0">
                 <a:effectLst>
                   <a:outerShdw blurRad="38100" dist="38100" dir="2700000" algn="tl">
                     <a:srgbClr val="000000">
@@ -12949,65 +13502,65 @@
                     </a:srgbClr>
                   </a:outerShdw>
                 </a:effectLst>
-              </a:endParaRPr>
-            </a:p>
-          </p:txBody>
-        </p:sp>
-        <p:sp>
-          <p:nvSpPr>
-            <p:cNvPr id="479244" name="Rectangle 12"/>
-            <p:cNvSpPr>
-              <a:spLocks noChangeArrowheads="1"/>
-            </p:cNvSpPr>
-            <p:nvPr/>
-          </p:nvSpPr>
-          <p:spPr bwMode="auto">
-            <a:xfrm>
-              <a:off x="1287" y="2526"/>
-              <a:ext cx="1293" cy="546"/>
-            </a:xfrm>
-            <a:prstGeom prst="roundRect">
-              <a:avLst>
-                <a:gd name="adj" fmla="val 10534"/>
-              </a:avLst>
-            </a:prstGeom>
+              </a:rPr>
+              <a:t>Root</a:t>
+            </a:r>
+            <a:endParaRPr lang="bg-BG" sz="2800" b="1" dirty="0">
+              <a:effectLst>
+                <a:outerShdw blurRad="38100" dist="38100" dir="2700000" algn="tl">
+                  <a:srgbClr val="000000">
+                    <a:alpha val="43137"/>
+                  </a:srgbClr>
+                </a:outerShdw>
+              </a:effectLst>
+            </a:endParaRPr>
+          </a:p>
+        </p:txBody>
+      </p:sp>
+      <p:sp>
+        <p:nvSpPr>
+          <p:cNvPr id="479244" name="Rectangle 12"/>
+          <p:cNvSpPr>
+            <a:spLocks noChangeArrowheads="1"/>
+          </p:cNvSpPr>
+          <p:nvPr/>
+        </p:nvSpPr>
+        <p:spPr bwMode="auto">
+          <a:xfrm>
+            <a:off x="3656013" y="3790950"/>
+            <a:ext cx="2052638" cy="866775"/>
+          </a:xfrm>
+          <a:prstGeom prst="roundRect">
+            <a:avLst>
+              <a:gd name="adj" fmla="val 10534"/>
+            </a:avLst>
+          </a:prstGeom>
+          <a:solidFill>
+            <a:schemeClr val="accent5">
+              <a:lumMod val="40000"/>
+              <a:lumOff val="60000"/>
+              <a:alpha val="25000"/>
+            </a:schemeClr>
+          </a:solidFill>
+          <a:ln w="33338" cap="rnd">
             <a:solidFill>
               <a:schemeClr val="accent5">
-                <a:lumMod val="40000"/>
-                <a:lumOff val="60000"/>
-                <a:alpha val="25000"/>
+                <a:lumMod val="20000"/>
+                <a:lumOff val="80000"/>
               </a:schemeClr>
             </a:solidFill>
-            <a:ln w="33338" cap="rnd">
-              <a:solidFill>
-                <a:schemeClr val="accent5">
-                  <a:lumMod val="20000"/>
-                  <a:lumOff val="80000"/>
-                </a:schemeClr>
-              </a:solidFill>
-              <a:round/>
-              <a:headEnd/>
-              <a:tailEnd/>
-            </a:ln>
-          </p:spPr>
-          <p:txBody>
-            <a:bodyPr anchor="ctr" anchorCtr="0"/>
-            <a:lstStyle/>
-            <a:p>
-              <a:pPr algn="ctr"/>
-              <a:r>
-                <a:rPr lang="en-US" sz="2800" b="1" dirty="0">
-                  <a:effectLst>
-                    <a:outerShdw blurRad="38100" dist="38100" dir="2700000" algn="tl">
-                      <a:srgbClr val="000000">
-                        <a:alpha val="43137"/>
-                      </a:srgbClr>
-                    </a:outerShdw>
-                  </a:effectLst>
-                </a:rPr>
-                <a:t>Documents</a:t>
-              </a:r>
-              <a:endParaRPr lang="bg-BG" sz="2800" b="1" dirty="0">
+            <a:round/>
+            <a:headEnd/>
+            <a:tailEnd/>
+          </a:ln>
+        </p:spPr>
+        <p:txBody>
+          <a:bodyPr anchor="ctr" anchorCtr="0"/>
+          <a:lstStyle/>
+          <a:p>
+            <a:pPr algn="ctr"/>
+            <a:r>
+              <a:rPr lang="en-US" sz="2800" b="1" dirty="0">
                 <a:effectLst>
                   <a:outerShdw blurRad="38100" dist="38100" dir="2700000" algn="tl">
                     <a:srgbClr val="000000">
@@ -13015,136 +13568,136 @@
                     </a:srgbClr>
                   </a:outerShdw>
                 </a:effectLst>
-              </a:endParaRPr>
-            </a:p>
-          </p:txBody>
-        </p:sp>
-        <p:sp>
-          <p:nvSpPr>
-            <p:cNvPr id="479248" name="Freeform 16"/>
-            <p:cNvSpPr>
-              <a:spLocks/>
-            </p:cNvSpPr>
-            <p:nvPr/>
-          </p:nvSpPr>
-          <p:spPr bwMode="auto">
-            <a:xfrm>
-              <a:off x="1933" y="1927"/>
-              <a:ext cx="749" cy="599"/>
-            </a:xfrm>
-            <a:custGeom>
-              <a:avLst/>
-              <a:gdLst/>
-              <a:ahLst/>
-              <a:cxnLst>
-                <a:cxn ang="0">
-                  <a:pos x="749" y="0"/>
-                </a:cxn>
-                <a:cxn ang="0">
-                  <a:pos x="749" y="300"/>
-                </a:cxn>
-                <a:cxn ang="0">
-                  <a:pos x="0" y="300"/>
-                </a:cxn>
-                <a:cxn ang="0">
-                  <a:pos x="0" y="599"/>
-                </a:cxn>
-              </a:cxnLst>
-              <a:rect l="0" t="0" r="r" b="b"/>
-              <a:pathLst>
-                <a:path w="749" h="599">
-                  <a:moveTo>
-                    <a:pt x="749" y="0"/>
-                  </a:moveTo>
-                  <a:lnTo>
-                    <a:pt x="749" y="300"/>
-                  </a:lnTo>
-                  <a:lnTo>
-                    <a:pt x="0" y="300"/>
-                  </a:lnTo>
-                  <a:lnTo>
-                    <a:pt x="0" y="599"/>
-                  </a:lnTo>
-                </a:path>
-              </a:pathLst>
-            </a:custGeom>
-            <a:noFill/>
-            <a:ln w="33338" cap="rnd">
-              <a:solidFill>
-                <a:schemeClr val="accent5">
-                  <a:lumMod val="20000"/>
-                  <a:lumOff val="80000"/>
-                </a:schemeClr>
-              </a:solidFill>
-              <a:prstDash val="solid"/>
-              <a:round/>
-              <a:headEnd/>
-              <a:tailEnd/>
-            </a:ln>
-          </p:spPr>
-          <p:txBody>
-            <a:bodyPr/>
-            <a:lstStyle/>
-            <a:p>
-              <a:endParaRPr lang="bg-BG"/>
-            </a:p>
-          </p:txBody>
-        </p:sp>
-        <p:sp>
-          <p:nvSpPr>
-            <p:cNvPr id="479249" name="Rectangle 17"/>
-            <p:cNvSpPr>
-              <a:spLocks noChangeArrowheads="1"/>
-            </p:cNvSpPr>
-            <p:nvPr/>
-          </p:nvSpPr>
-          <p:spPr bwMode="auto">
-            <a:xfrm>
-              <a:off x="2831" y="2526"/>
-              <a:ext cx="1198" cy="546"/>
-            </a:xfrm>
-            <a:prstGeom prst="roundRect">
-              <a:avLst>
-                <a:gd name="adj" fmla="val 9307"/>
-              </a:avLst>
-            </a:prstGeom>
+              </a:rPr>
+              <a:t>Documents</a:t>
+            </a:r>
+            <a:endParaRPr lang="bg-BG" sz="2800" b="1" dirty="0">
+              <a:effectLst>
+                <a:outerShdw blurRad="38100" dist="38100" dir="2700000" algn="tl">
+                  <a:srgbClr val="000000">
+                    <a:alpha val="43137"/>
+                  </a:srgbClr>
+                </a:outerShdw>
+              </a:effectLst>
+            </a:endParaRPr>
+          </a:p>
+        </p:txBody>
+      </p:sp>
+      <p:sp>
+        <p:nvSpPr>
+          <p:cNvPr id="479248" name="Freeform 16"/>
+          <p:cNvSpPr>
+            <a:spLocks/>
+          </p:cNvSpPr>
+          <p:nvPr/>
+        </p:nvSpPr>
+        <p:spPr bwMode="auto">
+          <a:xfrm>
+            <a:off x="4681538" y="2840038"/>
+            <a:ext cx="1189038" cy="950913"/>
+          </a:xfrm>
+          <a:custGeom>
+            <a:avLst/>
+            <a:gdLst/>
+            <a:ahLst/>
+            <a:cxnLst>
+              <a:cxn ang="0">
+                <a:pos x="749" y="0"/>
+              </a:cxn>
+              <a:cxn ang="0">
+                <a:pos x="749" y="300"/>
+              </a:cxn>
+              <a:cxn ang="0">
+                <a:pos x="0" y="300"/>
+              </a:cxn>
+              <a:cxn ang="0">
+                <a:pos x="0" y="599"/>
+              </a:cxn>
+            </a:cxnLst>
+            <a:rect l="0" t="0" r="r" b="b"/>
+            <a:pathLst>
+              <a:path w="749" h="599">
+                <a:moveTo>
+                  <a:pt x="749" y="0"/>
+                </a:moveTo>
+                <a:lnTo>
+                  <a:pt x="749" y="300"/>
+                </a:lnTo>
+                <a:lnTo>
+                  <a:pt x="0" y="300"/>
+                </a:lnTo>
+                <a:lnTo>
+                  <a:pt x="0" y="599"/>
+                </a:lnTo>
+              </a:path>
+            </a:pathLst>
+          </a:custGeom>
+          <a:noFill/>
+          <a:ln w="33338" cap="rnd">
             <a:solidFill>
               <a:schemeClr val="accent5">
-                <a:lumMod val="40000"/>
-                <a:lumOff val="60000"/>
-                <a:alpha val="25000"/>
+                <a:lumMod val="20000"/>
+                <a:lumOff val="80000"/>
               </a:schemeClr>
             </a:solidFill>
-            <a:ln w="33338" cap="rnd">
-              <a:solidFill>
-                <a:schemeClr val="accent5">
-                  <a:lumMod val="20000"/>
-                  <a:lumOff val="80000"/>
-                </a:schemeClr>
-              </a:solidFill>
-              <a:round/>
-              <a:headEnd/>
-              <a:tailEnd/>
-            </a:ln>
-          </p:spPr>
-          <p:txBody>
-            <a:bodyPr anchor="ctr" anchorCtr="0"/>
-            <a:lstStyle/>
-            <a:p>
-              <a:pPr algn="ctr"/>
-              <a:r>
-                <a:rPr lang="en-US" sz="2800" b="1" dirty="0">
-                  <a:effectLst>
-                    <a:outerShdw blurRad="38100" dist="38100" dir="2700000" algn="tl">
-                      <a:srgbClr val="000000">
-                        <a:alpha val="43137"/>
-                      </a:srgbClr>
-                    </a:outerShdw>
-                  </a:effectLst>
-                </a:rPr>
-                <a:t>Pictures</a:t>
-              </a:r>
-              <a:endParaRPr lang="bg-BG" sz="2800" b="1" dirty="0">
+            <a:prstDash val="solid"/>
+            <a:round/>
+            <a:headEnd/>
+            <a:tailEnd/>
+          </a:ln>
+        </p:spPr>
+        <p:txBody>
+          <a:bodyPr/>
+          <a:lstStyle/>
+          <a:p>
+            <a:endParaRPr lang="bg-BG"/>
+          </a:p>
+        </p:txBody>
+      </p:sp>
+      <p:sp>
+        <p:nvSpPr>
+          <p:cNvPr id="479249" name="Rectangle 17"/>
+          <p:cNvSpPr>
+            <a:spLocks noChangeArrowheads="1"/>
+          </p:cNvSpPr>
+          <p:nvPr/>
+        </p:nvSpPr>
+        <p:spPr bwMode="auto">
+          <a:xfrm>
+            <a:off x="6107113" y="3790950"/>
+            <a:ext cx="1901825" cy="866775"/>
+          </a:xfrm>
+          <a:prstGeom prst="roundRect">
+            <a:avLst>
+              <a:gd name="adj" fmla="val 9307"/>
+            </a:avLst>
+          </a:prstGeom>
+          <a:solidFill>
+            <a:schemeClr val="accent5">
+              <a:lumMod val="40000"/>
+              <a:lumOff val="60000"/>
+              <a:alpha val="25000"/>
+            </a:schemeClr>
+          </a:solidFill>
+          <a:ln w="33338" cap="rnd">
+            <a:solidFill>
+              <a:schemeClr val="accent5">
+                <a:lumMod val="20000"/>
+                <a:lumOff val="80000"/>
+              </a:schemeClr>
+            </a:solidFill>
+            <a:round/>
+            <a:headEnd/>
+            <a:tailEnd/>
+          </a:ln>
+        </p:spPr>
+        <p:txBody>
+          <a:bodyPr anchor="ctr" anchorCtr="0"/>
+          <a:lstStyle/>
+          <a:p>
+            <a:pPr algn="ctr"/>
+            <a:r>
+              <a:rPr lang="en-US" sz="2800" b="1" dirty="0">
                 <a:effectLst>
                   <a:outerShdw blurRad="38100" dist="38100" dir="2700000" algn="tl">
                     <a:srgbClr val="000000">
@@ -13152,136 +13705,65 @@
                     </a:srgbClr>
                   </a:outerShdw>
                 </a:effectLst>
-              </a:endParaRPr>
-            </a:p>
-          </p:txBody>
-        </p:sp>
-        <p:sp>
-          <p:nvSpPr>
-            <p:cNvPr id="479253" name="Freeform 21"/>
-            <p:cNvSpPr>
-              <a:spLocks/>
-            </p:cNvSpPr>
-            <p:nvPr/>
-          </p:nvSpPr>
-          <p:spPr bwMode="auto">
-            <a:xfrm>
-              <a:off x="2682" y="1927"/>
-              <a:ext cx="748" cy="599"/>
-            </a:xfrm>
-            <a:custGeom>
-              <a:avLst/>
-              <a:gdLst/>
-              <a:ahLst/>
-              <a:cxnLst>
-                <a:cxn ang="0">
-                  <a:pos x="0" y="0"/>
-                </a:cxn>
-                <a:cxn ang="0">
-                  <a:pos x="0" y="300"/>
-                </a:cxn>
-                <a:cxn ang="0">
-                  <a:pos x="748" y="300"/>
-                </a:cxn>
-                <a:cxn ang="0">
-                  <a:pos x="748" y="599"/>
-                </a:cxn>
-              </a:cxnLst>
-              <a:rect l="0" t="0" r="r" b="b"/>
-              <a:pathLst>
-                <a:path w="748" h="599">
-                  <a:moveTo>
-                    <a:pt x="0" y="0"/>
-                  </a:moveTo>
-                  <a:lnTo>
-                    <a:pt x="0" y="300"/>
-                  </a:lnTo>
-                  <a:lnTo>
-                    <a:pt x="748" y="300"/>
-                  </a:lnTo>
-                  <a:lnTo>
-                    <a:pt x="748" y="599"/>
-                  </a:lnTo>
-                </a:path>
-              </a:pathLst>
-            </a:custGeom>
-            <a:noFill/>
-            <a:ln w="33338" cap="rnd">
-              <a:solidFill>
-                <a:schemeClr val="accent5">
-                  <a:lumMod val="20000"/>
-                  <a:lumOff val="80000"/>
-                </a:schemeClr>
-              </a:solidFill>
-              <a:prstDash val="solid"/>
-              <a:round/>
-              <a:headEnd/>
-              <a:tailEnd/>
-            </a:ln>
-          </p:spPr>
-          <p:txBody>
-            <a:bodyPr/>
-            <a:lstStyle/>
-            <a:p>
-              <a:endParaRPr lang="bg-BG"/>
-            </a:p>
-          </p:txBody>
-        </p:sp>
-        <p:sp>
-          <p:nvSpPr>
-            <p:cNvPr id="479254" name="Rectangle 22"/>
-            <p:cNvSpPr>
-              <a:spLocks noChangeArrowheads="1"/>
-            </p:cNvSpPr>
-            <p:nvPr/>
-          </p:nvSpPr>
-          <p:spPr bwMode="auto">
-            <a:xfrm>
-              <a:off x="2831" y="3424"/>
-              <a:ext cx="1198" cy="599"/>
-            </a:xfrm>
-            <a:prstGeom prst="roundRect">
-              <a:avLst>
-                <a:gd name="adj" fmla="val 7722"/>
-              </a:avLst>
-            </a:prstGeom>
+              </a:rPr>
+              <a:t>Pictures</a:t>
+            </a:r>
+            <a:endParaRPr lang="bg-BG" sz="2800" b="1" dirty="0">
+              <a:effectLst>
+                <a:outerShdw blurRad="38100" dist="38100" dir="2700000" algn="tl">
+                  <a:srgbClr val="000000">
+                    <a:alpha val="43137"/>
+                  </a:srgbClr>
+                </a:outerShdw>
+              </a:effectLst>
+            </a:endParaRPr>
+          </a:p>
+        </p:txBody>
+      </p:sp>
+      <p:sp>
+        <p:nvSpPr>
+          <p:cNvPr id="479254" name="Rectangle 22"/>
+          <p:cNvSpPr>
+            <a:spLocks noChangeArrowheads="1"/>
+          </p:cNvSpPr>
+          <p:nvPr/>
+        </p:nvSpPr>
+        <p:spPr bwMode="auto">
+          <a:xfrm>
+            <a:off x="6107113" y="5368925"/>
+            <a:ext cx="1901825" cy="950913"/>
+          </a:xfrm>
+          <a:prstGeom prst="roundRect">
+            <a:avLst>
+              <a:gd name="adj" fmla="val 7722"/>
+            </a:avLst>
+          </a:prstGeom>
+          <a:solidFill>
+            <a:schemeClr val="accent5">
+              <a:lumMod val="40000"/>
+              <a:lumOff val="60000"/>
+              <a:alpha val="25000"/>
+            </a:schemeClr>
+          </a:solidFill>
+          <a:ln w="33338" cap="rnd">
             <a:solidFill>
               <a:schemeClr val="accent5">
-                <a:lumMod val="40000"/>
-                <a:lumOff val="60000"/>
-                <a:alpha val="25000"/>
+                <a:lumMod val="20000"/>
+                <a:lumOff val="80000"/>
               </a:schemeClr>
             </a:solidFill>
-            <a:ln w="33338" cap="rnd">
-              <a:solidFill>
-                <a:schemeClr val="accent5">
-                  <a:lumMod val="20000"/>
-                  <a:lumOff val="80000"/>
-                </a:schemeClr>
-              </a:solidFill>
-              <a:round/>
-              <a:headEnd/>
-              <a:tailEnd/>
-            </a:ln>
-          </p:spPr>
-          <p:txBody>
-            <a:bodyPr anchor="ctr" anchorCtr="0"/>
-            <a:lstStyle/>
-            <a:p>
-              <a:pPr algn="ctr"/>
-              <a:r>
-                <a:rPr lang="en-US" sz="2800" b="1" dirty="0">
-                  <a:effectLst>
-                    <a:outerShdw blurRad="38100" dist="38100" dir="2700000" algn="tl">
-                      <a:srgbClr val="000000">
-                        <a:alpha val="43137"/>
-                      </a:srgbClr>
-                    </a:outerShdw>
-                  </a:effectLst>
-                </a:rPr>
-                <a:t>Birthday Party</a:t>
-              </a:r>
-              <a:endParaRPr lang="bg-BG" sz="2800" b="1" dirty="0">
+            <a:round/>
+            <a:headEnd/>
+            <a:tailEnd/>
+          </a:ln>
+        </p:spPr>
+        <p:txBody>
+          <a:bodyPr anchor="ctr" anchorCtr="0"/>
+          <a:lstStyle/>
+          <a:p>
+            <a:pPr algn="ctr"/>
+            <a:r>
+              <a:rPr lang="en-US" sz="2800" b="1" dirty="0">
                 <a:effectLst>
                   <a:outerShdw blurRad="38100" dist="38100" dir="2700000" algn="tl">
                     <a:srgbClr val="000000">
@@ -13289,48 +13771,58 @@
                     </a:srgbClr>
                   </a:outerShdw>
                 </a:effectLst>
-              </a:endParaRPr>
-            </a:p>
-          </p:txBody>
-        </p:sp>
-        <p:sp>
-          <p:nvSpPr>
-            <p:cNvPr id="479258" name="Line 26"/>
-            <p:cNvSpPr>
-              <a:spLocks noChangeShapeType="1"/>
-            </p:cNvSpPr>
-            <p:nvPr/>
-          </p:nvSpPr>
-          <p:spPr bwMode="auto">
-            <a:xfrm>
-              <a:off x="3431" y="3072"/>
-              <a:ext cx="0" cy="352"/>
-            </a:xfrm>
-            <a:prstGeom prst="line">
-              <a:avLst/>
-            </a:prstGeom>
-            <a:noFill/>
-            <a:ln w="33338" cap="rnd">
-              <a:solidFill>
-                <a:schemeClr val="accent5">
-                  <a:lumMod val="20000"/>
-                  <a:lumOff val="80000"/>
-                </a:schemeClr>
-              </a:solidFill>
-              <a:round/>
-              <a:headEnd/>
-              <a:tailEnd/>
-            </a:ln>
-          </p:spPr>
-          <p:txBody>
-            <a:bodyPr/>
-            <a:lstStyle/>
-            <a:p>
-              <a:endParaRPr lang="bg-BG"/>
-            </a:p>
-          </p:txBody>
-        </p:sp>
-      </p:grpSp>
+              </a:rPr>
+              <a:t>Birthday Party</a:t>
+            </a:r>
+            <a:endParaRPr lang="bg-BG" sz="2800" b="1" dirty="0">
+              <a:effectLst>
+                <a:outerShdw blurRad="38100" dist="38100" dir="2700000" algn="tl">
+                  <a:srgbClr val="000000">
+                    <a:alpha val="43137"/>
+                  </a:srgbClr>
+                </a:outerShdw>
+              </a:effectLst>
+            </a:endParaRPr>
+          </a:p>
+        </p:txBody>
+      </p:sp>
+      <p:sp>
+        <p:nvSpPr>
+          <p:cNvPr id="479258" name="Line 26"/>
+          <p:cNvSpPr>
+            <a:spLocks noChangeShapeType="1"/>
+          </p:cNvSpPr>
+          <p:nvPr/>
+        </p:nvSpPr>
+        <p:spPr bwMode="auto">
+          <a:xfrm>
+            <a:off x="7059613" y="4810125"/>
+            <a:ext cx="0" cy="558800"/>
+          </a:xfrm>
+          <a:prstGeom prst="line">
+            <a:avLst/>
+          </a:prstGeom>
+          <a:noFill/>
+          <a:ln w="33338" cap="rnd">
+            <a:solidFill>
+              <a:schemeClr val="accent5">
+                <a:lumMod val="20000"/>
+                <a:lumOff val="80000"/>
+              </a:schemeClr>
+            </a:solidFill>
+            <a:round/>
+            <a:headEnd/>
+            <a:tailEnd/>
+          </a:ln>
+        </p:spPr>
+        <p:txBody>
+          <a:bodyPr/>
+          <a:lstStyle/>
+          <a:p>
+            <a:endParaRPr lang="bg-BG"/>
+          </a:p>
+        </p:txBody>
+      </p:sp>
       <p:pic>
         <p:nvPicPr>
           <p:cNvPr id="47106" name="Picture 2" descr="http://www.worldofstock.com/slides/NTR2054.jpg"/>
@@ -13355,8 +13847,8 @@
         </p:blipFill>
         <p:spPr bwMode="auto">
           <a:xfrm rot="246275">
-            <a:off x="9927023" y="3633656"/>
-            <a:ext cx="1198670" cy="1486162"/>
+            <a:off x="9126728" y="1994246"/>
+            <a:ext cx="1478909" cy="1833614"/>
           </a:xfrm>
           <a:prstGeom prst="roundRect">
             <a:avLst>
@@ -13393,8 +13885,8 @@
         </p:blipFill>
         <p:spPr bwMode="auto">
           <a:xfrm rot="21354057">
-            <a:off x="924570" y="4404685"/>
-            <a:ext cx="1148762" cy="1369679"/>
+            <a:off x="1147134" y="4274224"/>
+            <a:ext cx="1458011" cy="1738399"/>
           </a:xfrm>
           <a:prstGeom prst="roundRect">
             <a:avLst>
@@ -13404,6 +13896,409 @@
           <a:noFill/>
         </p:spPr>
       </p:pic>
+      <p:sp>
+        <p:nvSpPr>
+          <p:cNvPr id="15" name="Rectangle 22"/>
+          <p:cNvSpPr>
+            <a:spLocks noChangeArrowheads="1"/>
+          </p:cNvSpPr>
+          <p:nvPr/>
+        </p:nvSpPr>
+        <p:spPr bwMode="auto">
+          <a:xfrm>
+            <a:off x="8506239" y="5368924"/>
+            <a:ext cx="1712913" cy="950913"/>
+          </a:xfrm>
+          <a:prstGeom prst="roundRect">
+            <a:avLst>
+              <a:gd name="adj" fmla="val 7722"/>
+            </a:avLst>
+          </a:prstGeom>
+          <a:solidFill>
+            <a:schemeClr val="accent5">
+              <a:lumMod val="40000"/>
+              <a:lumOff val="60000"/>
+              <a:alpha val="25000"/>
+            </a:schemeClr>
+          </a:solidFill>
+          <a:ln w="33338" cap="rnd">
+            <a:solidFill>
+              <a:schemeClr val="accent5">
+                <a:lumMod val="20000"/>
+                <a:lumOff val="80000"/>
+              </a:schemeClr>
+            </a:solidFill>
+            <a:round/>
+            <a:headEnd/>
+            <a:tailEnd/>
+          </a:ln>
+        </p:spPr>
+        <p:txBody>
+          <a:bodyPr anchor="ctr" anchorCtr="0"/>
+          <a:lstStyle/>
+          <a:p>
+            <a:pPr algn="ctr"/>
+            <a:r>
+              <a:rPr lang="en-US" sz="2800" b="1" dirty="0" smtClean="0">
+                <a:effectLst>
+                  <a:outerShdw blurRad="38100" dist="38100" dir="2700000" algn="tl">
+                    <a:srgbClr val="000000">
+                      <a:alpha val="43137"/>
+                    </a:srgbClr>
+                  </a:outerShdw>
+                </a:effectLst>
+              </a:rPr>
+              <a:t>Summer</a:t>
+            </a:r>
+            <a:br>
+              <a:rPr lang="en-US" sz="2800" b="1" dirty="0" smtClean="0">
+                <a:effectLst>
+                  <a:outerShdw blurRad="38100" dist="38100" dir="2700000" algn="tl">
+                    <a:srgbClr val="000000">
+                      <a:alpha val="43137"/>
+                    </a:srgbClr>
+                  </a:outerShdw>
+                </a:effectLst>
+              </a:rPr>
+            </a:br>
+            <a:r>
+              <a:rPr lang="en-US" sz="2800" b="1" dirty="0" smtClean="0">
+                <a:effectLst>
+                  <a:outerShdw blurRad="38100" dist="38100" dir="2700000" algn="tl">
+                    <a:srgbClr val="000000">
+                      <a:alpha val="43137"/>
+                    </a:srgbClr>
+                  </a:outerShdw>
+                </a:effectLst>
+              </a:rPr>
+              <a:t>2015</a:t>
+            </a:r>
+            <a:endParaRPr lang="bg-BG" sz="2800" b="1" dirty="0">
+              <a:effectLst>
+                <a:outerShdw blurRad="38100" dist="38100" dir="2700000" algn="tl">
+                  <a:srgbClr val="000000">
+                    <a:alpha val="43137"/>
+                  </a:srgbClr>
+                </a:outerShdw>
+              </a:effectLst>
+            </a:endParaRPr>
+          </a:p>
+        </p:txBody>
+      </p:sp>
+      <p:sp>
+        <p:nvSpPr>
+          <p:cNvPr id="16" name="Freeform 21"/>
+          <p:cNvSpPr>
+            <a:spLocks/>
+          </p:cNvSpPr>
+          <p:nvPr/>
+        </p:nvSpPr>
+        <p:spPr bwMode="auto">
+          <a:xfrm>
+            <a:off x="5870576" y="2840038"/>
+            <a:ext cx="1187450" cy="950913"/>
+          </a:xfrm>
+          <a:custGeom>
+            <a:avLst/>
+            <a:gdLst/>
+            <a:ahLst/>
+            <a:cxnLst>
+              <a:cxn ang="0">
+                <a:pos x="0" y="0"/>
+              </a:cxn>
+              <a:cxn ang="0">
+                <a:pos x="0" y="300"/>
+              </a:cxn>
+              <a:cxn ang="0">
+                <a:pos x="748" y="300"/>
+              </a:cxn>
+              <a:cxn ang="0">
+                <a:pos x="748" y="599"/>
+              </a:cxn>
+            </a:cxnLst>
+            <a:rect l="0" t="0" r="r" b="b"/>
+            <a:pathLst>
+              <a:path w="748" h="599">
+                <a:moveTo>
+                  <a:pt x="0" y="0"/>
+                </a:moveTo>
+                <a:lnTo>
+                  <a:pt x="0" y="300"/>
+                </a:lnTo>
+                <a:lnTo>
+                  <a:pt x="748" y="300"/>
+                </a:lnTo>
+                <a:lnTo>
+                  <a:pt x="748" y="599"/>
+                </a:lnTo>
+              </a:path>
+            </a:pathLst>
+          </a:custGeom>
+          <a:noFill/>
+          <a:ln w="33338" cap="rnd">
+            <a:solidFill>
+              <a:schemeClr val="accent5">
+                <a:lumMod val="20000"/>
+                <a:lumOff val="80000"/>
+              </a:schemeClr>
+            </a:solidFill>
+            <a:prstDash val="solid"/>
+            <a:round/>
+            <a:headEnd/>
+            <a:tailEnd/>
+          </a:ln>
+        </p:spPr>
+        <p:txBody>
+          <a:bodyPr/>
+          <a:lstStyle/>
+          <a:p>
+            <a:endParaRPr lang="bg-BG"/>
+          </a:p>
+        </p:txBody>
+      </p:sp>
+      <p:sp>
+        <p:nvSpPr>
+          <p:cNvPr id="17" name="Freeform 21"/>
+          <p:cNvSpPr>
+            <a:spLocks/>
+          </p:cNvSpPr>
+          <p:nvPr/>
+        </p:nvSpPr>
+        <p:spPr bwMode="auto">
+          <a:xfrm>
+            <a:off x="7058026" y="4657725"/>
+            <a:ext cx="2301873" cy="711197"/>
+          </a:xfrm>
+          <a:custGeom>
+            <a:avLst/>
+            <a:gdLst/>
+            <a:ahLst/>
+            <a:cxnLst>
+              <a:cxn ang="0">
+                <a:pos x="0" y="0"/>
+              </a:cxn>
+              <a:cxn ang="0">
+                <a:pos x="0" y="300"/>
+              </a:cxn>
+              <a:cxn ang="0">
+                <a:pos x="748" y="300"/>
+              </a:cxn>
+              <a:cxn ang="0">
+                <a:pos x="748" y="599"/>
+              </a:cxn>
+            </a:cxnLst>
+            <a:rect l="0" t="0" r="r" b="b"/>
+            <a:pathLst>
+              <a:path w="748" h="599">
+                <a:moveTo>
+                  <a:pt x="0" y="0"/>
+                </a:moveTo>
+                <a:lnTo>
+                  <a:pt x="0" y="300"/>
+                </a:lnTo>
+                <a:lnTo>
+                  <a:pt x="748" y="300"/>
+                </a:lnTo>
+                <a:lnTo>
+                  <a:pt x="748" y="599"/>
+                </a:lnTo>
+              </a:path>
+            </a:pathLst>
+          </a:custGeom>
+          <a:noFill/>
+          <a:ln w="33338" cap="rnd">
+            <a:solidFill>
+              <a:schemeClr val="accent5">
+                <a:lumMod val="20000"/>
+                <a:lumOff val="80000"/>
+              </a:schemeClr>
+            </a:solidFill>
+            <a:prstDash val="solid"/>
+            <a:round/>
+            <a:headEnd/>
+            <a:tailEnd/>
+          </a:ln>
+        </p:spPr>
+        <p:txBody>
+          <a:bodyPr/>
+          <a:lstStyle/>
+          <a:p>
+            <a:endParaRPr lang="bg-BG"/>
+          </a:p>
+        </p:txBody>
+      </p:sp>
+      <p:sp>
+        <p:nvSpPr>
+          <p:cNvPr id="18" name="Rectangle 22"/>
+          <p:cNvSpPr>
+            <a:spLocks noChangeArrowheads="1"/>
+          </p:cNvSpPr>
+          <p:nvPr/>
+        </p:nvSpPr>
+        <p:spPr bwMode="auto">
+          <a:xfrm>
+            <a:off x="3896899" y="5368924"/>
+            <a:ext cx="1712913" cy="950913"/>
+          </a:xfrm>
+          <a:prstGeom prst="roundRect">
+            <a:avLst>
+              <a:gd name="adj" fmla="val 7722"/>
+            </a:avLst>
+          </a:prstGeom>
+          <a:solidFill>
+            <a:schemeClr val="accent5">
+              <a:lumMod val="40000"/>
+              <a:lumOff val="60000"/>
+              <a:alpha val="25000"/>
+            </a:schemeClr>
+          </a:solidFill>
+          <a:ln w="33338" cap="rnd">
+            <a:solidFill>
+              <a:schemeClr val="accent5">
+                <a:lumMod val="20000"/>
+                <a:lumOff val="80000"/>
+              </a:schemeClr>
+            </a:solidFill>
+            <a:round/>
+            <a:headEnd/>
+            <a:tailEnd/>
+          </a:ln>
+        </p:spPr>
+        <p:txBody>
+          <a:bodyPr anchor="ctr" anchorCtr="0"/>
+          <a:lstStyle/>
+          <a:p>
+            <a:pPr algn="ctr"/>
+            <a:r>
+              <a:rPr lang="en-US" sz="2800" b="1" dirty="0" smtClean="0">
+                <a:effectLst>
+                  <a:outerShdw blurRad="38100" dist="38100" dir="2700000" algn="tl">
+                    <a:srgbClr val="000000">
+                      <a:alpha val="43137"/>
+                    </a:srgbClr>
+                  </a:outerShdw>
+                </a:effectLst>
+              </a:rPr>
+              <a:t>My</a:t>
+            </a:r>
+            <a:r>
+              <a:rPr lang="en-US" sz="2800" b="1" dirty="0" smtClean="0">
+                <a:effectLst>
+                  <a:outerShdw blurRad="38100" dist="38100" dir="2700000" algn="tl">
+                    <a:srgbClr val="000000">
+                      <a:alpha val="43137"/>
+                    </a:srgbClr>
+                  </a:outerShdw>
+                </a:effectLst>
+              </a:rPr>
+              <a:t/>
+            </a:r>
+            <a:br>
+              <a:rPr lang="en-US" sz="2800" b="1" dirty="0" smtClean="0">
+                <a:effectLst>
+                  <a:outerShdw blurRad="38100" dist="38100" dir="2700000" algn="tl">
+                    <a:srgbClr val="000000">
+                      <a:alpha val="43137"/>
+                    </a:srgbClr>
+                  </a:outerShdw>
+                </a:effectLst>
+              </a:rPr>
+            </a:br>
+            <a:r>
+              <a:rPr lang="en-US" sz="2800" b="1" dirty="0" smtClean="0">
+                <a:effectLst>
+                  <a:outerShdw blurRad="38100" dist="38100" dir="2700000" algn="tl">
+                    <a:srgbClr val="000000">
+                      <a:alpha val="43137"/>
+                    </a:srgbClr>
+                  </a:outerShdw>
+                </a:effectLst>
+              </a:rPr>
+              <a:t>Parties</a:t>
+            </a:r>
+            <a:endParaRPr lang="bg-BG" sz="2800" b="1" dirty="0">
+              <a:effectLst>
+                <a:outerShdw blurRad="38100" dist="38100" dir="2700000" algn="tl">
+                  <a:srgbClr val="000000">
+                    <a:alpha val="43137"/>
+                  </a:srgbClr>
+                </a:outerShdw>
+              </a:effectLst>
+            </a:endParaRPr>
+          </a:p>
+        </p:txBody>
+      </p:sp>
+      <p:sp>
+        <p:nvSpPr>
+          <p:cNvPr id="19" name="Freeform 21"/>
+          <p:cNvSpPr>
+            <a:spLocks/>
+          </p:cNvSpPr>
+          <p:nvPr/>
+        </p:nvSpPr>
+        <p:spPr bwMode="auto">
+          <a:xfrm flipH="1">
+            <a:off x="4750559" y="4657725"/>
+            <a:ext cx="2305878" cy="711197"/>
+          </a:xfrm>
+          <a:custGeom>
+            <a:avLst/>
+            <a:gdLst/>
+            <a:ahLst/>
+            <a:cxnLst>
+              <a:cxn ang="0">
+                <a:pos x="0" y="0"/>
+              </a:cxn>
+              <a:cxn ang="0">
+                <a:pos x="0" y="300"/>
+              </a:cxn>
+              <a:cxn ang="0">
+                <a:pos x="748" y="300"/>
+              </a:cxn>
+              <a:cxn ang="0">
+                <a:pos x="748" y="599"/>
+              </a:cxn>
+            </a:cxnLst>
+            <a:rect l="0" t="0" r="r" b="b"/>
+            <a:pathLst>
+              <a:path w="748" h="599">
+                <a:moveTo>
+                  <a:pt x="0" y="0"/>
+                </a:moveTo>
+                <a:lnTo>
+                  <a:pt x="0" y="300"/>
+                </a:lnTo>
+                <a:lnTo>
+                  <a:pt x="748" y="300"/>
+                </a:lnTo>
+                <a:lnTo>
+                  <a:pt x="748" y="599"/>
+                </a:lnTo>
+              </a:path>
+            </a:pathLst>
+          </a:custGeom>
+          <a:noFill/>
+          <a:ln w="33338" cap="rnd">
+            <a:solidFill>
+              <a:schemeClr val="accent5">
+                <a:lumMod val="20000"/>
+                <a:lumOff val="80000"/>
+              </a:schemeClr>
+            </a:solidFill>
+            <a:prstDash val="solid"/>
+            <a:round/>
+            <a:headEnd/>
+            <a:tailEnd/>
+          </a:ln>
+        </p:spPr>
+        <p:txBody>
+          <a:bodyPr/>
+          <a:lstStyle/>
+          <a:p>
+            <a:endParaRPr lang="bg-BG"/>
+          </a:p>
+        </p:txBody>
+      </p:sp>
     </p:spTree>
     <p:extLst>
       <p:ext uri="{BB962C8B-B14F-4D97-AF65-F5344CB8AC3E}">
@@ -13543,7 +14438,7 @@
         </p:nvSpPr>
         <p:spPr bwMode="auto">
           <a:xfrm>
-            <a:off x="3687868" y="3548977"/>
+            <a:off x="3840268" y="3482975"/>
             <a:ext cx="1564852" cy="480131"/>
           </a:xfrm>
           <a:prstGeom prst="rect">
@@ -13626,7 +14521,7 @@
         </p:nvSpPr>
         <p:spPr bwMode="auto">
           <a:xfrm>
-            <a:off x="8096251" y="4844377"/>
+            <a:off x="8248651" y="4778375"/>
             <a:ext cx="796925" cy="818961"/>
           </a:xfrm>
           <a:custGeom>
@@ -13703,7 +14598,7 @@
         </p:nvSpPr>
         <p:spPr bwMode="auto">
           <a:xfrm>
-            <a:off x="8096251" y="4671339"/>
+            <a:off x="8248651" y="4605337"/>
             <a:ext cx="796925" cy="576263"/>
           </a:xfrm>
           <a:custGeom>
@@ -13780,7 +14675,7 @@
         </p:nvSpPr>
         <p:spPr bwMode="auto">
           <a:xfrm>
-            <a:off x="8081653" y="5722074"/>
+            <a:off x="8234053" y="5656072"/>
             <a:ext cx="796925" cy="495540"/>
           </a:xfrm>
           <a:custGeom>
@@ -13857,7 +14752,7 @@
         </p:nvSpPr>
         <p:spPr bwMode="auto">
           <a:xfrm>
-            <a:off x="8685212" y="3276600"/>
+            <a:off x="8837612" y="3210598"/>
             <a:ext cx="2514600" cy="499432"/>
           </a:xfrm>
           <a:prstGeom prst="wedgeRoundRectCallout">
@@ -13955,13 +14850,13 @@
           <p:nvPr>
             <p:extLst>
               <p:ext uri="{D42A27DB-BD31-4B8C-83A1-F6EECF244321}">
-                <p14:modId xmlns:p14="http://schemas.microsoft.com/office/powerpoint/2010/main" val="2663607414"/>
+                <p14:modId xmlns:p14="http://schemas.microsoft.com/office/powerpoint/2010/main" val="902043745"/>
               </p:ext>
             </p:extLst>
           </p:nvPr>
         </p:nvGraphicFramePr>
         <p:xfrm>
-          <a:off x="2474912" y="4104602"/>
+          <a:off x="2627312" y="4038600"/>
           <a:ext cx="5510742" cy="2286000"/>
         </p:xfrm>
         <a:graphic>
@@ -13983,10 +14878,26 @@
                     <a:p>
                       <a:pPr algn="ctr"/>
                       <a:r>
-                        <a:rPr lang="en-GB" dirty="0" smtClean="0"/>
+                        <a:rPr lang="en-GB" dirty="0" smtClean="0">
+                          <a:effectLst>
+                            <a:outerShdw blurRad="38100" dist="38100" dir="2700000" algn="tl">
+                              <a:srgbClr val="000000">
+                                <a:alpha val="43137"/>
+                              </a:srgbClr>
+                            </a:outerShdw>
+                          </a:effectLst>
+                        </a:rPr>
                         <a:t>Id</a:t>
                       </a:r>
-                      <a:endParaRPr lang="en-GB" dirty="0"/>
+                      <a:endParaRPr lang="en-GB" dirty="0">
+                        <a:effectLst>
+                          <a:outerShdw blurRad="38100" dist="38100" dir="2700000" algn="tl">
+                            <a:srgbClr val="000000">
+                              <a:alpha val="43137"/>
+                            </a:srgbClr>
+                          </a:outerShdw>
+                        </a:effectLst>
+                      </a:endParaRPr>
                     </a:p>
                   </a:txBody>
                   <a:tcPr/>
@@ -13998,10 +14909,26 @@
                     <a:p>
                       <a:pPr algn="ctr"/>
                       <a:r>
-                        <a:rPr lang="en-GB" dirty="0" smtClean="0"/>
+                        <a:rPr lang="en-GB" dirty="0" smtClean="0">
+                          <a:effectLst>
+                            <a:outerShdw blurRad="38100" dist="38100" dir="2700000" algn="tl">
+                              <a:srgbClr val="000000">
+                                <a:alpha val="43137"/>
+                              </a:srgbClr>
+                            </a:outerShdw>
+                          </a:effectLst>
+                        </a:rPr>
                         <a:t>Folder</a:t>
                       </a:r>
-                      <a:endParaRPr lang="en-GB" dirty="0"/>
+                      <a:endParaRPr lang="en-GB" dirty="0">
+                        <a:effectLst>
+                          <a:outerShdw blurRad="38100" dist="38100" dir="2700000" algn="tl">
+                            <a:srgbClr val="000000">
+                              <a:alpha val="43137"/>
+                            </a:srgbClr>
+                          </a:outerShdw>
+                        </a:effectLst>
+                      </a:endParaRPr>
                     </a:p>
                   </a:txBody>
                   <a:tcPr/>
@@ -14013,10 +14940,26 @@
                     <a:p>
                       <a:pPr algn="ctr"/>
                       <a:r>
-                        <a:rPr lang="en-US" noProof="1" smtClean="0"/>
+                        <a:rPr lang="en-US" noProof="1" smtClean="0">
+                          <a:effectLst>
+                            <a:outerShdw blurRad="38100" dist="38100" dir="2700000" algn="tl">
+                              <a:srgbClr val="000000">
+                                <a:alpha val="43137"/>
+                              </a:srgbClr>
+                            </a:outerShdw>
+                          </a:effectLst>
+                        </a:rPr>
                         <a:t>ParentId</a:t>
                       </a:r>
-                      <a:endParaRPr lang="en-US" noProof="1"/>
+                      <a:endParaRPr lang="en-US" noProof="1">
+                        <a:effectLst>
+                          <a:outerShdw blurRad="38100" dist="38100" dir="2700000" algn="tl">
+                            <a:srgbClr val="000000">
+                              <a:alpha val="43137"/>
+                            </a:srgbClr>
+                          </a:outerShdw>
+                        </a:effectLst>
+                      </a:endParaRPr>
                     </a:p>
                   </a:txBody>
                   <a:tcPr/>
@@ -14240,7 +15183,7 @@
         </p:nvSpPr>
         <p:spPr bwMode="auto">
           <a:xfrm>
-            <a:off x="5789612" y="3352800"/>
+            <a:off x="5942012" y="3286798"/>
             <a:ext cx="1828800" cy="499432"/>
           </a:xfrm>
           <a:prstGeom prst="wedgeRoundRectCallout">
@@ -14339,7 +15282,7 @@
         </p:nvSpPr>
         <p:spPr bwMode="auto">
           <a:xfrm>
-            <a:off x="1293812" y="3310568"/>
+            <a:off x="1446212" y="3244566"/>
             <a:ext cx="1828800" cy="499432"/>
           </a:xfrm>
           <a:prstGeom prst="wedgeRoundRectCallout">
@@ -14669,8 +15612,8 @@
         </p:nvSpPr>
         <p:spPr>
           <a:xfrm>
-            <a:off x="1446212" y="5145368"/>
-            <a:ext cx="8938472" cy="1365365"/>
+            <a:off x="1012084" y="5145368"/>
+            <a:ext cx="9806728" cy="1365365"/>
           </a:xfrm>
         </p:spPr>
         <p:txBody>
@@ -14679,14 +15622,26 @@
           <a:p>
             <a:r>
               <a:rPr lang="en-US" dirty="0" smtClean="0"/>
-              <a:t>Entity / Relationship Diagrams</a:t>
+              <a:t>Entity / </a:t>
+            </a:r>
+            <a:r>
+              <a:rPr lang="en-US" smtClean="0"/>
+              <a:t>Relationship </a:t>
+            </a:r>
+            <a:r>
+              <a:rPr lang="en-US" smtClean="0"/>
+              <a:t>Diagrams</a:t>
             </a:r>
             <a:br>
+              <a:rPr lang="en-US" smtClean="0"/>
+            </a:br>
+            <a:r>
+              <a:rPr lang="en-US" smtClean="0"/>
+              <a:t>and </a:t>
+            </a:r>
+            <a:r>
               <a:rPr lang="en-US" dirty="0" smtClean="0"/>
-            </a:br>
-            <a:r>
-              <a:rPr lang="en-US" dirty="0" smtClean="0"/>
-              <a:t>and DB Modeling Tools</a:t>
+              <a:t>DB Modeling Tools</a:t>
             </a:r>
             <a:endParaRPr lang="en-US" dirty="0"/>
           </a:p>
@@ -15260,8 +16215,18 @@
               <a:t> (</a:t>
             </a:r>
             <a:r>
+              <a:rPr lang="en-US" dirty="0">
+                <a:solidFill>
+                  <a:schemeClr val="tx2">
+                    <a:lumMod val="75000"/>
+                  </a:schemeClr>
+                </a:solidFill>
+              </a:rPr>
+              <a:t>E/R Diagrams</a:t>
+            </a:r>
+            <a:r>
               <a:rPr lang="en-US" dirty="0"/>
-              <a:t>E/R Diagrams)</a:t>
+              <a:t>)</a:t>
             </a:r>
             <a:endParaRPr lang="bg-BG" dirty="0"/>
           </a:p>
@@ -17383,7 +18348,7 @@
           <p:nvPr>
             <p:extLst>
               <p:ext uri="{D42A27DB-BD31-4B8C-83A1-F6EECF244321}">
-                <p14:modId xmlns:p14="http://schemas.microsoft.com/office/powerpoint/2010/main" val="520610774"/>
+                <p14:modId xmlns:p14="http://schemas.microsoft.com/office/powerpoint/2010/main" val="2450727505"/>
               </p:ext>
             </p:extLst>
           </p:nvPr>
@@ -17414,10 +18379,26 @@
                     <a:p>
                       <a:pPr algn="ctr"/>
                       <a:r>
-                        <a:rPr lang="en-GB" sz="2200" noProof="1" smtClean="0"/>
+                        <a:rPr lang="en-GB" sz="2200" noProof="1" smtClean="0">
+                          <a:effectLst>
+                            <a:outerShdw blurRad="38100" dist="38100" dir="2700000" algn="tl">
+                              <a:srgbClr val="000000">
+                                <a:alpha val="43137"/>
+                              </a:srgbClr>
+                            </a:outerShdw>
+                          </a:effectLst>
+                        </a:rPr>
                         <a:t>Product</a:t>
                       </a:r>
-                      <a:endParaRPr lang="en-GB" sz="2200" noProof="1"/>
+                      <a:endParaRPr lang="en-GB" sz="2200" noProof="1">
+                        <a:effectLst>
+                          <a:outerShdw blurRad="38100" dist="38100" dir="2700000" algn="tl">
+                            <a:srgbClr val="000000">
+                              <a:alpha val="43137"/>
+                            </a:srgbClr>
+                          </a:outerShdw>
+                        </a:effectLst>
+                      </a:endParaRPr>
                     </a:p>
                   </a:txBody>
                   <a:tcPr/>
@@ -17429,10 +18410,26 @@
                     <a:p>
                       <a:pPr algn="ctr"/>
                       <a:r>
-                        <a:rPr lang="en-GB" sz="2200" noProof="1" smtClean="0"/>
+                        <a:rPr lang="en-GB" sz="2200" noProof="1" smtClean="0">
+                          <a:effectLst>
+                            <a:outerShdw blurRad="38100" dist="38100" dir="2700000" algn="tl">
+                              <a:srgbClr val="000000">
+                                <a:alpha val="43137"/>
+                              </a:srgbClr>
+                            </a:outerShdw>
+                          </a:effectLst>
+                        </a:rPr>
                         <a:t>Producer</a:t>
                       </a:r>
-                      <a:endParaRPr lang="en-GB" sz="2200" noProof="1"/>
+                      <a:endParaRPr lang="en-GB" sz="2200" noProof="1">
+                        <a:effectLst>
+                          <a:outerShdw blurRad="38100" dist="38100" dir="2700000" algn="tl">
+                            <a:srgbClr val="000000">
+                              <a:alpha val="43137"/>
+                            </a:srgbClr>
+                          </a:outerShdw>
+                        </a:effectLst>
+                      </a:endParaRPr>
                     </a:p>
                   </a:txBody>
                   <a:tcPr/>
@@ -17444,10 +18441,26 @@
                     <a:p>
                       <a:pPr algn="ctr"/>
                       <a:r>
-                        <a:rPr lang="en-GB" sz="2200" noProof="1" smtClean="0"/>
+                        <a:rPr lang="en-GB" sz="2200" noProof="1" smtClean="0">
+                          <a:effectLst>
+                            <a:outerShdw blurRad="38100" dist="38100" dir="2700000" algn="tl">
+                              <a:srgbClr val="000000">
+                                <a:alpha val="43137"/>
+                              </a:srgbClr>
+                            </a:outerShdw>
+                          </a:effectLst>
+                        </a:rPr>
                         <a:t>Price</a:t>
                       </a:r>
-                      <a:endParaRPr lang="en-GB" sz="2200" noProof="1"/>
+                      <a:endParaRPr lang="en-GB" sz="2200" noProof="1">
+                        <a:effectLst>
+                          <a:outerShdw blurRad="38100" dist="38100" dir="2700000" algn="tl">
+                            <a:srgbClr val="000000">
+                              <a:alpha val="43137"/>
+                            </a:srgbClr>
+                          </a:outerShdw>
+                        </a:effectLst>
+                      </a:endParaRPr>
                     </a:p>
                   </a:txBody>
                   <a:tcPr/>
@@ -17459,10 +18472,26 @@
                     <a:p>
                       <a:pPr algn="ctr"/>
                       <a:r>
-                        <a:rPr lang="en-GB" sz="2200" noProof="1" smtClean="0"/>
+                        <a:rPr lang="en-GB" sz="2200" noProof="1" smtClean="0">
+                          <a:effectLst>
+                            <a:outerShdw blurRad="38100" dist="38100" dir="2700000" algn="tl">
+                              <a:srgbClr val="000000">
+                                <a:alpha val="43137"/>
+                              </a:srgbClr>
+                            </a:outerShdw>
+                          </a:effectLst>
+                        </a:rPr>
                         <a:t>Category</a:t>
                       </a:r>
-                      <a:endParaRPr lang="en-GB" sz="2200" noProof="1"/>
+                      <a:endParaRPr lang="en-GB" sz="2200" noProof="1">
+                        <a:effectLst>
+                          <a:outerShdw blurRad="38100" dist="38100" dir="2700000" algn="tl">
+                            <a:srgbClr val="000000">
+                              <a:alpha val="43137"/>
+                            </a:srgbClr>
+                          </a:outerShdw>
+                        </a:effectLst>
+                      </a:endParaRPr>
                     </a:p>
                   </a:txBody>
                   <a:tcPr/>
@@ -17474,10 +18503,26 @@
                     <a:p>
                       <a:pPr algn="ctr"/>
                       <a:r>
-                        <a:rPr lang="en-GB" sz="2200" noProof="1" smtClean="0"/>
+                        <a:rPr lang="en-GB" sz="2200" noProof="1" smtClean="0">
+                          <a:effectLst>
+                            <a:outerShdw blurRad="38100" dist="38100" dir="2700000" algn="tl">
+                              <a:srgbClr val="000000">
+                                <a:alpha val="43137"/>
+                              </a:srgbClr>
+                            </a:outerShdw>
+                          </a:effectLst>
+                        </a:rPr>
                         <a:t>Shop</a:t>
                       </a:r>
-                      <a:endParaRPr lang="en-GB" sz="2200" noProof="1"/>
+                      <a:endParaRPr lang="en-GB" sz="2200" noProof="1">
+                        <a:effectLst>
+                          <a:outerShdw blurRad="38100" dist="38100" dir="2700000" algn="tl">
+                            <a:srgbClr val="000000">
+                              <a:alpha val="43137"/>
+                            </a:srgbClr>
+                          </a:outerShdw>
+                        </a:effectLst>
+                      </a:endParaRPr>
                     </a:p>
                   </a:txBody>
                   <a:tcPr/>
@@ -17489,10 +18534,26 @@
                     <a:p>
                       <a:pPr algn="ctr"/>
                       <a:r>
-                        <a:rPr lang="en-GB" sz="2200" noProof="1" smtClean="0"/>
+                        <a:rPr lang="en-GB" sz="2200" noProof="1" smtClean="0">
+                          <a:effectLst>
+                            <a:outerShdw blurRad="38100" dist="38100" dir="2700000" algn="tl">
+                              <a:srgbClr val="000000">
+                                <a:alpha val="43137"/>
+                              </a:srgbClr>
+                            </a:outerShdw>
+                          </a:effectLst>
+                        </a:rPr>
                         <a:t>Town</a:t>
                       </a:r>
-                      <a:endParaRPr lang="en-GB" sz="2200" noProof="1"/>
+                      <a:endParaRPr lang="en-GB" sz="2200" noProof="1">
+                        <a:effectLst>
+                          <a:outerShdw blurRad="38100" dist="38100" dir="2700000" algn="tl">
+                            <a:srgbClr val="000000">
+                              <a:alpha val="43137"/>
+                            </a:srgbClr>
+                          </a:outerShdw>
+                        </a:effectLst>
+                      </a:endParaRPr>
                     </a:p>
                   </a:txBody>
                   <a:tcPr/>
@@ -18133,7 +19194,7 @@
           <p:nvPr>
             <p:extLst>
               <p:ext uri="{D42A27DB-BD31-4B8C-83A1-F6EECF244321}">
-                <p14:modId xmlns:p14="http://schemas.microsoft.com/office/powerpoint/2010/main" val="3074781921"/>
+                <p14:modId xmlns:p14="http://schemas.microsoft.com/office/powerpoint/2010/main" val="2610385096"/>
               </p:ext>
             </p:extLst>
           </p:nvPr>
@@ -18162,10 +19223,26 @@
                     <a:p>
                       <a:pPr algn="ctr"/>
                       <a:r>
-                        <a:rPr lang="en-GB" sz="2200" noProof="1" smtClean="0"/>
+                        <a:rPr lang="en-GB" sz="2200" noProof="1" smtClean="0">
+                          <a:effectLst>
+                            <a:outerShdw blurRad="38100" dist="38100" dir="2700000" algn="tl">
+                              <a:srgbClr val="000000">
+                                <a:alpha val="43137"/>
+                              </a:srgbClr>
+                            </a:outerShdw>
+                          </a:effectLst>
+                        </a:rPr>
                         <a:t>BookTitle</a:t>
                       </a:r>
-                      <a:endParaRPr lang="en-GB" sz="2200" noProof="1"/>
+                      <a:endParaRPr lang="en-GB" sz="2200" noProof="1">
+                        <a:effectLst>
+                          <a:outerShdw blurRad="38100" dist="38100" dir="2700000" algn="tl">
+                            <a:srgbClr val="000000">
+                              <a:alpha val="43137"/>
+                            </a:srgbClr>
+                          </a:outerShdw>
+                        </a:effectLst>
+                      </a:endParaRPr>
                     </a:p>
                   </a:txBody>
                   <a:tcPr/>
@@ -18176,10 +19253,26 @@
                     <a:lstStyle/>
                     <a:p>
                       <a:r>
-                        <a:rPr lang="en-GB" sz="2200" noProof="1" smtClean="0"/>
+                        <a:rPr lang="en-GB" sz="2200" noProof="1" smtClean="0">
+                          <a:effectLst>
+                            <a:outerShdw blurRad="38100" dist="38100" dir="2700000" algn="tl">
+                              <a:srgbClr val="000000">
+                                <a:alpha val="43137"/>
+                              </a:srgbClr>
+                            </a:outerShdw>
+                          </a:effectLst>
+                        </a:rPr>
                         <a:t>ISBN (PK)</a:t>
                       </a:r>
-                      <a:endParaRPr lang="en-GB" sz="2200" noProof="1"/>
+                      <a:endParaRPr lang="en-GB" sz="2200" noProof="1">
+                        <a:effectLst>
+                          <a:outerShdw blurRad="38100" dist="38100" dir="2700000" algn="tl">
+                            <a:srgbClr val="000000">
+                              <a:alpha val="43137"/>
+                            </a:srgbClr>
+                          </a:outerShdw>
+                        </a:effectLst>
+                      </a:endParaRPr>
                     </a:p>
                   </a:txBody>
                   <a:tcPr/>
@@ -18190,10 +19283,26 @@
                     <a:lstStyle/>
                     <a:p>
                       <a:r>
-                        <a:rPr lang="en-GB" sz="2200" noProof="1" smtClean="0"/>
+                        <a:rPr lang="en-GB" sz="2200" noProof="1" smtClean="0">
+                          <a:effectLst>
+                            <a:outerShdw blurRad="38100" dist="38100" dir="2700000" algn="tl">
+                              <a:srgbClr val="000000">
+                                <a:alpha val="43137"/>
+                              </a:srgbClr>
+                            </a:outerShdw>
+                          </a:effectLst>
+                        </a:rPr>
                         <a:t>Author</a:t>
                       </a:r>
-                      <a:endParaRPr lang="en-GB" sz="2200" noProof="1"/>
+                      <a:endParaRPr lang="en-GB" sz="2200" noProof="1">
+                        <a:effectLst>
+                          <a:outerShdw blurRad="38100" dist="38100" dir="2700000" algn="tl">
+                            <a:srgbClr val="000000">
+                              <a:alpha val="43137"/>
+                            </a:srgbClr>
+                          </a:outerShdw>
+                        </a:effectLst>
+                      </a:endParaRPr>
                     </a:p>
                   </a:txBody>
                   <a:tcPr/>
@@ -18204,10 +19313,26 @@
                     <a:lstStyle/>
                     <a:p>
                       <a:r>
-                        <a:rPr lang="en-GB" sz="2200" noProof="1" smtClean="0"/>
+                        <a:rPr lang="en-GB" sz="2200" noProof="1" smtClean="0">
+                          <a:effectLst>
+                            <a:outerShdw blurRad="38100" dist="38100" dir="2700000" algn="tl">
+                              <a:srgbClr val="000000">
+                                <a:alpha val="43137"/>
+                              </a:srgbClr>
+                            </a:outerShdw>
+                          </a:effectLst>
+                        </a:rPr>
                         <a:t>AuthorEmail</a:t>
                       </a:r>
-                      <a:endParaRPr lang="en-GB" sz="2200" noProof="1"/>
+                      <a:endParaRPr lang="en-GB" sz="2200" noProof="1">
+                        <a:effectLst>
+                          <a:outerShdw blurRad="38100" dist="38100" dir="2700000" algn="tl">
+                            <a:srgbClr val="000000">
+                              <a:alpha val="43137"/>
+                            </a:srgbClr>
+                          </a:outerShdw>
+                        </a:effectLst>
+                      </a:endParaRPr>
                     </a:p>
                   </a:txBody>
                   <a:tcPr/>
@@ -18545,7 +19670,7 @@
           <p:nvPr>
             <p:extLst>
               <p:ext uri="{D42A27DB-BD31-4B8C-83A1-F6EECF244321}">
-                <p14:modId xmlns:p14="http://schemas.microsoft.com/office/powerpoint/2010/main" val="3204245975"/>
+                <p14:modId xmlns:p14="http://schemas.microsoft.com/office/powerpoint/2010/main" val="2095468788"/>
               </p:ext>
             </p:extLst>
           </p:nvPr>
@@ -18561,9 +19686,9 @@
                 <a:tableStyleId>{5C22544A-7EE6-4342-B048-85BDC9FD1C3A}</a:tableStyleId>
               </a:tblPr>
               <a:tblGrid>
-                <a:gridCol w="2064444"/>
-                <a:gridCol w="1731469"/>
-                <a:gridCol w="1731469"/>
+                <a:gridCol w="2286000"/>
+                <a:gridCol w="1905000"/>
+                <a:gridCol w="1336382"/>
                 <a:gridCol w="2397418"/>
               </a:tblGrid>
               <a:tr h="464993">
@@ -18574,10 +19699,26 @@
                     <a:p>
                       <a:pPr algn="ctr"/>
                       <a:r>
-                        <a:rPr lang="en-GB" sz="2200" noProof="1" smtClean="0"/>
+                        <a:rPr lang="en-GB" sz="2200" noProof="1" smtClean="0">
+                          <a:effectLst>
+                            <a:outerShdw blurRad="38100" dist="38100" dir="2700000" algn="tl">
+                              <a:srgbClr val="000000">
+                                <a:alpha val="43137"/>
+                              </a:srgbClr>
+                            </a:outerShdw>
+                          </a:effectLst>
+                        </a:rPr>
                         <a:t>BookTitle (PK)</a:t>
                       </a:r>
-                      <a:endParaRPr lang="en-GB" sz="2200" noProof="1"/>
+                      <a:endParaRPr lang="en-GB" sz="2200" noProof="1">
+                        <a:effectLst>
+                          <a:outerShdw blurRad="38100" dist="38100" dir="2700000" algn="tl">
+                            <a:srgbClr val="000000">
+                              <a:alpha val="43137"/>
+                            </a:srgbClr>
+                          </a:outerShdw>
+                        </a:effectLst>
+                      </a:endParaRPr>
                     </a:p>
                   </a:txBody>
                   <a:tcPr/>
@@ -18588,10 +19729,26 @@
                     <a:lstStyle/>
                     <a:p>
                       <a:r>
-                        <a:rPr lang="en-GB" sz="2200" noProof="1" smtClean="0"/>
+                        <a:rPr lang="en-GB" sz="2200" noProof="1" smtClean="0">
+                          <a:effectLst>
+                            <a:outerShdw blurRad="38100" dist="38100" dir="2700000" algn="tl">
+                              <a:srgbClr val="000000">
+                                <a:alpha val="43137"/>
+                              </a:srgbClr>
+                            </a:outerShdw>
+                          </a:effectLst>
+                        </a:rPr>
                         <a:t>Author (PK)</a:t>
                       </a:r>
-                      <a:endParaRPr lang="en-GB" sz="2200" noProof="1"/>
+                      <a:endParaRPr lang="en-GB" sz="2200" noProof="1">
+                        <a:effectLst>
+                          <a:outerShdw blurRad="38100" dist="38100" dir="2700000" algn="tl">
+                            <a:srgbClr val="000000">
+                              <a:alpha val="43137"/>
+                            </a:srgbClr>
+                          </a:outerShdw>
+                        </a:effectLst>
+                      </a:endParaRPr>
                     </a:p>
                   </a:txBody>
                   <a:tcPr/>
@@ -18602,10 +19759,26 @@
                     <a:lstStyle/>
                     <a:p>
                       <a:r>
-                        <a:rPr lang="en-GB" sz="2200" noProof="1" smtClean="0"/>
+                        <a:rPr lang="en-GB" sz="2200" noProof="1" smtClean="0">
+                          <a:effectLst>
+                            <a:outerShdw blurRad="38100" dist="38100" dir="2700000" algn="tl">
+                              <a:srgbClr val="000000">
+                                <a:alpha val="43137"/>
+                              </a:srgbClr>
+                            </a:outerShdw>
+                          </a:effectLst>
+                        </a:rPr>
                         <a:t>Price</a:t>
                       </a:r>
-                      <a:endParaRPr lang="en-GB" sz="2200" noProof="1"/>
+                      <a:endParaRPr lang="en-GB" sz="2200" noProof="1">
+                        <a:effectLst>
+                          <a:outerShdw blurRad="38100" dist="38100" dir="2700000" algn="tl">
+                            <a:srgbClr val="000000">
+                              <a:alpha val="43137"/>
+                            </a:srgbClr>
+                          </a:outerShdw>
+                        </a:effectLst>
+                      </a:endParaRPr>
                     </a:p>
                   </a:txBody>
                   <a:tcPr/>
@@ -18616,10 +19789,26 @@
                     <a:lstStyle/>
                     <a:p>
                       <a:r>
-                        <a:rPr lang="en-GB" sz="2200" noProof="1" smtClean="0"/>
+                        <a:rPr lang="en-GB" sz="2200" noProof="1" smtClean="0">
+                          <a:effectLst>
+                            <a:outerShdw blurRad="38100" dist="38100" dir="2700000" algn="tl">
+                              <a:srgbClr val="000000">
+                                <a:alpha val="43137"/>
+                              </a:srgbClr>
+                            </a:outerShdw>
+                          </a:effectLst>
+                        </a:rPr>
                         <a:t>AuthorEmail</a:t>
                       </a:r>
-                      <a:endParaRPr lang="en-GB" sz="2200" noProof="1"/>
+                      <a:endParaRPr lang="en-GB" sz="2200" noProof="1">
+                        <a:effectLst>
+                          <a:outerShdw blurRad="38100" dist="38100" dir="2700000" algn="tl">
+                            <a:srgbClr val="000000">
+                              <a:alpha val="43137"/>
+                            </a:srgbClr>
+                          </a:outerShdw>
+                        </a:effectLst>
+                      </a:endParaRPr>
                     </a:p>
                   </a:txBody>
                   <a:tcPr/>
@@ -18631,7 +19820,7 @@
                     <a:bodyPr/>
                     <a:lstStyle/>
                     <a:p>
-                      <a:pPr algn="ctr"/>
+                      <a:pPr algn="l"/>
                       <a:r>
                         <a:rPr lang="en-GB" sz="2200" noProof="1" smtClean="0"/>
                         <a:t>.NET Framework</a:t>
@@ -18690,7 +19879,7 @@
                     <a:bodyPr/>
                     <a:lstStyle/>
                     <a:p>
-                      <a:pPr algn="ctr"/>
+                      <a:pPr algn="l"/>
                       <a:r>
                         <a:rPr lang="en-GB" sz="2200" noProof="1" smtClean="0"/>
                         <a:t>Beginning SQL</a:t>
@@ -19184,7 +20373,7 @@
           <a:bodyPr/>
           <a:lstStyle/>
           <a:p>
-            <a:pPr marL="533400" indent="-533400">
+            <a:pPr marL="622300" indent="-622300">
               <a:lnSpc>
                 <a:spcPct val="100000"/>
               </a:lnSpc>
@@ -19197,7 +20386,7 @@
             </a:r>
           </a:p>
           <a:p>
-            <a:pPr marL="533400" indent="-533400">
+            <a:pPr marL="622300" indent="-622300">
               <a:lnSpc>
                 <a:spcPct val="100000"/>
               </a:lnSpc>
@@ -19210,7 +20399,7 @@
             </a:r>
           </a:p>
           <a:p>
-            <a:pPr marL="533400" indent="-533400">
+            <a:pPr marL="622300" indent="-622300">
               <a:lnSpc>
                 <a:spcPct val="100000"/>
               </a:lnSpc>
@@ -19223,7 +20412,7 @@
             </a:r>
           </a:p>
           <a:p>
-            <a:pPr marL="533400" indent="-533400">
+            <a:pPr marL="622300" indent="-622300">
               <a:lnSpc>
                 <a:spcPct val="100000"/>
               </a:lnSpc>
@@ -19236,7 +20425,7 @@
             </a:r>
           </a:p>
           <a:p>
-            <a:pPr marL="533400" indent="-533400">
+            <a:pPr marL="622300" indent="-622300">
               <a:lnSpc>
                 <a:spcPct val="100000"/>
               </a:lnSpc>
@@ -19301,7 +20490,7 @@
         </p:blipFill>
         <p:spPr bwMode="auto">
           <a:xfrm>
-            <a:off x="8913812" y="1979339"/>
+            <a:off x="9268057" y="1524000"/>
             <a:ext cx="2152650" cy="1971827"/>
           </a:xfrm>
           <a:prstGeom prst="rect">
@@ -19338,8 +20527,8 @@
         </p:blipFill>
         <p:spPr bwMode="auto">
           <a:xfrm>
-            <a:off x="6311667" y="4495800"/>
-            <a:ext cx="4762500" cy="1981200"/>
+            <a:off x="6665912" y="4038600"/>
+            <a:ext cx="4762500" cy="2211661"/>
           </a:xfrm>
           <a:prstGeom prst="rect">
             <a:avLst/>
@@ -19350,6 +20539,36 @@
           <a:effectLst>
             <a:softEdge rad="112500"/>
           </a:effectLst>
+        </p:spPr>
+      </p:pic>
+      <p:pic>
+        <p:nvPicPr>
+          <p:cNvPr id="7" name="Picture 6"/>
+          <p:cNvPicPr>
+            <a:picLocks noChangeAspect="1"/>
+          </p:cNvPicPr>
+          <p:nvPr/>
+        </p:nvPicPr>
+        <p:blipFill>
+          <a:blip r:embed="rId4">
+            <a:extLst>
+              <a:ext uri="{28A0092B-C50C-407E-A947-70E740481C1C}">
+                <a14:useLocalDpi xmlns:a14="http://schemas.microsoft.com/office/drawing/2010/main" val="0"/>
+              </a:ext>
+            </a:extLst>
+          </a:blip>
+          <a:stretch>
+            <a:fillRect/>
+          </a:stretch>
+        </p:blipFill>
+        <p:spPr>
+          <a:xfrm>
+            <a:off x="7161212" y="1633387"/>
+            <a:ext cx="1753052" cy="1753052"/>
+          </a:xfrm>
+          <a:prstGeom prst="rect">
+            <a:avLst/>
+          </a:prstGeom>
         </p:spPr>
       </p:pic>
     </p:spTree>
@@ -19516,14 +20735,27 @@
             </a:r>
             <a:r>
               <a:rPr lang="en-US" dirty="0" smtClean="0"/>
-              <a:t>of type </a:t>
-            </a:r>
+              <a:t>of </a:t>
+            </a:r>
+            <a:r>
+              <a:rPr lang="en-US" dirty="0" smtClean="0"/>
+              <a:t>type</a:t>
+            </a:r>
+            <a:br>
+              <a:rPr lang="en-US" dirty="0" smtClean="0"/>
+            </a:br>
             <a:r>
               <a:rPr lang="bg-BG" dirty="0" smtClean="0"/>
               <a:t>"</a:t>
             </a:r>
             <a:r>
-              <a:rPr lang="en-US" dirty="0" smtClean="0"/>
+              <a:rPr lang="en-US" dirty="0" smtClean="0">
+                <a:solidFill>
+                  <a:schemeClr val="tx2">
+                    <a:lumMod val="75000"/>
+                  </a:schemeClr>
+                </a:solidFill>
+              </a:rPr>
               <a:t>a column depends on the PK</a:t>
             </a:r>
             <a:r>
@@ -19573,7 +20805,7 @@
           <p:nvPr>
             <p:extLst>
               <p:ext uri="{D42A27DB-BD31-4B8C-83A1-F6EECF244321}">
-                <p14:modId xmlns:p14="http://schemas.microsoft.com/office/powerpoint/2010/main" val="3046546295"/>
+                <p14:modId xmlns:p14="http://schemas.microsoft.com/office/powerpoint/2010/main" val="678001824"/>
               </p:ext>
             </p:extLst>
           </p:nvPr>
@@ -19605,10 +20837,26 @@
                     <a:p>
                       <a:pPr algn="ctr"/>
                       <a:r>
-                        <a:rPr lang="en-GB" sz="2200" noProof="1" smtClean="0"/>
+                        <a:rPr lang="en-GB" sz="2200" noProof="1" smtClean="0">
+                          <a:effectLst>
+                            <a:outerShdw blurRad="38100" dist="38100" dir="2700000" algn="tl">
+                              <a:srgbClr val="000000">
+                                <a:alpha val="43137"/>
+                              </a:srgbClr>
+                            </a:outerShdw>
+                          </a:effectLst>
+                        </a:rPr>
                         <a:t>Id</a:t>
                       </a:r>
-                      <a:endParaRPr lang="en-GB" sz="2200" noProof="1"/>
+                      <a:endParaRPr lang="en-GB" sz="2200" noProof="1">
+                        <a:effectLst>
+                          <a:outerShdw blurRad="38100" dist="38100" dir="2700000" algn="tl">
+                            <a:srgbClr val="000000">
+                              <a:alpha val="43137"/>
+                            </a:srgbClr>
+                          </a:outerShdw>
+                        </a:effectLst>
+                      </a:endParaRPr>
                     </a:p>
                   </a:txBody>
                   <a:tcPr/>
@@ -19620,10 +20868,26 @@
                     <a:p>
                       <a:pPr algn="ctr"/>
                       <a:r>
-                        <a:rPr lang="en-GB" sz="2200" noProof="1" smtClean="0"/>
+                        <a:rPr lang="en-GB" sz="2200" noProof="1" smtClean="0">
+                          <a:effectLst>
+                            <a:outerShdw blurRad="38100" dist="38100" dir="2700000" algn="tl">
+                              <a:srgbClr val="000000">
+                                <a:alpha val="43137"/>
+                              </a:srgbClr>
+                            </a:outerShdw>
+                          </a:effectLst>
+                        </a:rPr>
                         <a:t>Product</a:t>
                       </a:r>
-                      <a:endParaRPr lang="en-GB" sz="2200" noProof="1"/>
+                      <a:endParaRPr lang="en-GB" sz="2200" noProof="1">
+                        <a:effectLst>
+                          <a:outerShdw blurRad="38100" dist="38100" dir="2700000" algn="tl">
+                            <a:srgbClr val="000000">
+                              <a:alpha val="43137"/>
+                            </a:srgbClr>
+                          </a:outerShdw>
+                        </a:effectLst>
+                      </a:endParaRPr>
                     </a:p>
                   </a:txBody>
                   <a:tcPr/>
@@ -19635,10 +20899,26 @@
                     <a:p>
                       <a:pPr algn="ctr"/>
                       <a:r>
-                        <a:rPr lang="en-GB" sz="2200" noProof="1" smtClean="0"/>
+                        <a:rPr lang="en-GB" sz="2200" noProof="1" smtClean="0">
+                          <a:effectLst>
+                            <a:outerShdw blurRad="38100" dist="38100" dir="2700000" algn="tl">
+                              <a:srgbClr val="000000">
+                                <a:alpha val="43137"/>
+                              </a:srgbClr>
+                            </a:outerShdw>
+                          </a:effectLst>
+                        </a:rPr>
                         <a:t>ProducerId</a:t>
                       </a:r>
-                      <a:endParaRPr lang="en-GB" sz="2200" noProof="1"/>
+                      <a:endParaRPr lang="en-GB" sz="2200" noProof="1">
+                        <a:effectLst>
+                          <a:outerShdw blurRad="38100" dist="38100" dir="2700000" algn="tl">
+                            <a:srgbClr val="000000">
+                              <a:alpha val="43137"/>
+                            </a:srgbClr>
+                          </a:outerShdw>
+                        </a:effectLst>
+                      </a:endParaRPr>
                     </a:p>
                   </a:txBody>
                   <a:tcPr/>
@@ -19650,10 +20930,26 @@
                     <a:p>
                       <a:pPr algn="ctr"/>
                       <a:r>
-                        <a:rPr lang="en-GB" sz="2200" noProof="1" smtClean="0"/>
+                        <a:rPr lang="en-GB" sz="2200" noProof="1" smtClean="0">
+                          <a:effectLst>
+                            <a:outerShdw blurRad="38100" dist="38100" dir="2700000" algn="tl">
+                              <a:srgbClr val="000000">
+                                <a:alpha val="43137"/>
+                              </a:srgbClr>
+                            </a:outerShdw>
+                          </a:effectLst>
+                        </a:rPr>
                         <a:t>Price</a:t>
                       </a:r>
-                      <a:endParaRPr lang="en-GB" sz="2200" noProof="1"/>
+                      <a:endParaRPr lang="en-GB" sz="2200" noProof="1">
+                        <a:effectLst>
+                          <a:outerShdw blurRad="38100" dist="38100" dir="2700000" algn="tl">
+                            <a:srgbClr val="000000">
+                              <a:alpha val="43137"/>
+                            </a:srgbClr>
+                          </a:outerShdw>
+                        </a:effectLst>
+                      </a:endParaRPr>
                     </a:p>
                   </a:txBody>
                   <a:tcPr/>
@@ -19665,10 +20961,26 @@
                     <a:p>
                       <a:pPr algn="ctr"/>
                       <a:r>
-                        <a:rPr lang="en-GB" sz="2200" noProof="1" smtClean="0"/>
+                        <a:rPr lang="en-GB" sz="2200" noProof="1" smtClean="0">
+                          <a:effectLst>
+                            <a:outerShdw blurRad="38100" dist="38100" dir="2700000" algn="tl">
+                              <a:srgbClr val="000000">
+                                <a:alpha val="43137"/>
+                              </a:srgbClr>
+                            </a:outerShdw>
+                          </a:effectLst>
+                        </a:rPr>
                         <a:t>CategoryId</a:t>
                       </a:r>
-                      <a:endParaRPr lang="en-GB" sz="2200" noProof="1"/>
+                      <a:endParaRPr lang="en-GB" sz="2200" noProof="1">
+                        <a:effectLst>
+                          <a:outerShdw blurRad="38100" dist="38100" dir="2700000" algn="tl">
+                            <a:srgbClr val="000000">
+                              <a:alpha val="43137"/>
+                            </a:srgbClr>
+                          </a:outerShdw>
+                        </a:effectLst>
+                      </a:endParaRPr>
                     </a:p>
                   </a:txBody>
                   <a:tcPr/>
@@ -19680,10 +20992,26 @@
                     <a:p>
                       <a:pPr algn="ctr"/>
                       <a:r>
-                        <a:rPr lang="en-GB" sz="2200" noProof="1" smtClean="0"/>
+                        <a:rPr lang="en-GB" sz="2200" noProof="1" smtClean="0">
+                          <a:effectLst>
+                            <a:outerShdw blurRad="38100" dist="38100" dir="2700000" algn="tl">
+                              <a:srgbClr val="000000">
+                                <a:alpha val="43137"/>
+                              </a:srgbClr>
+                            </a:outerShdw>
+                          </a:effectLst>
+                        </a:rPr>
                         <a:t>ShopId</a:t>
                       </a:r>
-                      <a:endParaRPr lang="en-GB" sz="2200" noProof="1"/>
+                      <a:endParaRPr lang="en-GB" sz="2200" noProof="1">
+                        <a:effectLst>
+                          <a:outerShdw blurRad="38100" dist="38100" dir="2700000" algn="tl">
+                            <a:srgbClr val="000000">
+                              <a:alpha val="43137"/>
+                            </a:srgbClr>
+                          </a:outerShdw>
+                        </a:effectLst>
+                      </a:endParaRPr>
                     </a:p>
                   </a:txBody>
                   <a:tcPr/>
@@ -19695,10 +21023,26 @@
                     <a:p>
                       <a:pPr algn="ctr"/>
                       <a:r>
-                        <a:rPr lang="en-GB" sz="2200" noProof="1" smtClean="0"/>
+                        <a:rPr lang="en-GB" sz="2200" noProof="1" smtClean="0">
+                          <a:effectLst>
+                            <a:outerShdw blurRad="38100" dist="38100" dir="2700000" algn="tl">
+                              <a:srgbClr val="000000">
+                                <a:alpha val="43137"/>
+                              </a:srgbClr>
+                            </a:outerShdw>
+                          </a:effectLst>
+                        </a:rPr>
                         <a:t>TownId</a:t>
                       </a:r>
-                      <a:endParaRPr lang="en-GB" sz="2200" noProof="1"/>
+                      <a:endParaRPr lang="en-GB" sz="2200" noProof="1">
+                        <a:effectLst>
+                          <a:outerShdw blurRad="38100" dist="38100" dir="2700000" algn="tl">
+                            <a:srgbClr val="000000">
+                              <a:alpha val="43137"/>
+                            </a:srgbClr>
+                          </a:outerShdw>
+                        </a:effectLst>
+                      </a:endParaRPr>
                     </a:p>
                   </a:txBody>
                   <a:tcPr/>
@@ -20339,7 +21683,7 @@
           <p:nvPr>
             <p:extLst>
               <p:ext uri="{D42A27DB-BD31-4B8C-83A1-F6EECF244321}">
-                <p14:modId xmlns:p14="http://schemas.microsoft.com/office/powerpoint/2010/main" val="1538352574"/>
+                <p14:modId xmlns:p14="http://schemas.microsoft.com/office/powerpoint/2010/main" val="1668669698"/>
               </p:ext>
             </p:extLst>
           </p:nvPr>
@@ -20367,10 +21711,26 @@
                     <a:p>
                       <a:pPr algn="ctr"/>
                       <a:r>
-                        <a:rPr lang="en-GB" sz="2200" noProof="1" smtClean="0"/>
+                        <a:rPr lang="en-GB" sz="2200" noProof="1" smtClean="0">
+                          <a:effectLst>
+                            <a:outerShdw blurRad="38100" dist="38100" dir="2700000" algn="tl">
+                              <a:srgbClr val="000000">
+                                <a:alpha val="43137"/>
+                              </a:srgbClr>
+                            </a:outerShdw>
+                          </a:effectLst>
+                        </a:rPr>
                         <a:t>Id</a:t>
                       </a:r>
-                      <a:endParaRPr lang="en-GB" sz="2200" noProof="1"/>
+                      <a:endParaRPr lang="en-GB" sz="2200" noProof="1">
+                        <a:effectLst>
+                          <a:outerShdw blurRad="38100" dist="38100" dir="2700000" algn="tl">
+                            <a:srgbClr val="000000">
+                              <a:alpha val="43137"/>
+                            </a:srgbClr>
+                          </a:outerShdw>
+                        </a:effectLst>
+                      </a:endParaRPr>
                     </a:p>
                   </a:txBody>
                   <a:tcPr/>
@@ -20382,10 +21742,26 @@
                     <a:p>
                       <a:pPr algn="ctr"/>
                       <a:r>
-                        <a:rPr lang="en-GB" sz="2200" noProof="1" smtClean="0"/>
+                        <a:rPr lang="en-GB" sz="2200" noProof="1" smtClean="0">
+                          <a:effectLst>
+                            <a:outerShdw blurRad="38100" dist="38100" dir="2700000" algn="tl">
+                              <a:srgbClr val="000000">
+                                <a:alpha val="43137"/>
+                              </a:srgbClr>
+                            </a:outerShdw>
+                          </a:effectLst>
+                        </a:rPr>
                         <a:t>Book</a:t>
                       </a:r>
-                      <a:endParaRPr lang="en-GB" sz="2200" noProof="1"/>
+                      <a:endParaRPr lang="en-GB" sz="2200" noProof="1">
+                        <a:effectLst>
+                          <a:outerShdw blurRad="38100" dist="38100" dir="2700000" algn="tl">
+                            <a:srgbClr val="000000">
+                              <a:alpha val="43137"/>
+                            </a:srgbClr>
+                          </a:outerShdw>
+                        </a:effectLst>
+                      </a:endParaRPr>
                     </a:p>
                   </a:txBody>
                   <a:tcPr/>
@@ -20397,10 +21773,26 @@
                     <a:p>
                       <a:pPr algn="ctr"/>
                       <a:r>
-                        <a:rPr lang="en-GB" sz="2200" noProof="1" smtClean="0"/>
+                        <a:rPr lang="en-GB" sz="2200" noProof="1" smtClean="0">
+                          <a:effectLst>
+                            <a:outerShdw blurRad="38100" dist="38100" dir="2700000" algn="tl">
+                              <a:srgbClr val="000000">
+                                <a:alpha val="43137"/>
+                              </a:srgbClr>
+                            </a:outerShdw>
+                          </a:effectLst>
+                        </a:rPr>
                         <a:t>Article</a:t>
                       </a:r>
-                      <a:endParaRPr lang="en-GB" sz="2200" noProof="1"/>
+                      <a:endParaRPr lang="en-GB" sz="2200" noProof="1">
+                        <a:effectLst>
+                          <a:outerShdw blurRad="38100" dist="38100" dir="2700000" algn="tl">
+                            <a:srgbClr val="000000">
+                              <a:alpha val="43137"/>
+                            </a:srgbClr>
+                          </a:outerShdw>
+                        </a:effectLst>
+                      </a:endParaRPr>
                     </a:p>
                   </a:txBody>
                   <a:tcPr/>
@@ -21562,7 +22954,7 @@
           <p:nvPr>
             <p:extLst>
               <p:ext uri="{D42A27DB-BD31-4B8C-83A1-F6EECF244321}">
-                <p14:modId xmlns:p14="http://schemas.microsoft.com/office/powerpoint/2010/main" val="3134681197"/>
+                <p14:modId xmlns:p14="http://schemas.microsoft.com/office/powerpoint/2010/main" val="3922755027"/>
               </p:ext>
             </p:extLst>
           </p:nvPr>
@@ -21593,10 +22985,26 @@
                     <a:lstStyle/>
                     <a:p>
                       <a:r>
-                        <a:rPr lang="en-GB" sz="2000" noProof="1" smtClean="0"/>
+                        <a:rPr lang="en-GB" sz="2000" noProof="1" smtClean="0">
+                          <a:effectLst>
+                            <a:outerShdw blurRad="38100" dist="38100" dir="2700000" algn="tl">
+                              <a:srgbClr val="000000">
+                                <a:alpha val="43137"/>
+                              </a:srgbClr>
+                            </a:outerShdw>
+                          </a:effectLst>
+                        </a:rPr>
                         <a:t>Id</a:t>
                       </a:r>
-                      <a:endParaRPr lang="en-GB" sz="2000" noProof="1"/>
+                      <a:endParaRPr lang="en-GB" sz="2000" noProof="1">
+                        <a:effectLst>
+                          <a:outerShdw blurRad="38100" dist="38100" dir="2700000" algn="tl">
+                            <a:srgbClr val="000000">
+                              <a:alpha val="43137"/>
+                            </a:srgbClr>
+                          </a:outerShdw>
+                        </a:effectLst>
+                      </a:endParaRPr>
                     </a:p>
                   </a:txBody>
                   <a:tcPr/>
@@ -21607,10 +23015,26 @@
                     <a:lstStyle/>
                     <a:p>
                       <a:r>
-                        <a:rPr lang="en-GB" sz="2000" noProof="1" smtClean="0"/>
+                        <a:rPr lang="en-GB" sz="2000" noProof="1" smtClean="0">
+                          <a:effectLst>
+                            <a:outerShdw blurRad="38100" dist="38100" dir="2700000" algn="tl">
+                              <a:srgbClr val="000000">
+                                <a:alpha val="43137"/>
+                              </a:srgbClr>
+                            </a:outerShdw>
+                          </a:effectLst>
+                        </a:rPr>
                         <a:t>Product</a:t>
                       </a:r>
-                      <a:endParaRPr lang="en-GB" sz="2000" noProof="1"/>
+                      <a:endParaRPr lang="en-GB" sz="2000" noProof="1">
+                        <a:effectLst>
+                          <a:outerShdw blurRad="38100" dist="38100" dir="2700000" algn="tl">
+                            <a:srgbClr val="000000">
+                              <a:alpha val="43137"/>
+                            </a:srgbClr>
+                          </a:outerShdw>
+                        </a:effectLst>
+                      </a:endParaRPr>
                     </a:p>
                   </a:txBody>
                   <a:tcPr/>
@@ -21621,10 +23045,26 @@
                     <a:lstStyle/>
                     <a:p>
                       <a:r>
-                        <a:rPr lang="en-GB" sz="2000" noProof="1" smtClean="0"/>
+                        <a:rPr lang="en-GB" sz="2000" noProof="1" smtClean="0">
+                          <a:effectLst>
+                            <a:outerShdw blurRad="38100" dist="38100" dir="2700000" algn="tl">
+                              <a:srgbClr val="000000">
+                                <a:alpha val="43137"/>
+                              </a:srgbClr>
+                            </a:outerShdw>
+                          </a:effectLst>
+                        </a:rPr>
                         <a:t>ProducerId</a:t>
                       </a:r>
-                      <a:endParaRPr lang="en-GB" sz="2000" noProof="1"/>
+                      <a:endParaRPr lang="en-GB" sz="2000" noProof="1">
+                        <a:effectLst>
+                          <a:outerShdw blurRad="38100" dist="38100" dir="2700000" algn="tl">
+                            <a:srgbClr val="000000">
+                              <a:alpha val="43137"/>
+                            </a:srgbClr>
+                          </a:outerShdw>
+                        </a:effectLst>
+                      </a:endParaRPr>
                     </a:p>
                   </a:txBody>
                   <a:tcPr/>
@@ -21635,10 +23075,26 @@
                     <a:lstStyle/>
                     <a:p>
                       <a:r>
-                        <a:rPr lang="en-GB" sz="2000" noProof="1" smtClean="0"/>
+                        <a:rPr lang="en-GB" sz="2000" noProof="1" smtClean="0">
+                          <a:effectLst>
+                            <a:outerShdw blurRad="38100" dist="38100" dir="2700000" algn="tl">
+                              <a:srgbClr val="000000">
+                                <a:alpha val="43137"/>
+                              </a:srgbClr>
+                            </a:outerShdw>
+                          </a:effectLst>
+                        </a:rPr>
                         <a:t>Price</a:t>
                       </a:r>
-                      <a:endParaRPr lang="en-GB" sz="2000" noProof="1"/>
+                      <a:endParaRPr lang="en-GB" sz="2000" noProof="1">
+                        <a:effectLst>
+                          <a:outerShdw blurRad="38100" dist="38100" dir="2700000" algn="tl">
+                            <a:srgbClr val="000000">
+                              <a:alpha val="43137"/>
+                            </a:srgbClr>
+                          </a:outerShdw>
+                        </a:effectLst>
+                      </a:endParaRPr>
                     </a:p>
                   </a:txBody>
                   <a:tcPr/>
@@ -21649,10 +23105,26 @@
                     <a:lstStyle/>
                     <a:p>
                       <a:r>
-                        <a:rPr lang="en-GB" sz="2000" noProof="1" smtClean="0"/>
+                        <a:rPr lang="en-GB" sz="2000" noProof="1" smtClean="0">
+                          <a:effectLst>
+                            <a:outerShdw blurRad="38100" dist="38100" dir="2700000" algn="tl">
+                              <a:srgbClr val="000000">
+                                <a:alpha val="43137"/>
+                              </a:srgbClr>
+                            </a:outerShdw>
+                          </a:effectLst>
+                        </a:rPr>
                         <a:t>CategoryId</a:t>
                       </a:r>
-                      <a:endParaRPr lang="en-GB" sz="2000" noProof="1"/>
+                      <a:endParaRPr lang="en-GB" sz="2000" noProof="1">
+                        <a:effectLst>
+                          <a:outerShdw blurRad="38100" dist="38100" dir="2700000" algn="tl">
+                            <a:srgbClr val="000000">
+                              <a:alpha val="43137"/>
+                            </a:srgbClr>
+                          </a:outerShdw>
+                        </a:effectLst>
+                      </a:endParaRPr>
                     </a:p>
                   </a:txBody>
                   <a:tcPr/>
@@ -21663,10 +23135,26 @@
                     <a:lstStyle/>
                     <a:p>
                       <a:r>
-                        <a:rPr lang="en-GB" sz="2000" noProof="1" smtClean="0"/>
+                        <a:rPr lang="en-GB" sz="2000" noProof="1" smtClean="0">
+                          <a:effectLst>
+                            <a:outerShdw blurRad="38100" dist="38100" dir="2700000" algn="tl">
+                              <a:srgbClr val="000000">
+                                <a:alpha val="43137"/>
+                              </a:srgbClr>
+                            </a:outerShdw>
+                          </a:effectLst>
+                        </a:rPr>
                         <a:t>ShopId</a:t>
                       </a:r>
-                      <a:endParaRPr lang="en-GB" sz="2000" noProof="1"/>
+                      <a:endParaRPr lang="en-GB" sz="2000" noProof="1">
+                        <a:effectLst>
+                          <a:outerShdw blurRad="38100" dist="38100" dir="2700000" algn="tl">
+                            <a:srgbClr val="000000">
+                              <a:alpha val="43137"/>
+                            </a:srgbClr>
+                          </a:outerShdw>
+                        </a:effectLst>
+                      </a:endParaRPr>
                     </a:p>
                   </a:txBody>
                   <a:tcPr/>
@@ -21677,10 +23165,26 @@
                     <a:lstStyle/>
                     <a:p>
                       <a:r>
-                        <a:rPr lang="en-GB" sz="2000" noProof="1" smtClean="0"/>
+                        <a:rPr lang="en-GB" sz="2000" noProof="1" smtClean="0">
+                          <a:effectLst>
+                            <a:outerShdw blurRad="38100" dist="38100" dir="2700000" algn="tl">
+                              <a:srgbClr val="000000">
+                                <a:alpha val="43137"/>
+                              </a:srgbClr>
+                            </a:outerShdw>
+                          </a:effectLst>
+                        </a:rPr>
                         <a:t>TownId</a:t>
                       </a:r>
-                      <a:endParaRPr lang="en-GB" sz="2000" noProof="1"/>
+                      <a:endParaRPr lang="en-GB" sz="2000" noProof="1">
+                        <a:effectLst>
+                          <a:outerShdw blurRad="38100" dist="38100" dir="2700000" algn="tl">
+                            <a:srgbClr val="000000">
+                              <a:alpha val="43137"/>
+                            </a:srgbClr>
+                          </a:outerShdw>
+                        </a:effectLst>
+                      </a:endParaRPr>
                     </a:p>
                   </a:txBody>
                   <a:tcPr/>
@@ -21692,6 +23196,7 @@
                     <a:bodyPr/>
                     <a:lstStyle/>
                     <a:p>
+                      <a:pPr algn="ctr"/>
                       <a:r>
                         <a:rPr lang="en-GB" sz="2000" noProof="1" smtClean="0"/>
                         <a:t>1</a:t>
@@ -21792,6 +23297,7 @@
                     <a:bodyPr/>
                     <a:lstStyle/>
                     <a:p>
+                      <a:pPr algn="ctr"/>
                       <a:r>
                         <a:rPr lang="en-GB" sz="2000" noProof="1" smtClean="0"/>
                         <a:t>2</a:t>
@@ -21892,6 +23398,7 @@
                     <a:bodyPr/>
                     <a:lstStyle/>
                     <a:p>
+                      <a:pPr algn="ctr"/>
                       <a:r>
                         <a:rPr lang="en-GB" sz="2000" noProof="1" smtClean="0"/>
                         <a:t>3</a:t>
@@ -21992,6 +23499,7 @@
                     <a:bodyPr/>
                     <a:lstStyle/>
                     <a:p>
+                      <a:pPr algn="ctr"/>
                       <a:r>
                         <a:rPr lang="en-GB" sz="2000" noProof="1" smtClean="0"/>
                         <a:t>4</a:t>
@@ -22099,7 +23607,7 @@
           <p:nvPr>
             <p:extLst>
               <p:ext uri="{D42A27DB-BD31-4B8C-83A1-F6EECF244321}">
-                <p14:modId xmlns:p14="http://schemas.microsoft.com/office/powerpoint/2010/main" val="1291472500"/>
+                <p14:modId xmlns:p14="http://schemas.microsoft.com/office/powerpoint/2010/main" val="2961409167"/>
               </p:ext>
             </p:extLst>
           </p:nvPr>
@@ -22125,10 +23633,26 @@
                     <a:lstStyle/>
                     <a:p>
                       <a:r>
-                        <a:rPr lang="en-GB" sz="2000" dirty="0" smtClean="0"/>
+                        <a:rPr lang="en-GB" sz="2000" dirty="0" smtClean="0">
+                          <a:effectLst>
+                            <a:outerShdw blurRad="38100" dist="38100" dir="2700000" algn="tl">
+                              <a:srgbClr val="000000">
+                                <a:alpha val="43137"/>
+                              </a:srgbClr>
+                            </a:outerShdw>
+                          </a:effectLst>
+                        </a:rPr>
                         <a:t>Id</a:t>
                       </a:r>
-                      <a:endParaRPr lang="en-GB" sz="2000" dirty="0"/>
+                      <a:endParaRPr lang="en-GB" sz="2000" dirty="0">
+                        <a:effectLst>
+                          <a:outerShdw blurRad="38100" dist="38100" dir="2700000" algn="tl">
+                            <a:srgbClr val="000000">
+                              <a:alpha val="43137"/>
+                            </a:srgbClr>
+                          </a:outerShdw>
+                        </a:effectLst>
+                      </a:endParaRPr>
                     </a:p>
                   </a:txBody>
                   <a:tcPr/>
@@ -22139,10 +23663,26 @@
                     <a:lstStyle/>
                     <a:p>
                       <a:r>
-                        <a:rPr lang="en-GB" sz="2000" dirty="0" smtClean="0"/>
+                        <a:rPr lang="en-GB" sz="2000" dirty="0" smtClean="0">
+                          <a:effectLst>
+                            <a:outerShdw blurRad="38100" dist="38100" dir="2700000" algn="tl">
+                              <a:srgbClr val="000000">
+                                <a:alpha val="43137"/>
+                              </a:srgbClr>
+                            </a:outerShdw>
+                          </a:effectLst>
+                        </a:rPr>
                         <a:t>Name</a:t>
                       </a:r>
-                      <a:endParaRPr lang="en-GB" sz="2000" dirty="0"/>
+                      <a:endParaRPr lang="en-GB" sz="2000" dirty="0">
+                        <a:effectLst>
+                          <a:outerShdw blurRad="38100" dist="38100" dir="2700000" algn="tl">
+                            <a:srgbClr val="000000">
+                              <a:alpha val="43137"/>
+                            </a:srgbClr>
+                          </a:outerShdw>
+                        </a:effectLst>
+                      </a:endParaRPr>
                     </a:p>
                   </a:txBody>
                   <a:tcPr/>
@@ -22154,6 +23694,7 @@
                     <a:bodyPr/>
                     <a:lstStyle/>
                     <a:p>
+                      <a:pPr algn="ctr"/>
                       <a:r>
                         <a:rPr lang="en-GB" sz="2000" dirty="0" smtClean="0"/>
                         <a:t>2</a:t>
@@ -22184,6 +23725,7 @@
                     <a:bodyPr/>
                     <a:lstStyle/>
                     <a:p>
+                      <a:pPr algn="ctr"/>
                       <a:r>
                         <a:rPr lang="en-GB" sz="2000" dirty="0" smtClean="0"/>
                         <a:t>4</a:t>
@@ -22229,7 +23771,7 @@
           <p:nvPr>
             <p:extLst>
               <p:ext uri="{D42A27DB-BD31-4B8C-83A1-F6EECF244321}">
-                <p14:modId xmlns:p14="http://schemas.microsoft.com/office/powerpoint/2010/main" val="123947625"/>
+                <p14:modId xmlns:p14="http://schemas.microsoft.com/office/powerpoint/2010/main" val="1661656827"/>
               </p:ext>
             </p:extLst>
           </p:nvPr>
@@ -22255,10 +23797,26 @@
                     <a:lstStyle/>
                     <a:p>
                       <a:r>
-                        <a:rPr lang="en-GB" sz="2000" dirty="0" smtClean="0"/>
+                        <a:rPr lang="en-GB" sz="2000" dirty="0" smtClean="0">
+                          <a:effectLst>
+                            <a:outerShdw blurRad="38100" dist="38100" dir="2700000" algn="tl">
+                              <a:srgbClr val="000000">
+                                <a:alpha val="43137"/>
+                              </a:srgbClr>
+                            </a:outerShdw>
+                          </a:effectLst>
+                        </a:rPr>
                         <a:t>Id</a:t>
                       </a:r>
-                      <a:endParaRPr lang="en-GB" sz="2000" dirty="0"/>
+                      <a:endParaRPr lang="en-GB" sz="2000" dirty="0">
+                        <a:effectLst>
+                          <a:outerShdw blurRad="38100" dist="38100" dir="2700000" algn="tl">
+                            <a:srgbClr val="000000">
+                              <a:alpha val="43137"/>
+                            </a:srgbClr>
+                          </a:outerShdw>
+                        </a:effectLst>
+                      </a:endParaRPr>
                     </a:p>
                   </a:txBody>
                   <a:tcPr/>
@@ -22269,10 +23827,26 @@
                     <a:lstStyle/>
                     <a:p>
                       <a:r>
-                        <a:rPr lang="en-GB" sz="2000" dirty="0" smtClean="0"/>
+                        <a:rPr lang="en-GB" sz="2000" dirty="0" smtClean="0">
+                          <a:effectLst>
+                            <a:outerShdw blurRad="38100" dist="38100" dir="2700000" algn="tl">
+                              <a:srgbClr val="000000">
+                                <a:alpha val="43137"/>
+                              </a:srgbClr>
+                            </a:outerShdw>
+                          </a:effectLst>
+                        </a:rPr>
                         <a:t>Name</a:t>
                       </a:r>
-                      <a:endParaRPr lang="en-GB" sz="2000" dirty="0"/>
+                      <a:endParaRPr lang="en-GB" sz="2000" dirty="0">
+                        <a:effectLst>
+                          <a:outerShdw blurRad="38100" dist="38100" dir="2700000" algn="tl">
+                            <a:srgbClr val="000000">
+                              <a:alpha val="43137"/>
+                            </a:srgbClr>
+                          </a:outerShdw>
+                        </a:effectLst>
+                      </a:endParaRPr>
                     </a:p>
                   </a:txBody>
                   <a:tcPr/>
@@ -22284,6 +23858,7 @@
                     <a:bodyPr/>
                     <a:lstStyle/>
                     <a:p>
+                      <a:pPr algn="ctr"/>
                       <a:r>
                         <a:rPr lang="en-GB" sz="2000" dirty="0" smtClean="0"/>
                         <a:t>4</a:t>
@@ -22314,6 +23889,7 @@
                     <a:bodyPr/>
                     <a:lstStyle/>
                     <a:p>
+                      <a:pPr algn="ctr"/>
                       <a:r>
                         <a:rPr lang="en-GB" sz="2000" dirty="0" smtClean="0"/>
                         <a:t>2</a:t>
@@ -22351,7 +23927,7 @@
           <p:nvPr>
             <p:extLst>
               <p:ext uri="{D42A27DB-BD31-4B8C-83A1-F6EECF244321}">
-                <p14:modId xmlns:p14="http://schemas.microsoft.com/office/powerpoint/2010/main" val="3254149336"/>
+                <p14:modId xmlns:p14="http://schemas.microsoft.com/office/powerpoint/2010/main" val="1338616616"/>
               </p:ext>
             </p:extLst>
           </p:nvPr>
@@ -22377,10 +23953,26 @@
                     <a:lstStyle/>
                     <a:p>
                       <a:r>
-                        <a:rPr lang="en-GB" sz="2000" dirty="0" smtClean="0"/>
+                        <a:rPr lang="en-GB" sz="2000" dirty="0" smtClean="0">
+                          <a:effectLst>
+                            <a:outerShdw blurRad="38100" dist="38100" dir="2700000" algn="tl">
+                              <a:srgbClr val="000000">
+                                <a:alpha val="43137"/>
+                              </a:srgbClr>
+                            </a:outerShdw>
+                          </a:effectLst>
+                        </a:rPr>
                         <a:t>Id</a:t>
                       </a:r>
-                      <a:endParaRPr lang="en-GB" sz="2000" dirty="0"/>
+                      <a:endParaRPr lang="en-GB" sz="2000" dirty="0">
+                        <a:effectLst>
+                          <a:outerShdw blurRad="38100" dist="38100" dir="2700000" algn="tl">
+                            <a:srgbClr val="000000">
+                              <a:alpha val="43137"/>
+                            </a:srgbClr>
+                          </a:outerShdw>
+                        </a:effectLst>
+                      </a:endParaRPr>
                     </a:p>
                   </a:txBody>
                   <a:tcPr/>
@@ -22391,10 +23983,26 @@
                     <a:lstStyle/>
                     <a:p>
                       <a:r>
-                        <a:rPr lang="en-GB" sz="2000" dirty="0" smtClean="0"/>
+                        <a:rPr lang="en-GB" sz="2000" dirty="0" smtClean="0">
+                          <a:effectLst>
+                            <a:outerShdw blurRad="38100" dist="38100" dir="2700000" algn="tl">
+                              <a:srgbClr val="000000">
+                                <a:alpha val="43137"/>
+                              </a:srgbClr>
+                            </a:outerShdw>
+                          </a:effectLst>
+                        </a:rPr>
                         <a:t>Name</a:t>
                       </a:r>
-                      <a:endParaRPr lang="en-GB" sz="2000" dirty="0"/>
+                      <a:endParaRPr lang="en-GB" sz="2000" dirty="0">
+                        <a:effectLst>
+                          <a:outerShdw blurRad="38100" dist="38100" dir="2700000" algn="tl">
+                            <a:srgbClr val="000000">
+                              <a:alpha val="43137"/>
+                            </a:srgbClr>
+                          </a:outerShdw>
+                        </a:effectLst>
+                      </a:endParaRPr>
                     </a:p>
                   </a:txBody>
                   <a:tcPr/>
@@ -22406,6 +24014,7 @@
                     <a:bodyPr/>
                     <a:lstStyle/>
                     <a:p>
+                      <a:pPr algn="ctr"/>
                       <a:r>
                         <a:rPr lang="en-GB" sz="2000" dirty="0" smtClean="0"/>
                         <a:t>1</a:t>
@@ -22436,6 +24045,7 @@
                     <a:bodyPr/>
                     <a:lstStyle/>
                     <a:p>
+                      <a:pPr algn="ctr"/>
                       <a:r>
                         <a:rPr lang="en-GB" sz="2000" dirty="0" smtClean="0"/>
                         <a:t>4</a:t>
@@ -22473,7 +24083,7 @@
           <p:nvPr>
             <p:extLst>
               <p:ext uri="{D42A27DB-BD31-4B8C-83A1-F6EECF244321}">
-                <p14:modId xmlns:p14="http://schemas.microsoft.com/office/powerpoint/2010/main" val="3959851339"/>
+                <p14:modId xmlns:p14="http://schemas.microsoft.com/office/powerpoint/2010/main" val="3570098539"/>
               </p:ext>
             </p:extLst>
           </p:nvPr>
@@ -22499,10 +24109,26 @@
                     <a:lstStyle/>
                     <a:p>
                       <a:r>
-                        <a:rPr lang="en-GB" sz="2000" dirty="0" smtClean="0"/>
+                        <a:rPr lang="en-GB" sz="2000" dirty="0" smtClean="0">
+                          <a:effectLst>
+                            <a:outerShdw blurRad="38100" dist="38100" dir="2700000" algn="tl">
+                              <a:srgbClr val="000000">
+                                <a:alpha val="43137"/>
+                              </a:srgbClr>
+                            </a:outerShdw>
+                          </a:effectLst>
+                        </a:rPr>
                         <a:t>Id</a:t>
                       </a:r>
-                      <a:endParaRPr lang="en-GB" sz="2000" dirty="0"/>
+                      <a:endParaRPr lang="en-GB" sz="2000" dirty="0">
+                        <a:effectLst>
+                          <a:outerShdw blurRad="38100" dist="38100" dir="2700000" algn="tl">
+                            <a:srgbClr val="000000">
+                              <a:alpha val="43137"/>
+                            </a:srgbClr>
+                          </a:outerShdw>
+                        </a:effectLst>
+                      </a:endParaRPr>
                     </a:p>
                   </a:txBody>
                   <a:tcPr/>
@@ -22513,10 +24139,26 @@
                     <a:lstStyle/>
                     <a:p>
                       <a:r>
-                        <a:rPr lang="en-GB" sz="2000" dirty="0" smtClean="0"/>
+                        <a:rPr lang="en-GB" sz="2000" dirty="0" smtClean="0">
+                          <a:effectLst>
+                            <a:outerShdw blurRad="38100" dist="38100" dir="2700000" algn="tl">
+                              <a:srgbClr val="000000">
+                                <a:alpha val="43137"/>
+                              </a:srgbClr>
+                            </a:outerShdw>
+                          </a:effectLst>
+                        </a:rPr>
                         <a:t>Name</a:t>
                       </a:r>
-                      <a:endParaRPr lang="en-GB" sz="2000" dirty="0"/>
+                      <a:endParaRPr lang="en-GB" sz="2000" dirty="0">
+                        <a:effectLst>
+                          <a:outerShdw blurRad="38100" dist="38100" dir="2700000" algn="tl">
+                            <a:srgbClr val="000000">
+                              <a:alpha val="43137"/>
+                            </a:srgbClr>
+                          </a:outerShdw>
+                        </a:effectLst>
+                      </a:endParaRPr>
                     </a:p>
                   </a:txBody>
                   <a:tcPr/>
@@ -22528,6 +24170,7 @@
                     <a:bodyPr/>
                     <a:lstStyle/>
                     <a:p>
+                      <a:pPr algn="ctr"/>
                       <a:r>
                         <a:rPr lang="en-GB" sz="2000" dirty="0" smtClean="0"/>
                         <a:t>1</a:t>
@@ -22558,6 +24201,7 @@
                     <a:bodyPr/>
                     <a:lstStyle/>
                     <a:p>
+                      <a:pPr algn="ctr"/>
                       <a:r>
                         <a:rPr lang="en-GB" sz="2000" dirty="0" smtClean="0"/>
                         <a:t>3</a:t>
@@ -23844,8 +25488,8 @@
               </a:lnSpc>
             </a:pPr>
             <a:r>
-              <a:rPr lang="en-US" dirty="0"/>
-              <a:t>Creating</a:t>
+              <a:rPr lang="en-US" dirty="0" smtClean="0"/>
+              <a:t>DDL: Creating</a:t>
             </a:r>
             <a:r>
               <a:rPr lang="bg-BG" dirty="0"/>
@@ -23869,7 +25513,7 @@
             </a:pPr>
             <a:r>
               <a:rPr lang="en-US" dirty="0" smtClean="0"/>
-              <a:t>Searching</a:t>
+              <a:t>DML: searching</a:t>
             </a:r>
             <a:r>
               <a:rPr lang="bg-BG" dirty="0" smtClean="0"/>
@@ -23889,7 +25533,15 @@
             </a:r>
             <a:r>
               <a:rPr lang="en-US" dirty="0" smtClean="0"/>
-              <a:t>table data (rows)</a:t>
+              <a:t>table data </a:t>
+            </a:r>
+            <a:r>
+              <a:rPr lang="en-US" dirty="0" smtClean="0"/>
+              <a:t>(data rows</a:t>
+            </a:r>
+            <a:r>
+              <a:rPr lang="en-US" dirty="0" smtClean="0"/>
+              <a:t>)</a:t>
             </a:r>
             <a:endParaRPr lang="bg-BG" dirty="0"/>
           </a:p>
@@ -24026,6 +25678,16 @@
               </a:lnSpc>
             </a:pPr>
             <a:r>
+              <a:rPr lang="en-US" b="1" dirty="0">
+                <a:solidFill>
+                  <a:schemeClr val="tx2">
+                    <a:lumMod val="75000"/>
+                  </a:schemeClr>
+                </a:solidFill>
+              </a:rPr>
+              <a:t>DDL</a:t>
+            </a:r>
+            <a:r>
               <a:rPr lang="en-US" dirty="0">
                 <a:solidFill>
                   <a:schemeClr val="tx2">
@@ -24033,7 +25695,7 @@
                   </a:schemeClr>
                 </a:solidFill>
               </a:rPr>
-              <a:t>DDL </a:t>
+              <a:t> </a:t>
             </a:r>
             <a:r>
               <a:rPr lang="en-US" dirty="0"/>
@@ -24047,11 +25709,10 @@
               </a:lnSpc>
             </a:pPr>
             <a:r>
-              <a:rPr lang="en-US" dirty="0">
+              <a:rPr lang="en-US" b="1" dirty="0">
                 <a:solidFill>
-                  <a:schemeClr val="accent5">
-                    <a:lumMod val="20000"/>
-                    <a:lumOff val="80000"/>
+                  <a:schemeClr val="tx2">
+                    <a:lumMod val="75000"/>
                   </a:schemeClr>
                 </a:solidFill>
                 <a:latin typeface="Consolas" pitchFamily="49" charset="0"/>
@@ -24064,11 +25725,10 @@
               <a:t>, </a:t>
             </a:r>
             <a:r>
-              <a:rPr lang="en-US" dirty="0">
+              <a:rPr lang="en-US" b="1" dirty="0">
                 <a:solidFill>
-                  <a:schemeClr val="accent5">
-                    <a:lumMod val="20000"/>
-                    <a:lumOff val="80000"/>
+                  <a:schemeClr val="tx2">
+                    <a:lumMod val="75000"/>
                   </a:schemeClr>
                 </a:solidFill>
                 <a:latin typeface="Consolas" pitchFamily="49" charset="0"/>
@@ -24081,11 +25741,10 @@
               <a:t>, </a:t>
             </a:r>
             <a:r>
-              <a:rPr lang="en-US" dirty="0">
+              <a:rPr lang="en-US" b="1" dirty="0">
                 <a:solidFill>
-                  <a:schemeClr val="accent5">
-                    <a:lumMod val="20000"/>
-                    <a:lumOff val="80000"/>
+                  <a:schemeClr val="tx2">
+                    <a:lumMod val="75000"/>
                   </a:schemeClr>
                 </a:solidFill>
                 <a:latin typeface="Consolas" pitchFamily="49" charset="0"/>
@@ -24093,17 +25752,6 @@
               </a:rPr>
               <a:t>DROP</a:t>
             </a:r>
-            <a:r>
-              <a:rPr lang="en-US" dirty="0"/>
-              <a:t> commands</a:t>
-            </a:r>
-          </a:p>
-          <a:p>
-            <a:pPr lvl="1">
-              <a:lnSpc>
-                <a:spcPct val="100000"/>
-              </a:lnSpc>
-            </a:pPr>
             <a:r>
               <a:rPr lang="en-US" dirty="0">
                 <a:solidFill>
@@ -24112,7 +25760,38 @@
                   </a:schemeClr>
                 </a:solidFill>
               </a:rPr>
-              <a:t>DML </a:t>
+              <a:t> </a:t>
+            </a:r>
+            <a:r>
+              <a:rPr lang="en-US" dirty="0"/>
+              <a:t>commands</a:t>
+            </a:r>
+          </a:p>
+          <a:p>
+            <a:pPr lvl="1">
+              <a:lnSpc>
+                <a:spcPct val="100000"/>
+              </a:lnSpc>
+            </a:pPr>
+            <a:r>
+              <a:rPr lang="en-US" b="1" dirty="0">
+                <a:solidFill>
+                  <a:schemeClr val="tx2">
+                    <a:lumMod val="75000"/>
+                  </a:schemeClr>
+                </a:solidFill>
+              </a:rPr>
+              <a:t>DML</a:t>
+            </a:r>
+            <a:r>
+              <a:rPr lang="en-US" dirty="0">
+                <a:solidFill>
+                  <a:schemeClr val="tx2">
+                    <a:lumMod val="75000"/>
+                  </a:schemeClr>
+                </a:solidFill>
+              </a:rPr>
+              <a:t> </a:t>
             </a:r>
             <a:r>
               <a:rPr lang="en-US" dirty="0"/>
@@ -24126,11 +25805,10 @@
               </a:lnSpc>
             </a:pPr>
             <a:r>
-              <a:rPr lang="en-US" dirty="0">
+              <a:rPr lang="en-US" b="1" dirty="0">
                 <a:solidFill>
-                  <a:schemeClr val="accent5">
-                    <a:lumMod val="20000"/>
-                    <a:lumOff val="80000"/>
+                  <a:schemeClr val="tx2">
+                    <a:lumMod val="75000"/>
                   </a:schemeClr>
                 </a:solidFill>
                 <a:latin typeface="Consolas" pitchFamily="49" charset="0"/>
@@ -24143,11 +25821,10 @@
               <a:t>, </a:t>
             </a:r>
             <a:r>
-              <a:rPr lang="en-US" dirty="0">
+              <a:rPr lang="en-US" b="1" dirty="0">
                 <a:solidFill>
-                  <a:schemeClr val="accent5">
-                    <a:lumMod val="20000"/>
-                    <a:lumOff val="80000"/>
+                  <a:schemeClr val="tx2">
+                    <a:lumMod val="75000"/>
                   </a:schemeClr>
                 </a:solidFill>
                 <a:latin typeface="Consolas" pitchFamily="49" charset="0"/>
@@ -24160,11 +25837,10 @@
               <a:t>, </a:t>
             </a:r>
             <a:r>
-              <a:rPr lang="en-US" dirty="0">
+              <a:rPr lang="en-US" b="1" dirty="0">
                 <a:solidFill>
-                  <a:schemeClr val="accent5">
-                    <a:lumMod val="20000"/>
-                    <a:lumOff val="80000"/>
+                  <a:schemeClr val="tx2">
+                    <a:lumMod val="75000"/>
                   </a:schemeClr>
                 </a:solidFill>
                 <a:latin typeface="Consolas" pitchFamily="49" charset="0"/>
@@ -24177,11 +25853,10 @@
               <a:t>, </a:t>
             </a:r>
             <a:r>
-              <a:rPr lang="en-US" dirty="0">
+              <a:rPr lang="en-US" b="1" dirty="0">
                 <a:solidFill>
-                  <a:schemeClr val="accent5">
-                    <a:lumMod val="20000"/>
-                    <a:lumOff val="80000"/>
+                  <a:schemeClr val="tx2">
+                    <a:lumMod val="75000"/>
                   </a:schemeClr>
                 </a:solidFill>
                 <a:latin typeface="Consolas" pitchFamily="49" charset="0"/>
@@ -24190,8 +25865,18 @@
               <a:t>DELETE</a:t>
             </a:r>
             <a:r>
+              <a:rPr lang="en-US" dirty="0">
+                <a:solidFill>
+                  <a:schemeClr val="tx2">
+                    <a:lumMod val="75000"/>
+                  </a:schemeClr>
+                </a:solidFill>
+              </a:rPr>
+              <a:t> </a:t>
+            </a:r>
+            <a:r>
               <a:rPr lang="en-US" dirty="0"/>
-              <a:t> commands</a:t>
+              <a:t>commands</a:t>
             </a:r>
           </a:p>
           <a:p>
@@ -24280,7 +25965,7 @@
         </p:nvSpPr>
         <p:spPr bwMode="auto">
           <a:xfrm>
-            <a:off x="912814" y="5257800"/>
+            <a:off x="912814" y="5203208"/>
             <a:ext cx="10286998" cy="1169551"/>
           </a:xfrm>
           <a:prstGeom prst="rect">
@@ -24686,7 +26371,7 @@
         </p:blipFill>
         <p:spPr bwMode="auto">
           <a:xfrm>
-            <a:off x="7582958" y="3657601"/>
+            <a:off x="8649968" y="3581400"/>
             <a:ext cx="2549844" cy="2811463"/>
           </a:xfrm>
           <a:prstGeom prst="rect">
@@ -24696,6 +26381,47 @@
           <a:effectLst>
             <a:softEdge rad="31750"/>
           </a:effectLst>
+        </p:spPr>
+      </p:pic>
+      <p:pic>
+        <p:nvPicPr>
+          <p:cNvPr id="1026" name="Picture 2" descr="https://www.networkautomation.com/automate/urc/resources/livedocs/am/7/action_SQLstoredproc_128x128_XP_copy.jpg"/>
+          <p:cNvPicPr>
+            <a:picLocks noChangeAspect="1" noChangeArrowheads="1"/>
+          </p:cNvPicPr>
+          <p:nvPr/>
+        </p:nvPicPr>
+        <p:blipFill>
+          <a:blip r:embed="rId3">
+            <a:extLst>
+              <a:ext uri="{28A0092B-C50C-407E-A947-70E740481C1C}">
+                <a14:useLocalDpi xmlns:a14="http://schemas.microsoft.com/office/drawing/2010/main" val="0"/>
+              </a:ext>
+            </a:extLst>
+          </a:blip>
+          <a:srcRect/>
+          <a:stretch>
+            <a:fillRect/>
+          </a:stretch>
+        </p:blipFill>
+        <p:spPr bwMode="auto">
+          <a:xfrm>
+            <a:off x="6251302" y="4080666"/>
+            <a:ext cx="2015332" cy="2015334"/>
+          </a:xfrm>
+          <a:prstGeom prst="rect">
+            <a:avLst/>
+          </a:prstGeom>
+          <a:noFill/>
+          <a:extLst>
+            <a:ext uri="{909E8E84-426E-40DD-AFC4-6F175D3DCCD1}">
+              <a14:hiddenFill xmlns:a14="http://schemas.microsoft.com/office/drawing/2010/main">
+                <a:solidFill>
+                  <a:srgbClr val="FFFFFF"/>
+                </a:solidFill>
+              </a14:hiddenFill>
+            </a:ext>
+          </a:extLst>
         </p:spPr>
       </p:pic>
     </p:spTree>
@@ -25363,11 +27089,10 @@
               <a:t>SQL </a:t>
             </a:r>
             <a:r>
-              <a:rPr lang="en-US" dirty="0">
+              <a:rPr lang="en-US" b="1" dirty="0">
                 <a:solidFill>
-                  <a:schemeClr val="accent5">
-                    <a:lumMod val="20000"/>
-                    <a:lumOff val="80000"/>
+                  <a:schemeClr val="tx2">
+                    <a:lumMod val="75000"/>
                   </a:schemeClr>
                 </a:solidFill>
                 <a:latin typeface="Consolas" pitchFamily="49" charset="0"/>
@@ -25376,8 +27101,18 @@
               <a:t>SELECT</a:t>
             </a:r>
             <a:r>
+              <a:rPr lang="en-US" dirty="0">
+                <a:solidFill>
+                  <a:schemeClr val="tx2">
+                    <a:lumMod val="75000"/>
+                  </a:schemeClr>
+                </a:solidFill>
+              </a:rPr>
+              <a:t> </a:t>
+            </a:r>
+            <a:r>
               <a:rPr lang="en-US" dirty="0"/>
-              <a:t> queries which are used as tables</a:t>
+              <a:t>queries which are used as tables</a:t>
             </a:r>
             <a:endParaRPr lang="bg-BG" dirty="0"/>
           </a:p>
@@ -25600,7 +27335,7 @@
         </p:nvSpPr>
         <p:spPr bwMode="auto">
           <a:xfrm>
-            <a:off x="2821331" y="1245704"/>
+            <a:off x="2821331" y="1082832"/>
             <a:ext cx="1959191" cy="480131"/>
           </a:xfrm>
           <a:prstGeom prst="rect">
@@ -25667,7 +27402,7 @@
         </p:nvSpPr>
         <p:spPr bwMode="auto">
           <a:xfrm>
-            <a:off x="7667099" y="1289055"/>
+            <a:off x="7667099" y="1126183"/>
             <a:ext cx="1170513" cy="480131"/>
           </a:xfrm>
           <a:prstGeom prst="rect">
@@ -25734,7 +27469,7 @@
         </p:nvSpPr>
         <p:spPr bwMode="auto">
           <a:xfrm>
-            <a:off x="4928973" y="4253948"/>
+            <a:off x="4928973" y="4091076"/>
             <a:ext cx="1959191" cy="480131"/>
           </a:xfrm>
           <a:prstGeom prst="rect">
@@ -25800,13 +27535,13 @@
           <p:nvPr>
             <p:extLst>
               <p:ext uri="{D42A27DB-BD31-4B8C-83A1-F6EECF244321}">
-                <p14:modId xmlns:p14="http://schemas.microsoft.com/office/powerpoint/2010/main" val="3144752203"/>
+                <p14:modId xmlns:p14="http://schemas.microsoft.com/office/powerpoint/2010/main" val="1474617056"/>
               </p:ext>
             </p:extLst>
           </p:nvPr>
         </p:nvGraphicFramePr>
         <p:xfrm>
-          <a:off x="2132012" y="1777530"/>
+          <a:off x="2132012" y="1614658"/>
           <a:ext cx="3483991" cy="2133600"/>
         </p:xfrm>
         <a:graphic>
@@ -25828,10 +27563,26 @@
                     <a:p>
                       <a:pPr algn="ctr"/>
                       <a:r>
-                        <a:rPr lang="en-GB" sz="2200" noProof="1" smtClean="0"/>
+                        <a:rPr lang="en-GB" sz="2200" noProof="1" smtClean="0">
+                          <a:effectLst>
+                            <a:outerShdw blurRad="38100" dist="38100" dir="2700000" algn="tl">
+                              <a:srgbClr val="000000">
+                                <a:alpha val="43137"/>
+                              </a:srgbClr>
+                            </a:outerShdw>
+                          </a:effectLst>
+                        </a:rPr>
                         <a:t>Id</a:t>
                       </a:r>
-                      <a:endParaRPr lang="en-GB" sz="2200" noProof="1"/>
+                      <a:endParaRPr lang="en-GB" sz="2200" noProof="1">
+                        <a:effectLst>
+                          <a:outerShdw blurRad="38100" dist="38100" dir="2700000" algn="tl">
+                            <a:srgbClr val="000000">
+                              <a:alpha val="43137"/>
+                            </a:srgbClr>
+                          </a:outerShdw>
+                        </a:effectLst>
+                      </a:endParaRPr>
                     </a:p>
                   </a:txBody>
                   <a:tcPr/>
@@ -25843,10 +27594,26 @@
                     <a:p>
                       <a:pPr algn="ctr"/>
                       <a:r>
-                        <a:rPr lang="en-GB" sz="2200" noProof="1" smtClean="0"/>
+                        <a:rPr lang="en-GB" sz="2200" noProof="1" smtClean="0">
+                          <a:effectLst>
+                            <a:outerShdw blurRad="38100" dist="38100" dir="2700000" algn="tl">
+                              <a:srgbClr val="000000">
+                                <a:alpha val="43137"/>
+                              </a:srgbClr>
+                            </a:outerShdw>
+                          </a:effectLst>
+                        </a:rPr>
                         <a:t>Company</a:t>
                       </a:r>
-                      <a:endParaRPr lang="en-GB" sz="2200" noProof="1"/>
+                      <a:endParaRPr lang="en-GB" sz="2200" noProof="1">
+                        <a:effectLst>
+                          <a:outerShdw blurRad="38100" dist="38100" dir="2700000" algn="tl">
+                            <a:srgbClr val="000000">
+                              <a:alpha val="43137"/>
+                            </a:srgbClr>
+                          </a:outerShdw>
+                        </a:effectLst>
+                      </a:endParaRPr>
                     </a:p>
                   </a:txBody>
                   <a:tcPr/>
@@ -25858,10 +27625,26 @@
                     <a:p>
                       <a:pPr algn="ctr"/>
                       <a:r>
-                        <a:rPr lang="en-GB" sz="2200" noProof="1" smtClean="0"/>
+                        <a:rPr lang="en-GB" sz="2200" noProof="1" smtClean="0">
+                          <a:effectLst>
+                            <a:outerShdw blurRad="38100" dist="38100" dir="2700000" algn="tl">
+                              <a:srgbClr val="000000">
+                                <a:alpha val="43137"/>
+                              </a:srgbClr>
+                            </a:outerShdw>
+                          </a:effectLst>
+                        </a:rPr>
                         <a:t>TownId</a:t>
                       </a:r>
-                      <a:endParaRPr lang="en-GB" sz="2200" noProof="1"/>
+                      <a:endParaRPr lang="en-GB" sz="2200" noProof="1">
+                        <a:effectLst>
+                          <a:outerShdw blurRad="38100" dist="38100" dir="2700000" algn="tl">
+                            <a:srgbClr val="000000">
+                              <a:alpha val="43137"/>
+                            </a:srgbClr>
+                          </a:outerShdw>
+                        </a:effectLst>
+                      </a:endParaRPr>
                     </a:p>
                   </a:txBody>
                   <a:tcPr/>
@@ -26063,13 +27846,13 @@
           <p:nvPr>
             <p:extLst>
               <p:ext uri="{D42A27DB-BD31-4B8C-83A1-F6EECF244321}">
-                <p14:modId xmlns:p14="http://schemas.microsoft.com/office/powerpoint/2010/main" val="3117688017"/>
+                <p14:modId xmlns:p14="http://schemas.microsoft.com/office/powerpoint/2010/main" val="2322308488"/>
               </p:ext>
             </p:extLst>
           </p:nvPr>
         </p:nvGraphicFramePr>
         <p:xfrm>
-          <a:off x="6780212" y="1828800"/>
+          <a:off x="6780212" y="1665928"/>
           <a:ext cx="3098482" cy="2133600"/>
         </p:xfrm>
         <a:graphic>
@@ -26091,10 +27874,26 @@
                     <a:p>
                       <a:pPr algn="ctr"/>
                       <a:r>
-                        <a:rPr lang="en-GB" sz="2200" noProof="1" smtClean="0"/>
+                        <a:rPr lang="en-GB" sz="2200" noProof="1" smtClean="0">
+                          <a:effectLst>
+                            <a:outerShdw blurRad="38100" dist="38100" dir="2700000" algn="tl">
+                              <a:srgbClr val="000000">
+                                <a:alpha val="43137"/>
+                              </a:srgbClr>
+                            </a:outerShdw>
+                          </a:effectLst>
+                        </a:rPr>
                         <a:t>Id</a:t>
                       </a:r>
-                      <a:endParaRPr lang="en-GB" sz="2200" noProof="1"/>
+                      <a:endParaRPr lang="en-GB" sz="2200" noProof="1">
+                        <a:effectLst>
+                          <a:outerShdw blurRad="38100" dist="38100" dir="2700000" algn="tl">
+                            <a:srgbClr val="000000">
+                              <a:alpha val="43137"/>
+                            </a:srgbClr>
+                          </a:outerShdw>
+                        </a:effectLst>
+                      </a:endParaRPr>
                     </a:p>
                   </a:txBody>
                   <a:tcPr/>
@@ -26106,10 +27905,26 @@
                     <a:p>
                       <a:pPr algn="ctr"/>
                       <a:r>
-                        <a:rPr lang="en-GB" sz="2200" noProof="1" smtClean="0"/>
+                        <a:rPr lang="en-GB" sz="2200" noProof="1" smtClean="0">
+                          <a:effectLst>
+                            <a:outerShdw blurRad="38100" dist="38100" dir="2700000" algn="tl">
+                              <a:srgbClr val="000000">
+                                <a:alpha val="43137"/>
+                              </a:srgbClr>
+                            </a:outerShdw>
+                          </a:effectLst>
+                        </a:rPr>
                         <a:t>Town</a:t>
                       </a:r>
-                      <a:endParaRPr lang="en-GB" sz="2200" noProof="1"/>
+                      <a:endParaRPr lang="en-GB" sz="2200" noProof="1">
+                        <a:effectLst>
+                          <a:outerShdw blurRad="38100" dist="38100" dir="2700000" algn="tl">
+                            <a:srgbClr val="000000">
+                              <a:alpha val="43137"/>
+                            </a:srgbClr>
+                          </a:outerShdw>
+                        </a:effectLst>
+                      </a:endParaRPr>
                     </a:p>
                   </a:txBody>
                   <a:tcPr/>
@@ -26121,10 +27936,26 @@
                     <a:p>
                       <a:pPr algn="ctr"/>
                       <a:r>
-                        <a:rPr lang="en-GB" sz="2200" noProof="1" smtClean="0"/>
+                        <a:rPr lang="en-GB" sz="2200" noProof="1" smtClean="0">
+                          <a:effectLst>
+                            <a:outerShdw blurRad="38100" dist="38100" dir="2700000" algn="tl">
+                              <a:srgbClr val="000000">
+                                <a:alpha val="43137"/>
+                              </a:srgbClr>
+                            </a:outerShdw>
+                          </a:effectLst>
+                        </a:rPr>
                         <a:t>CountyId</a:t>
                       </a:r>
-                      <a:endParaRPr lang="en-GB" sz="2200" noProof="1"/>
+                      <a:endParaRPr lang="en-GB" sz="2200" noProof="1">
+                        <a:effectLst>
+                          <a:outerShdw blurRad="38100" dist="38100" dir="2700000" algn="tl">
+                            <a:srgbClr val="000000">
+                              <a:alpha val="43137"/>
+                            </a:srgbClr>
+                          </a:outerShdw>
+                        </a:effectLst>
+                      </a:endParaRPr>
                     </a:p>
                   </a:txBody>
                   <a:tcPr/>
@@ -26330,13 +28161,13 @@
           <p:nvPr>
             <p:extLst>
               <p:ext uri="{D42A27DB-BD31-4B8C-83A1-F6EECF244321}">
-                <p14:modId xmlns:p14="http://schemas.microsoft.com/office/powerpoint/2010/main" val="3749332439"/>
+                <p14:modId xmlns:p14="http://schemas.microsoft.com/office/powerpoint/2010/main" val="3847564154"/>
               </p:ext>
             </p:extLst>
           </p:nvPr>
         </p:nvGraphicFramePr>
         <p:xfrm>
-          <a:off x="5027612" y="4780592"/>
+          <a:off x="5027612" y="4617720"/>
           <a:ext cx="1805368" cy="1706880"/>
         </p:xfrm>
         <a:graphic>
@@ -26357,10 +28188,26 @@
                     <a:p>
                       <a:pPr algn="ctr"/>
                       <a:r>
-                        <a:rPr lang="en-GB" sz="2200" dirty="0" smtClean="0"/>
+                        <a:rPr lang="en-GB" sz="2200" dirty="0" smtClean="0">
+                          <a:effectLst>
+                            <a:outerShdw blurRad="38100" dist="38100" dir="2700000" algn="tl">
+                              <a:srgbClr val="000000">
+                                <a:alpha val="43137"/>
+                              </a:srgbClr>
+                            </a:outerShdw>
+                          </a:effectLst>
+                        </a:rPr>
                         <a:t>Id</a:t>
                       </a:r>
-                      <a:endParaRPr lang="en-GB" sz="2200" dirty="0"/>
+                      <a:endParaRPr lang="en-GB" sz="2200" dirty="0">
+                        <a:effectLst>
+                          <a:outerShdw blurRad="38100" dist="38100" dir="2700000" algn="tl">
+                            <a:srgbClr val="000000">
+                              <a:alpha val="43137"/>
+                            </a:srgbClr>
+                          </a:outerShdw>
+                        </a:effectLst>
+                      </a:endParaRPr>
                     </a:p>
                   </a:txBody>
                   <a:tcPr/>
@@ -26372,10 +28219,26 @@
                     <a:p>
                       <a:pPr algn="ctr"/>
                       <a:r>
-                        <a:rPr lang="en-GB" sz="2200" dirty="0" smtClean="0"/>
+                        <a:rPr lang="en-GB" sz="2200" dirty="0" smtClean="0">
+                          <a:effectLst>
+                            <a:outerShdw blurRad="38100" dist="38100" dir="2700000" algn="tl">
+                              <a:srgbClr val="000000">
+                                <a:alpha val="43137"/>
+                              </a:srgbClr>
+                            </a:outerShdw>
+                          </a:effectLst>
+                        </a:rPr>
                         <a:t>Country</a:t>
                       </a:r>
-                      <a:endParaRPr lang="en-GB" sz="2200" dirty="0"/>
+                      <a:endParaRPr lang="en-GB" sz="2200" dirty="0">
+                        <a:effectLst>
+                          <a:outerShdw blurRad="38100" dist="38100" dir="2700000" algn="tl">
+                            <a:srgbClr val="000000">
+                              <a:alpha val="43137"/>
+                            </a:srgbClr>
+                          </a:outerShdw>
+                        </a:effectLst>
+                      </a:endParaRPr>
                     </a:p>
                   </a:txBody>
                   <a:tcPr/>
@@ -26487,7 +28350,7 @@
         </p:nvSpPr>
         <p:spPr bwMode="auto">
           <a:xfrm flipV="1">
-            <a:off x="5713413" y="2895600"/>
+            <a:off x="5713413" y="2732728"/>
             <a:ext cx="990599" cy="0"/>
           </a:xfrm>
           <a:prstGeom prst="line">
@@ -26525,7 +28388,7 @@
         </p:nvSpPr>
         <p:spPr bwMode="auto">
           <a:xfrm flipH="1">
-            <a:off x="6888165" y="4038600"/>
+            <a:off x="6888165" y="3875728"/>
             <a:ext cx="1168849" cy="1448813"/>
           </a:xfrm>
           <a:custGeom>
@@ -27107,7 +28970,7 @@
           <p:nvPr>
             <p:extLst>
               <p:ext uri="{D42A27DB-BD31-4B8C-83A1-F6EECF244321}">
-                <p14:modId xmlns:p14="http://schemas.microsoft.com/office/powerpoint/2010/main" val="1170759361"/>
+                <p14:modId xmlns:p14="http://schemas.microsoft.com/office/powerpoint/2010/main" val="1993720736"/>
               </p:ext>
             </p:extLst>
           </p:nvPr>
@@ -27133,10 +28996,26 @@
                     <a:lstStyle/>
                     <a:p>
                       <a:r>
-                        <a:rPr lang="en-GB" sz="2000" noProof="1" smtClean="0"/>
+                        <a:rPr lang="en-GB" sz="2000" noProof="1" smtClean="0">
+                          <a:effectLst>
+                            <a:outerShdw blurRad="38100" dist="38100" dir="2700000" algn="tl">
+                              <a:srgbClr val="000000">
+                                <a:alpha val="43137"/>
+                              </a:srgbClr>
+                            </a:outerShdw>
+                          </a:effectLst>
+                        </a:rPr>
                         <a:t>Id</a:t>
                       </a:r>
-                      <a:endParaRPr lang="en-GB" sz="2000" noProof="1"/>
+                      <a:endParaRPr lang="en-GB" sz="2000" noProof="1">
+                        <a:effectLst>
+                          <a:outerShdw blurRad="38100" dist="38100" dir="2700000" algn="tl">
+                            <a:srgbClr val="000000">
+                              <a:alpha val="43137"/>
+                            </a:srgbClr>
+                          </a:outerShdw>
+                        </a:effectLst>
+                      </a:endParaRPr>
                     </a:p>
                   </a:txBody>
                   <a:tcPr/>
@@ -27147,10 +29026,26 @@
                     <a:lstStyle/>
                     <a:p>
                       <a:r>
-                        <a:rPr lang="en-GB" sz="2000" noProof="1" smtClean="0"/>
+                        <a:rPr lang="en-GB" sz="2000" noProof="1" smtClean="0">
+                          <a:effectLst>
+                            <a:outerShdw blurRad="38100" dist="38100" dir="2700000" algn="tl">
+                              <a:srgbClr val="000000">
+                                <a:alpha val="43137"/>
+                              </a:srgbClr>
+                            </a:outerShdw>
+                          </a:effectLst>
+                        </a:rPr>
                         <a:t>Company</a:t>
                       </a:r>
-                      <a:endParaRPr lang="en-GB" sz="2000" noProof="1"/>
+                      <a:endParaRPr lang="en-GB" sz="2000" noProof="1">
+                        <a:effectLst>
+                          <a:outerShdw blurRad="38100" dist="38100" dir="2700000" algn="tl">
+                            <a:srgbClr val="000000">
+                              <a:alpha val="43137"/>
+                            </a:srgbClr>
+                          </a:outerShdw>
+                        </a:effectLst>
+                      </a:endParaRPr>
                     </a:p>
                   </a:txBody>
                   <a:tcPr/>
@@ -28496,6 +30391,13 @@
     <a:masterClrMapping/>
   </p:clrMapOvr>
   <p:transition/>
+  <p:timing>
+    <p:tnLst>
+      <p:par>
+        <p:cTn id="1" dur="indefinite" restart="never" nodeType="tmRoot"/>
+      </p:par>
+    </p:tnLst>
+  </p:timing>
 </p:sld>
 </file>
 
@@ -38685,7 +40587,7 @@
           </a:xfrm>
           <a:prstGeom prst="roundRect">
             <a:avLst>
-              <a:gd name="adj" fmla="val 2510"/>
+              <a:gd name="adj" fmla="val 3558"/>
             </a:avLst>
           </a:prstGeom>
           <a:solidFill>
@@ -38718,6 +40620,74 @@
               </a:lnSpc>
             </a:pPr>
             <a:r>
+              <a:rPr lang="en-US" b="1" dirty="0" smtClean="0">
+                <a:solidFill>
+                  <a:schemeClr val="accent5">
+                    <a:lumMod val="20000"/>
+                    <a:lumOff val="80000"/>
+                  </a:schemeClr>
+                </a:solidFill>
+                <a:effectLst>
+                  <a:outerShdw blurRad="38100" dist="38100" dir="2700000" algn="tl">
+                    <a:srgbClr val="000000">
+                      <a:alpha val="43137"/>
+                    </a:srgbClr>
+                  </a:outerShdw>
+                </a:effectLst>
+              </a:rPr>
+              <a:t>Durable,</a:t>
+            </a:r>
+          </a:p>
+          <a:p>
+            <a:pPr algn="ctr">
+              <a:lnSpc>
+                <a:spcPct val="100000"/>
+              </a:lnSpc>
+            </a:pPr>
+            <a:r>
+              <a:rPr lang="en-US" b="1" dirty="0" smtClean="0">
+                <a:solidFill>
+                  <a:schemeClr val="accent5">
+                    <a:lumMod val="20000"/>
+                    <a:lumOff val="80000"/>
+                  </a:schemeClr>
+                </a:solidFill>
+                <a:effectLst>
+                  <a:outerShdw blurRad="38100" dist="38100" dir="2700000" algn="tl">
+                    <a:srgbClr val="000000">
+                      <a:alpha val="43137"/>
+                    </a:srgbClr>
+                  </a:outerShdw>
+                </a:effectLst>
+              </a:rPr>
+              <a:t>consistent,</a:t>
+            </a:r>
+          </a:p>
+          <a:p>
+            <a:pPr algn="ctr">
+              <a:lnSpc>
+                <a:spcPct val="100000"/>
+              </a:lnSpc>
+            </a:pPr>
+            <a:r>
+              <a:rPr lang="en-US" b="1" dirty="0" smtClean="0">
+                <a:solidFill>
+                  <a:schemeClr val="accent5">
+                    <a:lumMod val="20000"/>
+                    <a:lumOff val="80000"/>
+                  </a:schemeClr>
+                </a:solidFill>
+                <a:effectLst>
+                  <a:outerShdw blurRad="38100" dist="38100" dir="2700000" algn="tl">
+                    <a:srgbClr val="000000">
+                      <a:alpha val="43137"/>
+                    </a:srgbClr>
+                  </a:outerShdw>
+                </a:effectLst>
+              </a:rPr>
+              <a:t>ending </a:t>
+            </a:r>
+            <a:r>
               <a:rPr lang="en-US" b="1" dirty="0">
                 <a:solidFill>
                   <a:schemeClr val="accent5">
@@ -38733,57 +40703,7 @@
                   </a:outerShdw>
                 </a:effectLst>
               </a:rPr>
-              <a:t>Durable,</a:t>
-            </a:r>
-          </a:p>
-          <a:p>
-            <a:pPr algn="ctr">
-              <a:lnSpc>
-                <a:spcPct val="100000"/>
-              </a:lnSpc>
-            </a:pPr>
-            <a:r>
-              <a:rPr lang="en-US" b="1" dirty="0">
-                <a:solidFill>
-                  <a:schemeClr val="accent5">
-                    <a:lumMod val="20000"/>
-                    <a:lumOff val="80000"/>
-                  </a:schemeClr>
-                </a:solidFill>
-                <a:effectLst>
-                  <a:outerShdw blurRad="38100" dist="38100" dir="2700000" algn="tl">
-                    <a:srgbClr val="000000">
-                      <a:alpha val="43137"/>
-                    </a:srgbClr>
-                  </a:outerShdw>
-                </a:effectLst>
-              </a:rPr>
-              <a:t>consistent,</a:t>
-            </a:r>
-          </a:p>
-          <a:p>
-            <a:pPr algn="ctr">
-              <a:lnSpc>
-                <a:spcPct val="100000"/>
-              </a:lnSpc>
-            </a:pPr>
-            <a:r>
-              <a:rPr lang="en-US" b="1" dirty="0">
-                <a:solidFill>
-                  <a:schemeClr val="accent5">
-                    <a:lumMod val="20000"/>
-                    <a:lumOff val="80000"/>
-                  </a:schemeClr>
-                </a:solidFill>
-                <a:effectLst>
-                  <a:outerShdw blurRad="38100" dist="38100" dir="2700000" algn="tl">
-                    <a:srgbClr val="000000">
-                      <a:alpha val="43137"/>
-                    </a:srgbClr>
-                  </a:outerShdw>
-                </a:effectLst>
-              </a:rPr>
-              <a:t>ending state</a:t>
+              <a:t>state</a:t>
             </a:r>
           </a:p>
         </p:txBody>
@@ -38803,7 +40723,7 @@
           </a:xfrm>
           <a:prstGeom prst="roundRect">
             <a:avLst>
-              <a:gd name="adj" fmla="val 5490"/>
+              <a:gd name="adj" fmla="val 3433"/>
             </a:avLst>
           </a:prstGeom>
           <a:solidFill>
@@ -39027,6 +40947,18 @@
               <a:t>Changes become final when </a:t>
             </a:r>
             <a:r>
+              <a:rPr lang="en-US" b="1" dirty="0">
+                <a:solidFill>
+                  <a:schemeClr val="tx2">
+                    <a:lumMod val="75000"/>
+                  </a:schemeClr>
+                </a:solidFill>
+                <a:latin typeface="Consolas" panose="020B0609020204030204" pitchFamily="49" charset="0"/>
+                <a:cs typeface="Consolas" panose="020B0609020204030204" pitchFamily="49" charset="0"/>
+              </a:rPr>
+              <a:t>COMMIT</a:t>
+            </a:r>
+            <a:r>
               <a:rPr lang="en-US" dirty="0">
                 <a:solidFill>
                   <a:schemeClr val="tx2">
@@ -39034,7 +40966,7 @@
                   </a:schemeClr>
                 </a:solidFill>
               </a:rPr>
-              <a:t>COMMIT </a:t>
+              <a:t> </a:t>
             </a:r>
             <a:r>
               <a:rPr lang="en-US" dirty="0"/>
@@ -39069,21 +41001,25 @@
               <a:t>by executing </a:t>
             </a:r>
             <a:r>
-              <a:rPr lang="en-US" dirty="0">
+              <a:rPr lang="en-US" b="1" dirty="0">
                 <a:solidFill>
                   <a:schemeClr val="tx2">
                     <a:lumMod val="75000"/>
                   </a:schemeClr>
                 </a:solidFill>
+                <a:latin typeface="Consolas" panose="020B0609020204030204" pitchFamily="49" charset="0"/>
+                <a:cs typeface="Consolas" panose="020B0609020204030204" pitchFamily="49" charset="0"/>
               </a:rPr>
               <a:t>ROLLBACK</a:t>
             </a:r>
-            <a:endParaRPr lang="bg-BG" dirty="0">
+            <a:endParaRPr lang="bg-BG" b="1" dirty="0">
               <a:solidFill>
                 <a:schemeClr val="tx2">
                   <a:lumMod val="75000"/>
                 </a:schemeClr>
               </a:solidFill>
+              <a:latin typeface="Consolas" panose="020B0609020204030204" pitchFamily="49" charset="0"/>
+              <a:cs typeface="Consolas" panose="020B0609020204030204" pitchFamily="49" charset="0"/>
             </a:endParaRPr>
           </a:p>
           <a:p>
@@ -39196,6 +41132,183 @@
           <a:chExt cx="0" cy="0"/>
         </a:xfrm>
       </p:grpSpPr>
+      <p:sp>
+        <p:nvSpPr>
+          <p:cNvPr id="465923" name="Rectangle 3"/>
+          <p:cNvSpPr>
+            <a:spLocks noGrp="1" noChangeArrowheads="1"/>
+          </p:cNvSpPr>
+          <p:nvPr>
+            <p:ph idx="1"/>
+          </p:nvPr>
+        </p:nvSpPr>
+        <p:spPr/>
+        <p:txBody>
+          <a:bodyPr>
+            <a:normAutofit lnSpcReduction="10000"/>
+          </a:bodyPr>
+          <a:lstStyle/>
+          <a:p>
+            <a:r>
+              <a:rPr lang="en-US" dirty="0"/>
+              <a:t>Database models</a:t>
+            </a:r>
+            <a:r>
+              <a:rPr lang="bg-BG" dirty="0"/>
+              <a:t> </a:t>
+            </a:r>
+            <a:endParaRPr lang="en-US" dirty="0"/>
+          </a:p>
+          <a:p>
+            <a:pPr lvl="1"/>
+            <a:r>
+              <a:rPr lang="en-US" dirty="0"/>
+              <a:t>Hierarchical </a:t>
+            </a:r>
+            <a:r>
+              <a:rPr lang="bg-BG" dirty="0" smtClean="0"/>
+              <a:t>(</a:t>
+            </a:r>
+            <a:r>
+              <a:rPr lang="en-US" dirty="0"/>
+              <a:t>tree</a:t>
+            </a:r>
+            <a:r>
+              <a:rPr lang="bg-BG" dirty="0"/>
+              <a:t>)</a:t>
+            </a:r>
+          </a:p>
+          <a:p>
+            <a:pPr lvl="1"/>
+            <a:r>
+              <a:rPr lang="en-US" dirty="0" smtClean="0"/>
+              <a:t>Network / graph</a:t>
+            </a:r>
+            <a:endParaRPr lang="bg-BG" dirty="0"/>
+          </a:p>
+          <a:p>
+            <a:pPr lvl="1"/>
+            <a:r>
+              <a:rPr lang="en-US" dirty="0"/>
+              <a:t>Relational</a:t>
+            </a:r>
+            <a:r>
+              <a:rPr lang="bg-BG" dirty="0"/>
+              <a:t> (</a:t>
+            </a:r>
+            <a:r>
+              <a:rPr lang="en-US" dirty="0" smtClean="0"/>
+              <a:t>tables</a:t>
+            </a:r>
+            <a:r>
+              <a:rPr lang="bg-BG" dirty="0" smtClean="0"/>
+              <a:t>)</a:t>
+            </a:r>
+            <a:endParaRPr lang="bg-BG" dirty="0"/>
+          </a:p>
+          <a:p>
+            <a:pPr lvl="1"/>
+            <a:r>
+              <a:rPr lang="en-US" dirty="0"/>
+              <a:t>Object-oriented</a:t>
+            </a:r>
+            <a:endParaRPr lang="bg-BG" dirty="0"/>
+          </a:p>
+          <a:p>
+            <a:r>
+              <a:rPr lang="en-US" dirty="0">
+                <a:solidFill>
+                  <a:schemeClr val="accent5">
+                    <a:lumMod val="20000"/>
+                    <a:lumOff val="80000"/>
+                  </a:schemeClr>
+                </a:solidFill>
+              </a:rPr>
+              <a:t>Relational databases</a:t>
+            </a:r>
+            <a:endParaRPr lang="bg-BG" dirty="0">
+              <a:solidFill>
+                <a:schemeClr val="accent5">
+                  <a:lumMod val="20000"/>
+                  <a:lumOff val="80000"/>
+                </a:schemeClr>
+              </a:solidFill>
+            </a:endParaRPr>
+          </a:p>
+          <a:p>
+            <a:pPr lvl="1"/>
+            <a:r>
+              <a:rPr lang="en-US" dirty="0" smtClean="0"/>
+              <a:t>Represent </a:t>
+            </a:r>
+            <a:r>
+              <a:rPr lang="en-US" dirty="0"/>
+              <a:t>a bunch of </a:t>
+            </a:r>
+            <a:r>
+              <a:rPr lang="en-US" dirty="0">
+                <a:solidFill>
+                  <a:schemeClr val="tx2">
+                    <a:lumMod val="75000"/>
+                  </a:schemeClr>
+                </a:solidFill>
+              </a:rPr>
+              <a:t>tables</a:t>
+            </a:r>
+            <a:r>
+              <a:rPr lang="en-US" dirty="0"/>
+              <a:t> together with the </a:t>
+            </a:r>
+            <a:r>
+              <a:rPr lang="en-US" dirty="0" smtClean="0">
+                <a:solidFill>
+                  <a:schemeClr val="tx2">
+                    <a:lumMod val="75000"/>
+                  </a:schemeClr>
+                </a:solidFill>
+              </a:rPr>
+              <a:t>relationships</a:t>
+            </a:r>
+            <a:r>
+              <a:rPr lang="en-US" dirty="0" smtClean="0"/>
+              <a:t> </a:t>
+            </a:r>
+            <a:r>
+              <a:rPr lang="en-US" dirty="0"/>
+              <a:t>between them</a:t>
+            </a:r>
+            <a:r>
+              <a:rPr lang="bg-BG" dirty="0"/>
+              <a:t> </a:t>
+            </a:r>
+            <a:endParaRPr lang="en-US" dirty="0"/>
+          </a:p>
+          <a:p>
+            <a:pPr lvl="1"/>
+            <a:r>
+              <a:rPr lang="en-US" dirty="0" smtClean="0"/>
+              <a:t>Rely on</a:t>
+            </a:r>
+            <a:r>
+              <a:rPr lang="bg-BG" dirty="0" smtClean="0"/>
+              <a:t> </a:t>
+            </a:r>
+            <a:r>
+              <a:rPr lang="en-US" dirty="0"/>
+              <a:t>a strong mathematical foundation: </a:t>
+            </a:r>
+            <a:r>
+              <a:rPr lang="en-US" dirty="0" smtClean="0"/>
+              <a:t>the relational </a:t>
+            </a:r>
+            <a:r>
+              <a:rPr lang="en-US" dirty="0"/>
+              <a:t>algebra</a:t>
+            </a:r>
+            <a:endParaRPr lang="bg-BG" dirty="0"/>
+          </a:p>
+        </p:txBody>
+      </p:sp>
       <p:pic>
         <p:nvPicPr>
           <p:cNvPr id="52226" name="Picture 2" descr="http://www.buzzle.com/img/articleImages/4344-8.jpg"/>
@@ -39219,8 +41332,8 @@
         </p:blipFill>
         <p:spPr bwMode="auto">
           <a:xfrm>
-            <a:off x="7923212" y="1600200"/>
-            <a:ext cx="2914650" cy="2131858"/>
+            <a:off x="7466012" y="1600200"/>
+            <a:ext cx="3600450" cy="2633472"/>
           </a:xfrm>
           <a:prstGeom prst="roundRect">
             <a:avLst>
@@ -39275,217 +41388,6 @@
       </p:sp>
       <p:sp>
         <p:nvSpPr>
-          <p:cNvPr id="465923" name="Rectangle 3"/>
-          <p:cNvSpPr>
-            <a:spLocks noGrp="1" noChangeArrowheads="1"/>
-          </p:cNvSpPr>
-          <p:nvPr>
-            <p:ph idx="1"/>
-          </p:nvPr>
-        </p:nvSpPr>
-        <p:spPr/>
-        <p:txBody>
-          <a:bodyPr>
-            <a:normAutofit lnSpcReduction="10000"/>
-          </a:bodyPr>
-          <a:lstStyle/>
-          <a:p>
-            <a:pPr>
-              <a:lnSpc>
-                <a:spcPct val="100000"/>
-              </a:lnSpc>
-            </a:pPr>
-            <a:r>
-              <a:rPr lang="en-US" dirty="0"/>
-              <a:t>Database models</a:t>
-            </a:r>
-            <a:r>
-              <a:rPr lang="bg-BG" dirty="0"/>
-              <a:t> </a:t>
-            </a:r>
-            <a:endParaRPr lang="en-US" dirty="0"/>
-          </a:p>
-          <a:p>
-            <a:pPr lvl="1">
-              <a:lnSpc>
-                <a:spcPct val="100000"/>
-              </a:lnSpc>
-            </a:pPr>
-            <a:r>
-              <a:rPr lang="en-US" dirty="0"/>
-              <a:t>Hierarchical </a:t>
-            </a:r>
-            <a:r>
-              <a:rPr lang="bg-BG" dirty="0"/>
-              <a:t> (</a:t>
-            </a:r>
-            <a:r>
-              <a:rPr lang="en-US" dirty="0"/>
-              <a:t>tree</a:t>
-            </a:r>
-            <a:r>
-              <a:rPr lang="bg-BG" dirty="0"/>
-              <a:t>)</a:t>
-            </a:r>
-          </a:p>
-          <a:p>
-            <a:pPr lvl="1">
-              <a:lnSpc>
-                <a:spcPct val="100000"/>
-              </a:lnSpc>
-            </a:pPr>
-            <a:r>
-              <a:rPr lang="en-US" dirty="0" smtClean="0"/>
-              <a:t>Network / graph</a:t>
-            </a:r>
-            <a:endParaRPr lang="bg-BG" dirty="0"/>
-          </a:p>
-          <a:p>
-            <a:pPr lvl="1">
-              <a:lnSpc>
-                <a:spcPct val="100000"/>
-              </a:lnSpc>
-            </a:pPr>
-            <a:r>
-              <a:rPr lang="en-US" dirty="0"/>
-              <a:t>Relational</a:t>
-            </a:r>
-            <a:r>
-              <a:rPr lang="bg-BG" dirty="0"/>
-              <a:t> (</a:t>
-            </a:r>
-            <a:r>
-              <a:rPr lang="en-US" dirty="0" smtClean="0"/>
-              <a:t>tables</a:t>
-            </a:r>
-            <a:r>
-              <a:rPr lang="bg-BG" dirty="0" smtClean="0"/>
-              <a:t>)</a:t>
-            </a:r>
-            <a:endParaRPr lang="bg-BG" dirty="0"/>
-          </a:p>
-          <a:p>
-            <a:pPr lvl="1">
-              <a:lnSpc>
-                <a:spcPct val="100000"/>
-              </a:lnSpc>
-            </a:pPr>
-            <a:r>
-              <a:rPr lang="en-US" dirty="0"/>
-              <a:t>Object-oriented</a:t>
-            </a:r>
-            <a:endParaRPr lang="bg-BG" dirty="0"/>
-          </a:p>
-          <a:p>
-            <a:pPr>
-              <a:lnSpc>
-                <a:spcPct val="100000"/>
-              </a:lnSpc>
-            </a:pPr>
-            <a:r>
-              <a:rPr lang="en-US" dirty="0">
-                <a:solidFill>
-                  <a:schemeClr val="accent5">
-                    <a:lumMod val="20000"/>
-                    <a:lumOff val="80000"/>
-                  </a:schemeClr>
-                </a:solidFill>
-              </a:rPr>
-              <a:t>Relational databases</a:t>
-            </a:r>
-            <a:endParaRPr lang="bg-BG" dirty="0">
-              <a:solidFill>
-                <a:schemeClr val="accent5">
-                  <a:lumMod val="20000"/>
-                  <a:lumOff val="80000"/>
-                </a:schemeClr>
-              </a:solidFill>
-            </a:endParaRPr>
-          </a:p>
-          <a:p>
-            <a:pPr lvl="1">
-              <a:lnSpc>
-                <a:spcPct val="100000"/>
-              </a:lnSpc>
-            </a:pPr>
-            <a:r>
-              <a:rPr lang="en-US" dirty="0" smtClean="0"/>
-              <a:t>Represent </a:t>
-            </a:r>
-            <a:r>
-              <a:rPr lang="en-US" dirty="0"/>
-              <a:t>a bunch of </a:t>
-            </a:r>
-            <a:r>
-              <a:rPr lang="en-US" dirty="0">
-                <a:solidFill>
-                  <a:schemeClr val="tx2">
-                    <a:lumMod val="75000"/>
-                  </a:schemeClr>
-                </a:solidFill>
-              </a:rPr>
-              <a:t>tables</a:t>
-            </a:r>
-            <a:r>
-              <a:rPr lang="en-US" dirty="0"/>
-              <a:t> together with the </a:t>
-            </a:r>
-            <a:r>
-              <a:rPr lang="en-US" dirty="0" smtClean="0">
-                <a:solidFill>
-                  <a:schemeClr val="tx2">
-                    <a:lumMod val="75000"/>
-                  </a:schemeClr>
-                </a:solidFill>
-              </a:rPr>
-              <a:t>relationships</a:t>
-            </a:r>
-            <a:r>
-              <a:rPr lang="en-US" dirty="0" smtClean="0"/>
-              <a:t> </a:t>
-            </a:r>
-            <a:r>
-              <a:rPr lang="en-US" dirty="0"/>
-              <a:t>between them</a:t>
-            </a:r>
-            <a:r>
-              <a:rPr lang="bg-BG" dirty="0"/>
-              <a:t> </a:t>
-            </a:r>
-            <a:endParaRPr lang="en-US" dirty="0"/>
-          </a:p>
-          <a:p>
-            <a:pPr lvl="1">
-              <a:lnSpc>
-                <a:spcPct val="100000"/>
-              </a:lnSpc>
-            </a:pPr>
-            <a:r>
-              <a:rPr lang="en-US" dirty="0" smtClean="0"/>
-              <a:t>Rely on</a:t>
-            </a:r>
-            <a:r>
-              <a:rPr lang="bg-BG" dirty="0" smtClean="0"/>
-              <a:t> </a:t>
-            </a:r>
-            <a:r>
-              <a:rPr lang="en-US" dirty="0"/>
-              <a:t>a strong mathematical foundation: </a:t>
-            </a:r>
-            <a:r>
-              <a:rPr lang="en-US" dirty="0" smtClean="0"/>
-              <a:t>the relational </a:t>
-            </a:r>
-            <a:r>
-              <a:rPr lang="en-US" dirty="0"/>
-              <a:t>algebra</a:t>
-            </a:r>
-            <a:endParaRPr lang="bg-BG" dirty="0"/>
-          </a:p>
-        </p:txBody>
-      </p:sp>
-      <p:sp>
-        <p:nvSpPr>
           <p:cNvPr id="465922" name="Rectangle 2"/>
           <p:cNvSpPr>
             <a:spLocks noGrp="1" noChangeArrowheads="1"/>
@@ -39511,6 +41413,36 @@
           </a:p>
         </p:txBody>
       </p:sp>
+      <p:pic>
+        <p:nvPicPr>
+          <p:cNvPr id="6" name="Picture 5"/>
+          <p:cNvPicPr>
+            <a:picLocks noChangeAspect="1"/>
+          </p:cNvPicPr>
+          <p:nvPr/>
+        </p:nvPicPr>
+        <p:blipFill>
+          <a:blip r:embed="rId3">
+            <a:extLst>
+              <a:ext uri="{28A0092B-C50C-407E-A947-70E740481C1C}">
+                <a14:useLocalDpi xmlns:a14="http://schemas.microsoft.com/office/drawing/2010/main" val="0"/>
+              </a:ext>
+            </a:extLst>
+          </a:blip>
+          <a:stretch>
+            <a:fillRect/>
+          </a:stretch>
+        </p:blipFill>
+        <p:spPr>
+          <a:xfrm>
+            <a:off x="4951412" y="2057400"/>
+            <a:ext cx="1984376" cy="1984376"/>
+          </a:xfrm>
+          <a:prstGeom prst="rect">
+            <a:avLst/>
+          </a:prstGeom>
+        </p:spPr>
+      </p:pic>
     </p:spTree>
     <p:extLst>
       <p:ext uri="{BB962C8B-B14F-4D97-AF65-F5344CB8AC3E}">
@@ -40200,15 +42132,10 @@
         <p:spPr/>
         <p:txBody>
           <a:bodyPr>
-            <a:normAutofit fontScale="92500" lnSpcReduction="10000"/>
+            <a:normAutofit lnSpcReduction="10000"/>
           </a:bodyPr>
           <a:lstStyle/>
           <a:p>
-            <a:pPr>
-              <a:lnSpc>
-                <a:spcPct val="100000"/>
-              </a:lnSpc>
-            </a:pPr>
             <a:r>
               <a:rPr lang="en-US" dirty="0" smtClean="0">
                 <a:solidFill>
@@ -40232,11 +42159,7 @@
             </a:r>
           </a:p>
           <a:p>
-            <a:pPr lvl="1">
-              <a:lnSpc>
-                <a:spcPct val="100000"/>
-              </a:lnSpc>
-            </a:pPr>
+            <a:pPr lvl="1"/>
             <a:r>
               <a:rPr lang="en-US" dirty="0" smtClean="0"/>
               <a:t>Use </a:t>
@@ -40258,59 +42181,36 @@
             </a:r>
           </a:p>
           <a:p>
-            <a:pPr lvl="1">
-              <a:lnSpc>
-                <a:spcPct val="100000"/>
-              </a:lnSpc>
-            </a:pPr>
+            <a:pPr lvl="1"/>
             <a:r>
               <a:rPr lang="en-US" dirty="0" smtClean="0"/>
               <a:t>Schema-free document storage</a:t>
             </a:r>
           </a:p>
           <a:p>
-            <a:pPr lvl="2">
-              <a:lnSpc>
-                <a:spcPct val="100000"/>
-              </a:lnSpc>
-            </a:pPr>
+            <a:pPr lvl="2"/>
             <a:r>
               <a:rPr lang="en-US" dirty="0"/>
               <a:t>Still support CRUD </a:t>
             </a:r>
             <a:r>
               <a:rPr lang="en-US" dirty="0" smtClean="0"/>
-              <a:t>operations</a:t>
-            </a:r>
-            <a:br>
-              <a:rPr lang="en-US" dirty="0" smtClean="0"/>
-            </a:br>
-            <a:r>
-              <a:rPr lang="en-US" dirty="0" smtClean="0"/>
-              <a:t>(</a:t>
+              <a:t>operations (create</a:t>
             </a:r>
             <a:r>
               <a:rPr lang="en-US" dirty="0"/>
-              <a:t>create, read, update, delete)</a:t>
-            </a:r>
-          </a:p>
-          <a:p>
-            <a:pPr lvl="2">
-              <a:lnSpc>
-                <a:spcPct val="100000"/>
-              </a:lnSpc>
-            </a:pPr>
+              <a:t>, read, update, delete)</a:t>
+            </a:r>
+          </a:p>
+          <a:p>
+            <a:pPr lvl="2"/>
             <a:r>
               <a:rPr lang="en-US" dirty="0" smtClean="0"/>
               <a:t>Still support indexing and querying</a:t>
             </a:r>
           </a:p>
           <a:p>
-            <a:pPr lvl="2">
-              <a:lnSpc>
-                <a:spcPct val="100000"/>
-              </a:lnSpc>
-            </a:pPr>
+            <a:pPr lvl="2"/>
             <a:r>
               <a:rPr lang="en-US" dirty="0" smtClean="0"/>
               <a:t>Still supports </a:t>
@@ -40325,11 +42225,7 @@
             </a:r>
           </a:p>
           <a:p>
-            <a:pPr lvl="1">
-              <a:lnSpc>
-                <a:spcPct val="100000"/>
-              </a:lnSpc>
-            </a:pPr>
+            <a:pPr lvl="1"/>
             <a:r>
               <a:rPr lang="en-US" dirty="0" smtClean="0"/>
               <a:t>Highly optimized for append / retrieve</a:t>
@@ -40337,11 +42233,7 @@
             <a:endParaRPr lang="en-US" dirty="0"/>
           </a:p>
           <a:p>
-            <a:pPr lvl="1">
-              <a:lnSpc>
-                <a:spcPct val="100000"/>
-              </a:lnSpc>
-            </a:pPr>
+            <a:pPr lvl="1"/>
             <a:r>
               <a:rPr lang="en-US" dirty="0" smtClean="0"/>
               <a:t>Great performance and scalability</a:t>
@@ -40349,11 +42241,7 @@
             <a:endParaRPr lang="bg-BG" dirty="0" smtClean="0"/>
           </a:p>
           <a:p>
-            <a:pPr lvl="1">
-              <a:lnSpc>
-                <a:spcPct val="100000"/>
-              </a:lnSpc>
-            </a:pPr>
+            <a:pPr lvl="1"/>
             <a:r>
               <a:rPr lang="en-US" dirty="0" smtClean="0"/>
               <a:t>NoSQL == “No SQL” or “Not Only SQL”?</a:t>
@@ -40401,7 +42289,7 @@
         </p:blipFill>
         <p:spPr>
           <a:xfrm>
-            <a:off x="8394472" y="2438400"/>
+            <a:off x="8760733" y="3810000"/>
             <a:ext cx="2743879" cy="2531501"/>
           </a:xfrm>
           <a:prstGeom prst="rect">
@@ -40504,6 +42392,11 @@
           </a:bodyPr>
           <a:lstStyle/>
           <a:p>
+            <a:pPr>
+              <a:lnSpc>
+                <a:spcPct val="102000"/>
+              </a:lnSpc>
+            </a:pPr>
             <a:r>
               <a:rPr lang="en-US" dirty="0" smtClean="0">
                 <a:solidFill>
@@ -40517,34 +42410,55 @@
             </a:r>
           </a:p>
           <a:p>
-            <a:pPr lvl="1"/>
+            <a:pPr lvl="1">
+              <a:lnSpc>
+                <a:spcPct val="102000"/>
+              </a:lnSpc>
+            </a:pPr>
             <a:r>
               <a:rPr lang="en-US" dirty="0" smtClean="0"/>
               <a:t>Data stored as table rows</a:t>
             </a:r>
           </a:p>
           <a:p>
-            <a:pPr lvl="1"/>
+            <a:pPr lvl="1">
+              <a:lnSpc>
+                <a:spcPct val="102000"/>
+              </a:lnSpc>
+            </a:pPr>
             <a:r>
               <a:rPr lang="en-US" dirty="0" smtClean="0"/>
               <a:t>Relationships between related rows</a:t>
             </a:r>
           </a:p>
           <a:p>
-            <a:pPr lvl="1"/>
+            <a:pPr lvl="1">
+              <a:lnSpc>
+                <a:spcPct val="102000"/>
+              </a:lnSpc>
+            </a:pPr>
             <a:r>
               <a:rPr lang="en-US" dirty="0" smtClean="0"/>
               <a:t>Single entity spans multiple tables</a:t>
             </a:r>
           </a:p>
           <a:p>
-            <a:pPr lvl="1"/>
+            <a:pPr lvl="1">
+              <a:lnSpc>
+                <a:spcPct val="102000"/>
+              </a:lnSpc>
+            </a:pPr>
             <a:r>
               <a:rPr lang="en-US" dirty="0" smtClean="0"/>
               <a:t>RDBMS systems are very mature, rock solid</a:t>
             </a:r>
           </a:p>
           <a:p>
+            <a:pPr>
+              <a:lnSpc>
+                <a:spcPct val="102000"/>
+              </a:lnSpc>
+            </a:pPr>
             <a:r>
               <a:rPr lang="en-US" dirty="0" smtClean="0">
                 <a:solidFill>
@@ -40558,21 +42472,33 @@
             </a:r>
           </a:p>
           <a:p>
-            <a:pPr lvl="1"/>
+            <a:pPr lvl="1">
+              <a:lnSpc>
+                <a:spcPct val="102000"/>
+              </a:lnSpc>
+            </a:pPr>
             <a:r>
               <a:rPr lang="en-US" dirty="0" smtClean="0"/>
               <a:t>Data stored as documents</a:t>
             </a:r>
           </a:p>
           <a:p>
-            <a:pPr lvl="1"/>
+            <a:pPr lvl="1">
+              <a:lnSpc>
+                <a:spcPct val="102000"/>
+              </a:lnSpc>
+            </a:pPr>
             <a:r>
               <a:rPr lang="en-US" dirty="0" smtClean="0"/>
               <a:t>Single entity (document) is a single record</a:t>
             </a:r>
           </a:p>
           <a:p>
-            <a:pPr lvl="1"/>
+            <a:pPr lvl="1">
+              <a:lnSpc>
+                <a:spcPct val="102000"/>
+              </a:lnSpc>
+            </a:pPr>
             <a:r>
               <a:rPr lang="en-US" dirty="0" smtClean="0"/>
               <a:t>Documents do not have a fixed structure</a:t>
@@ -40593,11 +42519,13 @@
         </p:nvSpPr>
         <p:spPr/>
         <p:txBody>
-          <a:bodyPr/>
+          <a:bodyPr>
+            <a:normAutofit/>
+          </a:bodyPr>
           <a:lstStyle/>
           <a:p>
             <a:r>
-              <a:rPr lang="en-US" sz="3800" dirty="0"/>
+              <a:rPr lang="en-US" dirty="0"/>
               <a:t>Relational vs. NoSQL Databases</a:t>
             </a:r>
           </a:p>
@@ -40624,8 +42552,8 @@
         </p:blipFill>
         <p:spPr bwMode="auto">
           <a:xfrm>
-            <a:off x="8304212" y="1046940"/>
-            <a:ext cx="1905000" cy="1073960"/>
+            <a:off x="8380412" y="1404552"/>
+            <a:ext cx="3017100" cy="2133600"/>
           </a:xfrm>
           <a:prstGeom prst="roundRect">
             <a:avLst>
@@ -40666,8 +42594,8 @@
         </p:blipFill>
         <p:spPr bwMode="auto">
           <a:xfrm>
-            <a:off x="8228012" y="4648200"/>
-            <a:ext cx="2881927" cy="838200"/>
+            <a:off x="8380412" y="4761285"/>
+            <a:ext cx="3017100" cy="877515"/>
           </a:xfrm>
           <a:prstGeom prst="roundRect">
             <a:avLst>
@@ -43379,7 +45307,7 @@
           <a:lstStyle/>
           <a:p>
             <a:r>
-              <a:rPr lang="en-US" dirty="0" smtClean="0"/>
+              <a:rPr lang="en-US" sz="3600" dirty="0" smtClean="0"/>
               <a:t>Redis</a:t>
             </a:r>
           </a:p>
@@ -43392,7 +45320,7 @@
           </a:p>
           <a:p>
             <a:r>
-              <a:rPr lang="en-US" dirty="0" smtClean="0"/>
+              <a:rPr lang="en-US" sz="3600" dirty="0" smtClean="0"/>
               <a:t>MongoDB</a:t>
             </a:r>
           </a:p>
@@ -43409,7 +45337,7 @@
           </a:p>
           <a:p>
             <a:r>
-              <a:rPr lang="en-US" dirty="0" smtClean="0"/>
+              <a:rPr lang="en-US" sz="3600" dirty="0" smtClean="0"/>
               <a:t>CouchDB</a:t>
             </a:r>
           </a:p>
@@ -43427,7 +45355,7 @@
           </a:p>
           <a:p>
             <a:r>
-              <a:rPr lang="en-US" dirty="0" smtClean="0"/>
+              <a:rPr lang="en-US" sz="3600" dirty="0" smtClean="0"/>
               <a:t>Cassandra</a:t>
             </a:r>
           </a:p>
@@ -43440,16 +45368,16 @@
           </a:p>
           <a:p>
             <a:r>
-              <a:rPr lang="en-US" dirty="0" smtClean="0"/>
+              <a:rPr lang="en-US" sz="3600" dirty="0" smtClean="0"/>
               <a:t>DB Ranking: </a:t>
             </a:r>
             <a:r>
-              <a:rPr lang="en-US" sz="3000" dirty="0">
+              <a:rPr lang="en-US" sz="3600" dirty="0">
                 <a:hlinkClick r:id="rId2"/>
               </a:rPr>
               <a:t>http://db-engines.com/en/ranking</a:t>
             </a:r>
-            <a:endParaRPr lang="en-US" sz="3000" dirty="0"/>
+            <a:endParaRPr lang="en-US" sz="3600" dirty="0"/>
           </a:p>
         </p:txBody>
       </p:sp>
@@ -43499,8 +45427,8 @@
         </p:blipFill>
         <p:spPr bwMode="auto">
           <a:xfrm>
-            <a:off x="4324406" y="1066800"/>
-            <a:ext cx="1389006" cy="533400"/>
+            <a:off x="4208030" y="1088818"/>
+            <a:ext cx="1643006" cy="630940"/>
           </a:xfrm>
           <a:prstGeom prst="roundRect">
             <a:avLst>
@@ -43556,8 +45484,8 @@
         </p:blipFill>
         <p:spPr bwMode="auto">
           <a:xfrm>
-            <a:off x="4240212" y="2325552"/>
-            <a:ext cx="1600200" cy="533400"/>
+            <a:off x="4182507" y="2374557"/>
+            <a:ext cx="1715610" cy="571870"/>
           </a:xfrm>
           <a:prstGeom prst="roundRect">
             <a:avLst>
@@ -43592,7 +45520,7 @@
         </p:blipFill>
         <p:spPr bwMode="auto">
           <a:xfrm>
-            <a:off x="4078580" y="3638734"/>
+            <a:off x="4078580" y="3611438"/>
             <a:ext cx="1939632" cy="533399"/>
           </a:xfrm>
           <a:prstGeom prst="roundRect">
@@ -43637,7 +45565,7 @@
         </p:blipFill>
         <p:spPr bwMode="auto">
           <a:xfrm>
-            <a:off x="3884612" y="4747592"/>
+            <a:off x="3948111" y="4823496"/>
             <a:ext cx="2222501" cy="532475"/>
           </a:xfrm>
           <a:prstGeom prst="roundRect">
@@ -43744,102 +45672,102 @@
           <a:p>
             <a:pPr>
               <a:lnSpc>
-                <a:spcPct val="100000"/>
+                <a:spcPct val="95000"/>
               </a:lnSpc>
             </a:pPr>
             <a:r>
-              <a:rPr lang="en-US" sz="3000" dirty="0" smtClean="0"/>
+              <a:rPr lang="en-US" sz="3200" dirty="0" smtClean="0"/>
               <a:t>What is relational database?</a:t>
             </a:r>
           </a:p>
           <a:p>
             <a:pPr lvl="1">
               <a:lnSpc>
-                <a:spcPct val="100000"/>
+                <a:spcPct val="95000"/>
               </a:lnSpc>
             </a:pPr>
             <a:r>
-              <a:rPr lang="en-US" sz="2800" dirty="0" smtClean="0"/>
+              <a:rPr lang="en-US" dirty="0" smtClean="0"/>
               <a:t>Examples of RDBMS?</a:t>
             </a:r>
           </a:p>
           <a:p>
             <a:pPr>
               <a:lnSpc>
-                <a:spcPct val="100000"/>
+                <a:spcPct val="95000"/>
               </a:lnSpc>
             </a:pPr>
             <a:r>
-              <a:rPr lang="en-US" sz="3000" dirty="0" smtClean="0"/>
+              <a:rPr lang="en-US" sz="3200" dirty="0" smtClean="0"/>
               <a:t>What is E/R data model?</a:t>
             </a:r>
           </a:p>
           <a:p>
             <a:pPr lvl="1">
               <a:lnSpc>
-                <a:spcPct val="100000"/>
+                <a:spcPct val="95000"/>
               </a:lnSpc>
             </a:pPr>
             <a:r>
-              <a:rPr lang="en-US" sz="2800" dirty="0" smtClean="0"/>
+              <a:rPr lang="en-US" dirty="0" smtClean="0"/>
               <a:t>What is primary key?</a:t>
             </a:r>
           </a:p>
           <a:p>
             <a:pPr lvl="1">
               <a:lnSpc>
-                <a:spcPct val="100000"/>
+                <a:spcPct val="95000"/>
               </a:lnSpc>
             </a:pPr>
             <a:r>
-              <a:rPr lang="en-US" sz="2800" dirty="0" smtClean="0"/>
+              <a:rPr lang="en-US" dirty="0" smtClean="0"/>
               <a:t>What relationships do you know?</a:t>
             </a:r>
           </a:p>
           <a:p>
             <a:pPr lvl="1">
               <a:lnSpc>
-                <a:spcPct val="100000"/>
+                <a:spcPct val="95000"/>
               </a:lnSpc>
             </a:pPr>
             <a:r>
-              <a:rPr lang="en-US" sz="2800" dirty="0" smtClean="0"/>
+              <a:rPr lang="en-US" dirty="0" smtClean="0"/>
               <a:t>What is constraint?</a:t>
             </a:r>
           </a:p>
           <a:p>
             <a:pPr lvl="1">
               <a:lnSpc>
-                <a:spcPct val="100000"/>
+                <a:spcPct val="95000"/>
               </a:lnSpc>
             </a:pPr>
             <a:r>
-              <a:rPr lang="en-US" sz="2800" dirty="0" smtClean="0"/>
+              <a:rPr lang="en-US" dirty="0" smtClean="0"/>
               <a:t>What is transaction?</a:t>
             </a:r>
           </a:p>
           <a:p>
             <a:pPr>
               <a:lnSpc>
-                <a:spcPct val="100000"/>
+                <a:spcPct val="95000"/>
               </a:lnSpc>
             </a:pPr>
             <a:r>
-              <a:rPr lang="en-US" sz="3000" dirty="0" smtClean="0"/>
+              <a:rPr lang="en-US" sz="3200" dirty="0" smtClean="0"/>
               <a:t>What is NoSQL database?</a:t>
             </a:r>
           </a:p>
           <a:p>
             <a:pPr lvl="1">
               <a:lnSpc>
-                <a:spcPct val="100000"/>
+                <a:spcPct val="95000"/>
               </a:lnSpc>
             </a:pPr>
             <a:r>
-              <a:rPr lang="en-US" sz="2800" dirty="0" smtClean="0"/>
+              <a:rPr lang="en-US" dirty="0" smtClean="0"/>
               <a:t>Examples?</a:t>
             </a:r>
-            <a:endParaRPr lang="en-US" sz="2800" dirty="0"/>
+            <a:endParaRPr lang="en-US" dirty="0"/>
           </a:p>
         </p:txBody>
       </p:sp>
@@ -43868,38 +45796,6 @@
           </a:p>
         </p:txBody>
       </p:sp>
-      <p:pic>
-        <p:nvPicPr>
-          <p:cNvPr id="11" name="Picture 4" descr="D:\_WORK PROJECTS\Nakov\Presentation Slides Design\Question Summary Slide\Store\minions summary copy.png"/>
-          <p:cNvPicPr>
-            <a:picLocks noChangeAspect="1" noChangeArrowheads="1"/>
-          </p:cNvPicPr>
-          <p:nvPr/>
-        </p:nvPicPr>
-        <p:blipFill>
-          <a:blip r:embed="rId3" cstate="print">
-            <a:extLst>
-              <a:ext uri="{28A0092B-C50C-407E-A947-70E740481C1C}">
-                <a14:useLocalDpi xmlns:a14="http://schemas.microsoft.com/office/drawing/2010/main" val="0"/>
-              </a:ext>
-            </a:extLst>
-          </a:blip>
-          <a:srcRect/>
-          <a:stretch>
-            <a:fillRect/>
-          </a:stretch>
-        </p:blipFill>
-        <p:spPr bwMode="auto">
-          <a:xfrm>
-            <a:off x="8952811" y="1535238"/>
-            <a:ext cx="2438400" cy="2438400"/>
-          </a:xfrm>
-          <a:prstGeom prst="rect">
-            <a:avLst/>
-          </a:prstGeom>
-          <a:noFill/>
-        </p:spPr>
-      </p:pic>
       <p:grpSp>
         <p:nvGrpSpPr>
           <p:cNvPr id="7" name="Group 6"/>
@@ -43908,7 +45804,7 @@
         </p:nvGrpSpPr>
         <p:grpSpPr>
           <a:xfrm>
-            <a:off x="8309225" y="4572000"/>
+            <a:off x="8422626" y="4716282"/>
             <a:ext cx="3081986" cy="1628125"/>
             <a:chOff x="998778" y="2709000"/>
             <a:chExt cx="7687634" cy="3510730"/>
@@ -43923,7 +45819,7 @@
             <p:nvPr/>
           </p:nvPicPr>
           <p:blipFill>
-            <a:blip r:embed="rId4" cstate="screen">
+            <a:blip r:embed="rId3" cstate="screen">
               <a:duotone>
                 <a:prstClr val="black"/>
                 <a:schemeClr val="accent1">
@@ -44043,7 +45939,7 @@
           <p:nvPr/>
         </p:nvPicPr>
         <p:blipFill>
-          <a:blip r:embed="rId5">
+          <a:blip r:embed="rId4">
             <a:extLst>
               <a:ext uri="{28A0092B-C50C-407E-A947-70E740481C1C}">
                 <a14:useLocalDpi xmlns:a14="http://schemas.microsoft.com/office/drawing/2010/main" val="0"/>
@@ -44057,7 +45953,7 @@
         </p:blipFill>
         <p:spPr bwMode="auto">
           <a:xfrm>
-            <a:off x="6798569" y="1239025"/>
+            <a:off x="7847012" y="3624569"/>
             <a:ext cx="1535088" cy="1515413"/>
           </a:xfrm>
           <a:prstGeom prst="rect">
@@ -44073,6 +45969,36 @@
               </a14:hiddenFill>
             </a:ext>
           </a:extLst>
+        </p:spPr>
+      </p:pic>
+      <p:pic>
+        <p:nvPicPr>
+          <p:cNvPr id="2" name="Picture 1"/>
+          <p:cNvPicPr>
+            <a:picLocks noChangeAspect="1"/>
+          </p:cNvPicPr>
+          <p:nvPr/>
+        </p:nvPicPr>
+        <p:blipFill>
+          <a:blip r:embed="rId5">
+            <a:extLst>
+              <a:ext uri="{28A0092B-C50C-407E-A947-70E740481C1C}">
+                <a14:useLocalDpi xmlns:a14="http://schemas.microsoft.com/office/drawing/2010/main" val="0"/>
+              </a:ext>
+            </a:extLst>
+          </a:blip>
+          <a:stretch>
+            <a:fillRect/>
+          </a:stretch>
+        </p:blipFill>
+        <p:spPr>
+          <a:xfrm>
+            <a:off x="7407613" y="1348718"/>
+            <a:ext cx="3908432" cy="2899531"/>
+          </a:xfrm>
+          <a:prstGeom prst="rect">
+            <a:avLst/>
+          </a:prstGeom>
         </p:spPr>
       </p:pic>
     </p:spTree>
@@ -44136,7 +46062,7 @@
           <a:lstStyle/>
           <a:p>
             <a:r>
-              <a:rPr lang="en-US" dirty="0" smtClean="0">
+              <a:rPr lang="en-US" dirty="0">
                 <a:hlinkClick r:id="rId3"/>
               </a:rPr>
               <a:t>https://softuni.bg/courses/databases</a:t>
@@ -44168,8 +46094,8 @@
           <a:lstStyle/>
           <a:p>
             <a:r>
-              <a:rPr lang="en-US" dirty="0" smtClean="0"/>
-              <a:t>Databases</a:t>
+              <a:rPr lang="en-US" dirty="0"/>
+              <a:t>Database Systems</a:t>
             </a:r>
             <a:endParaRPr lang="en-US" dirty="0"/>
           </a:p>
@@ -44362,7 +46288,7 @@
       </p:pic>
       <p:pic>
         <p:nvPicPr>
-          <p:cNvPr id="9" name="Picture 8">
+          <p:cNvPr id="11" name="Picture 10">
             <a:hlinkClick r:id="rId14"/>
           </p:cNvPr>
           <p:cNvPicPr>
@@ -44371,7 +46297,7 @@
           <p:nvPr/>
         </p:nvPicPr>
         <p:blipFill>
-          <a:blip r:embed="rId15" cstate="print">
+          <a:blip r:embed="rId15">
             <a:extLst>
               <a:ext uri="{28A0092B-C50C-407E-A947-70E740481C1C}">
                 <a14:useLocalDpi xmlns:a14="http://schemas.microsoft.com/office/drawing/2010/main" val="0"/>
@@ -44384,8 +46310,8 @@
         </p:blipFill>
         <p:spPr>
           <a:xfrm>
-            <a:off x="455612" y="5676828"/>
-            <a:ext cx="2856368" cy="723768"/>
+            <a:off x="493938" y="5463746"/>
+            <a:ext cx="3096656" cy="784654"/>
           </a:xfrm>
           <a:prstGeom prst="roundRect">
             <a:avLst>
@@ -44396,7 +46322,7 @@
       </p:pic>
       <p:pic>
         <p:nvPicPr>
-          <p:cNvPr id="10" name="Picture 9">
+          <p:cNvPr id="12" name="Picture 11">
             <a:hlinkClick r:id="rId16"/>
           </p:cNvPr>
           <p:cNvPicPr>
@@ -44418,7 +46344,7 @@
         </p:blipFill>
         <p:spPr>
           <a:xfrm>
-            <a:off x="3587388" y="5754396"/>
+            <a:off x="3985011" y="5570496"/>
             <a:ext cx="2947601" cy="568632"/>
           </a:xfrm>
           <a:prstGeom prst="roundRect">
@@ -44428,10 +46354,78 @@
           </a:prstGeom>
         </p:spPr>
       </p:pic>
+      <p:pic>
+        <p:nvPicPr>
+          <p:cNvPr id="13" name="Picture 12">
+            <a:hlinkClick r:id="rId18"/>
+          </p:cNvPr>
+          <p:cNvPicPr>
+            <a:picLocks noChangeAspect="1"/>
+          </p:cNvPicPr>
+          <p:nvPr/>
+        </p:nvPicPr>
+        <p:blipFill>
+          <a:blip r:embed="rId19">
+            <a:extLst>
+              <a:ext uri="{28A0092B-C50C-407E-A947-70E740481C1C}">
+                <a14:useLocalDpi xmlns:a14="http://schemas.microsoft.com/office/drawing/2010/main" val="0"/>
+              </a:ext>
+            </a:extLst>
+          </a:blip>
+          <a:stretch>
+            <a:fillRect/>
+          </a:stretch>
+        </p:blipFill>
+        <p:spPr>
+          <a:xfrm>
+            <a:off x="7309535" y="5463746"/>
+            <a:ext cx="1451877" cy="784654"/>
+          </a:xfrm>
+          <a:prstGeom prst="roundRect">
+            <a:avLst>
+              <a:gd name="adj" fmla="val 2953"/>
+            </a:avLst>
+          </a:prstGeom>
+        </p:spPr>
+      </p:pic>
+      <p:pic>
+        <p:nvPicPr>
+          <p:cNvPr id="14" name="Picture 13">
+            <a:hlinkClick r:id="rId20"/>
+          </p:cNvPr>
+          <p:cNvPicPr>
+            <a:picLocks noChangeAspect="1"/>
+          </p:cNvPicPr>
+          <p:nvPr/>
+        </p:nvPicPr>
+        <p:blipFill>
+          <a:blip r:embed="rId21" cstate="print">
+            <a:extLst>
+              <a:ext uri="{28A0092B-C50C-407E-A947-70E740481C1C}">
+                <a14:useLocalDpi xmlns:a14="http://schemas.microsoft.com/office/drawing/2010/main" val="0"/>
+              </a:ext>
+            </a:extLst>
+          </a:blip>
+          <a:stretch>
+            <a:fillRect/>
+          </a:stretch>
+        </p:blipFill>
+        <p:spPr>
+          <a:xfrm>
+            <a:off x="9159214" y="5461225"/>
+            <a:ext cx="2551399" cy="787175"/>
+          </a:xfrm>
+          <a:prstGeom prst="roundRect">
+            <a:avLst>
+              <a:gd name="adj" fmla="val 2953"/>
+            </a:avLst>
+          </a:prstGeom>
+        </p:spPr>
+      </p:pic>
     </p:spTree>
     <p:extLst>
       <p:ext uri="{BB962C8B-B14F-4D97-AF65-F5344CB8AC3E}">
-        <p14:creationId xmlns:p14="http://schemas.microsoft.com/office/powerpoint/2010/main" val="1937890227"/>
+        <p14:creationId xmlns:p14="http://schemas.microsoft.com/office/powerpoint/2010/main" val="4209154557"/>
       </p:ext>
     </p:extLst>
   </p:cSld>
@@ -45420,12 +47414,12 @@
               <a:t>searching and retrieving of data </a:t>
             </a:r>
             <a:r>
-              <a:rPr lang="en-US" dirty="0" err="1" smtClean="0"/>
-              <a:t>ows</a:t>
-            </a:r>
-            <a:r>
               <a:rPr lang="en-US" dirty="0" smtClean="0"/>
-              <a:t> stored in the </a:t>
+              <a:t>rows </a:t>
+            </a:r>
+            <a:r>
+              <a:rPr lang="en-US" dirty="0" smtClean="0"/>
+              <a:t>stored in the </a:t>
             </a:r>
             <a:r>
               <a:rPr lang="en-US" dirty="0"/>
@@ -45441,7 +47435,21 @@
             </a:pPr>
             <a:r>
               <a:rPr lang="en-US" dirty="0" smtClean="0"/>
-              <a:t>Support for the SQL language</a:t>
+              <a:t>Support for the </a:t>
+            </a:r>
+            <a:r>
+              <a:rPr lang="en-US" dirty="0" smtClean="0">
+                <a:solidFill>
+                  <a:schemeClr val="tx2">
+                    <a:lumMod val="75000"/>
+                  </a:schemeClr>
+                </a:solidFill>
+              </a:rPr>
+              <a:t>SQL</a:t>
+            </a:r>
+            <a:r>
+              <a:rPr lang="en-US" dirty="0" smtClean="0"/>
+              <a:t> language</a:t>
             </a:r>
             <a:endParaRPr lang="bg-BG" dirty="0"/>
           </a:p>
@@ -45720,7 +47728,7 @@
         </p:blipFill>
         <p:spPr bwMode="auto">
           <a:xfrm>
-            <a:off x="8456612" y="1600200"/>
+            <a:off x="8923336" y="1649192"/>
             <a:ext cx="2276476" cy="1686460"/>
           </a:xfrm>
           <a:prstGeom prst="roundRect">
@@ -45764,7 +47772,7 @@
         </p:blipFill>
         <p:spPr bwMode="auto">
           <a:xfrm>
-            <a:off x="8456612" y="3961128"/>
+            <a:off x="8923336" y="4010120"/>
             <a:ext cx="2268138" cy="2085880"/>
           </a:xfrm>
           <a:prstGeom prst="roundRect">
@@ -45818,7 +47826,7 @@
         </p:nvSpPr>
         <p:spPr>
           <a:xfrm>
-            <a:off x="1446212" y="4876800"/>
+            <a:off x="1446212" y="4747592"/>
             <a:ext cx="8938472" cy="820600"/>
           </a:xfrm>
         </p:spPr>
@@ -45846,7 +47854,7 @@
         </p:nvSpPr>
         <p:spPr>
           <a:xfrm>
-            <a:off x="859684" y="5678768"/>
+            <a:off x="859684" y="5602568"/>
             <a:ext cx="10111528" cy="688256"/>
           </a:xfrm>
         </p:spPr>
@@ -45885,12 +47893,12 @@
         </p:blipFill>
         <p:spPr bwMode="auto">
           <a:xfrm>
-            <a:off x="4061324" y="1447800"/>
+            <a:off x="4061324" y="1371600"/>
             <a:ext cx="3708248" cy="3033210"/>
           </a:xfrm>
           <a:prstGeom prst="roundRect">
             <a:avLst>
-              <a:gd name="adj" fmla="val 1961"/>
+              <a:gd name="adj" fmla="val 3709"/>
             </a:avLst>
           </a:prstGeom>
           <a:noFill/>
@@ -46200,13 +48208,13 @@
           <p:nvPr>
             <p:extLst>
               <p:ext uri="{D42A27DB-BD31-4B8C-83A1-F6EECF244321}">
-                <p14:modId xmlns:p14="http://schemas.microsoft.com/office/powerpoint/2010/main" val="1605550094"/>
+                <p14:modId xmlns:p14="http://schemas.microsoft.com/office/powerpoint/2010/main" val="3114610516"/>
               </p:ext>
             </p:extLst>
           </p:nvPr>
         </p:nvGraphicFramePr>
         <p:xfrm>
-          <a:off x="2132012" y="2667000"/>
+          <a:off x="2132012" y="2706756"/>
           <a:ext cx="8125884" cy="1828800"/>
         </p:xfrm>
         <a:graphic>
@@ -46229,10 +48237,26 @@
                     <a:p>
                       <a:pPr algn="ctr"/>
                       <a:r>
-                        <a:rPr lang="en-GB" noProof="1" smtClean="0"/>
+                        <a:rPr lang="en-GB" noProof="1" smtClean="0">
+                          <a:effectLst>
+                            <a:outerShdw blurRad="38100" dist="38100" dir="2700000" algn="tl">
+                              <a:srgbClr val="000000">
+                                <a:alpha val="43137"/>
+                              </a:srgbClr>
+                            </a:outerShdw>
+                          </a:effectLst>
+                        </a:rPr>
                         <a:t>Id</a:t>
                       </a:r>
-                      <a:endParaRPr lang="en-GB" noProof="1"/>
+                      <a:endParaRPr lang="en-GB" noProof="1">
+                        <a:effectLst>
+                          <a:outerShdw blurRad="38100" dist="38100" dir="2700000" algn="tl">
+                            <a:srgbClr val="000000">
+                              <a:alpha val="43137"/>
+                            </a:srgbClr>
+                          </a:outerShdw>
+                        </a:effectLst>
+                      </a:endParaRPr>
                     </a:p>
                   </a:txBody>
                   <a:tcPr/>
@@ -46244,10 +48268,26 @@
                     <a:p>
                       <a:pPr algn="ctr"/>
                       <a:r>
-                        <a:rPr lang="en-GB" noProof="1" smtClean="0"/>
+                        <a:rPr lang="en-GB" noProof="1" smtClean="0">
+                          <a:effectLst>
+                            <a:outerShdw blurRad="38100" dist="38100" dir="2700000" algn="tl">
+                              <a:srgbClr val="000000">
+                                <a:alpha val="43137"/>
+                              </a:srgbClr>
+                            </a:outerShdw>
+                          </a:effectLst>
+                        </a:rPr>
                         <a:t>First Name</a:t>
                       </a:r>
-                      <a:endParaRPr lang="en-GB" noProof="1"/>
+                      <a:endParaRPr lang="en-GB" noProof="1">
+                        <a:effectLst>
+                          <a:outerShdw blurRad="38100" dist="38100" dir="2700000" algn="tl">
+                            <a:srgbClr val="000000">
+                              <a:alpha val="43137"/>
+                            </a:srgbClr>
+                          </a:outerShdw>
+                        </a:effectLst>
+                      </a:endParaRPr>
                     </a:p>
                   </a:txBody>
                   <a:tcPr/>
@@ -46259,10 +48299,26 @@
                     <a:p>
                       <a:pPr algn="ctr"/>
                       <a:r>
-                        <a:rPr lang="en-GB" noProof="1" smtClean="0"/>
+                        <a:rPr lang="en-GB" noProof="1" smtClean="0">
+                          <a:effectLst>
+                            <a:outerShdw blurRad="38100" dist="38100" dir="2700000" algn="tl">
+                              <a:srgbClr val="000000">
+                                <a:alpha val="43137"/>
+                              </a:srgbClr>
+                            </a:outerShdw>
+                          </a:effectLst>
+                        </a:rPr>
                         <a:t>Last Name</a:t>
                       </a:r>
-                      <a:endParaRPr lang="en-GB" noProof="1"/>
+                      <a:endParaRPr lang="en-GB" noProof="1">
+                        <a:effectLst>
+                          <a:outerShdw blurRad="38100" dist="38100" dir="2700000" algn="tl">
+                            <a:srgbClr val="000000">
+                              <a:alpha val="43137"/>
+                            </a:srgbClr>
+                          </a:outerShdw>
+                        </a:effectLst>
+                      </a:endParaRPr>
                     </a:p>
                   </a:txBody>
                   <a:tcPr/>
@@ -46274,10 +48330,26 @@
                     <a:p>
                       <a:pPr algn="ctr"/>
                       <a:r>
-                        <a:rPr lang="en-GB" noProof="1" smtClean="0"/>
+                        <a:rPr lang="en-GB" noProof="1" smtClean="0">
+                          <a:effectLst>
+                            <a:outerShdw blurRad="38100" dist="38100" dir="2700000" algn="tl">
+                              <a:srgbClr val="000000">
+                                <a:alpha val="43137"/>
+                              </a:srgbClr>
+                            </a:outerShdw>
+                          </a:effectLst>
+                        </a:rPr>
                         <a:t>Employer</a:t>
                       </a:r>
-                      <a:endParaRPr lang="en-GB" noProof="1"/>
+                      <a:endParaRPr lang="en-GB" noProof="1">
+                        <a:effectLst>
+                          <a:outerShdw blurRad="38100" dist="38100" dir="2700000" algn="tl">
+                            <a:srgbClr val="000000">
+                              <a:alpha val="43137"/>
+                            </a:srgbClr>
+                          </a:outerShdw>
+                        </a:effectLst>
+                      </a:endParaRPr>
                     </a:p>
                   </a:txBody>
                   <a:tcPr/>
